--- a/Patterns.pptx
+++ b/Patterns.pptx
@@ -5,10 +5,10 @@
     <p:sldMasterId id="2147483658" r:id="rId4"/>
   </p:sldMasterIdLst>
   <p:notesMasterIdLst>
-    <p:notesMasterId r:id="rId15"/>
+    <p:notesMasterId r:id="rId22"/>
   </p:notesMasterIdLst>
   <p:handoutMasterIdLst>
-    <p:handoutMasterId r:id="rId16"/>
+    <p:handoutMasterId r:id="rId23"/>
   </p:handoutMasterIdLst>
   <p:sldIdLst>
     <p:sldId id="410" r:id="rId5"/>
@@ -21,6 +21,13 @@
     <p:sldId id="414" r:id="rId12"/>
     <p:sldId id="415" r:id="rId13"/>
     <p:sldId id="416" r:id="rId14"/>
+    <p:sldId id="417" r:id="rId15"/>
+    <p:sldId id="418" r:id="rId16"/>
+    <p:sldId id="419" r:id="rId17"/>
+    <p:sldId id="420" r:id="rId18"/>
+    <p:sldId id="421" r:id="rId19"/>
+    <p:sldId id="422" r:id="rId20"/>
+    <p:sldId id="423" r:id="rId21"/>
   </p:sldIdLst>
   <p:sldSz cx="12192000" cy="6858000"/>
   <p:notesSz cx="6858000" cy="9144000"/>
@@ -199,7 +206,7 @@
           <a:p>
             <a:fld id="{1EBEDD12-BCD5-485B-BCBC-34BB01D7923C}" type="datetimeFigureOut">
               <a:rPr lang="en-US" smtClean="0"/>
-              <a:t>6/16/2025</a:t>
+              <a:t>7/21/2025</a:t>
             </a:fld>
             <a:endParaRPr lang="en-US" dirty="0"/>
           </a:p>
@@ -413,7 +420,7 @@
           <a:p>
             <a:fld id="{6EE7A52F-9D89-7442-A8E9-48D1527B5F6B}" type="datetimeFigureOut">
               <a:rPr lang="en-US" smtClean="0"/>
-              <a:t>6/16/2025</a:t>
+              <a:t>7/21/2025</a:t>
             </a:fld>
             <a:endParaRPr lang="en-US" dirty="0"/>
           </a:p>
@@ -863,6 +870,762 @@
     <p:extLst>
       <p:ext uri="{BB962C8B-B14F-4D97-AF65-F5344CB8AC3E}">
         <p14:creationId xmlns:p14="http://schemas.microsoft.com/office/powerpoint/2010/main" val="3483832806"/>
+      </p:ext>
+    </p:extLst>
+  </p:cSld>
+  <p:clrMapOvr>
+    <a:masterClrMapping/>
+  </p:clrMapOvr>
+</p:notes>
+</file>
+
+<file path=ppt/notesSlides/notesSlide11.xml><?xml version="1.0" encoding="utf-8"?>
+<p:notes xmlns:a="http://schemas.openxmlformats.org/drawingml/2006/main" xmlns:r="http://schemas.openxmlformats.org/officeDocument/2006/relationships" xmlns:p="http://schemas.openxmlformats.org/presentationml/2006/main">
+  <p:cSld>
+    <p:spTree>
+      <p:nvGrpSpPr>
+        <p:cNvPr id="1" name="">
+          <a:extLst>
+            <a:ext uri="{FF2B5EF4-FFF2-40B4-BE49-F238E27FC236}">
+              <a16:creationId xmlns:a16="http://schemas.microsoft.com/office/drawing/2014/main" id="{F09BED8A-8799-5EEA-6A7B-450900819E6C}"/>
+            </a:ext>
+          </a:extLst>
+        </p:cNvPr>
+        <p:cNvGrpSpPr/>
+        <p:nvPr/>
+      </p:nvGrpSpPr>
+      <p:grpSpPr>
+        <a:xfrm>
+          <a:off x="0" y="0"/>
+          <a:ext cx="0" cy="0"/>
+          <a:chOff x="0" y="0"/>
+          <a:chExt cx="0" cy="0"/>
+        </a:xfrm>
+      </p:grpSpPr>
+      <p:sp>
+        <p:nvSpPr>
+          <p:cNvPr id="2" name="Slide Image Placeholder 1">
+            <a:extLst>
+              <a:ext uri="{FF2B5EF4-FFF2-40B4-BE49-F238E27FC236}">
+                <a16:creationId xmlns:a16="http://schemas.microsoft.com/office/drawing/2014/main" id="{3527CF75-076F-4857-92CE-EC1832AAB772}"/>
+              </a:ext>
+            </a:extLst>
+          </p:cNvPr>
+          <p:cNvSpPr>
+            <a:spLocks noGrp="1" noRot="1" noChangeAspect="1"/>
+          </p:cNvSpPr>
+          <p:nvPr>
+            <p:ph type="sldImg"/>
+          </p:nvPr>
+        </p:nvSpPr>
+        <p:spPr/>
+      </p:sp>
+      <p:sp>
+        <p:nvSpPr>
+          <p:cNvPr id="3" name="Notes Placeholder 2">
+            <a:extLst>
+              <a:ext uri="{FF2B5EF4-FFF2-40B4-BE49-F238E27FC236}">
+                <a16:creationId xmlns:a16="http://schemas.microsoft.com/office/drawing/2014/main" id="{164315C8-4EC3-0C48-63DC-F3E2C26A0826}"/>
+              </a:ext>
+            </a:extLst>
+          </p:cNvPr>
+          <p:cNvSpPr>
+            <a:spLocks noGrp="1"/>
+          </p:cNvSpPr>
+          <p:nvPr>
+            <p:ph type="body" idx="1"/>
+          </p:nvPr>
+        </p:nvSpPr>
+        <p:spPr/>
+        <p:txBody>
+          <a:bodyPr/>
+          <a:lstStyle/>
+          <a:p>
+            <a:endParaRPr lang="en-US" dirty="0"/>
+          </a:p>
+        </p:txBody>
+      </p:sp>
+      <p:sp>
+        <p:nvSpPr>
+          <p:cNvPr id="4" name="Slide Number Placeholder 3">
+            <a:extLst>
+              <a:ext uri="{FF2B5EF4-FFF2-40B4-BE49-F238E27FC236}">
+                <a16:creationId xmlns:a16="http://schemas.microsoft.com/office/drawing/2014/main" id="{0C98A150-77CF-542F-0166-88657534323B}"/>
+              </a:ext>
+            </a:extLst>
+          </p:cNvPr>
+          <p:cNvSpPr>
+            <a:spLocks noGrp="1"/>
+          </p:cNvSpPr>
+          <p:nvPr>
+            <p:ph type="sldNum" sz="quarter" idx="5"/>
+          </p:nvPr>
+        </p:nvSpPr>
+        <p:spPr/>
+        <p:txBody>
+          <a:bodyPr/>
+          <a:lstStyle/>
+          <a:p>
+            <a:fld id="{A89C7E07-3C67-C64C-8DA0-0404F6303970}" type="slidenum">
+              <a:rPr lang="en-US" smtClean="0"/>
+              <a:t>11</a:t>
+            </a:fld>
+            <a:endParaRPr lang="en-US" dirty="0"/>
+          </a:p>
+        </p:txBody>
+      </p:sp>
+    </p:spTree>
+    <p:extLst>
+      <p:ext uri="{BB962C8B-B14F-4D97-AF65-F5344CB8AC3E}">
+        <p14:creationId xmlns:p14="http://schemas.microsoft.com/office/powerpoint/2010/main" val="2373088645"/>
+      </p:ext>
+    </p:extLst>
+  </p:cSld>
+  <p:clrMapOvr>
+    <a:masterClrMapping/>
+  </p:clrMapOvr>
+</p:notes>
+</file>
+
+<file path=ppt/notesSlides/notesSlide12.xml><?xml version="1.0" encoding="utf-8"?>
+<p:notes xmlns:a="http://schemas.openxmlformats.org/drawingml/2006/main" xmlns:r="http://schemas.openxmlformats.org/officeDocument/2006/relationships" xmlns:p="http://schemas.openxmlformats.org/presentationml/2006/main">
+  <p:cSld>
+    <p:spTree>
+      <p:nvGrpSpPr>
+        <p:cNvPr id="1" name="">
+          <a:extLst>
+            <a:ext uri="{FF2B5EF4-FFF2-40B4-BE49-F238E27FC236}">
+              <a16:creationId xmlns:a16="http://schemas.microsoft.com/office/drawing/2014/main" id="{7F3CAB2C-0548-6885-9CFC-2D940498BB4B}"/>
+            </a:ext>
+          </a:extLst>
+        </p:cNvPr>
+        <p:cNvGrpSpPr/>
+        <p:nvPr/>
+      </p:nvGrpSpPr>
+      <p:grpSpPr>
+        <a:xfrm>
+          <a:off x="0" y="0"/>
+          <a:ext cx="0" cy="0"/>
+          <a:chOff x="0" y="0"/>
+          <a:chExt cx="0" cy="0"/>
+        </a:xfrm>
+      </p:grpSpPr>
+      <p:sp>
+        <p:nvSpPr>
+          <p:cNvPr id="2" name="Slide Image Placeholder 1">
+            <a:extLst>
+              <a:ext uri="{FF2B5EF4-FFF2-40B4-BE49-F238E27FC236}">
+                <a16:creationId xmlns:a16="http://schemas.microsoft.com/office/drawing/2014/main" id="{73A6A635-8F09-200E-2596-CBF8D83DEE64}"/>
+              </a:ext>
+            </a:extLst>
+          </p:cNvPr>
+          <p:cNvSpPr>
+            <a:spLocks noGrp="1" noRot="1" noChangeAspect="1"/>
+          </p:cNvSpPr>
+          <p:nvPr>
+            <p:ph type="sldImg"/>
+          </p:nvPr>
+        </p:nvSpPr>
+        <p:spPr/>
+      </p:sp>
+      <p:sp>
+        <p:nvSpPr>
+          <p:cNvPr id="3" name="Notes Placeholder 2">
+            <a:extLst>
+              <a:ext uri="{FF2B5EF4-FFF2-40B4-BE49-F238E27FC236}">
+                <a16:creationId xmlns:a16="http://schemas.microsoft.com/office/drawing/2014/main" id="{376B5311-CFEF-A7C4-5ADE-25787CF28EBA}"/>
+              </a:ext>
+            </a:extLst>
+          </p:cNvPr>
+          <p:cNvSpPr>
+            <a:spLocks noGrp="1"/>
+          </p:cNvSpPr>
+          <p:nvPr>
+            <p:ph type="body" idx="1"/>
+          </p:nvPr>
+        </p:nvSpPr>
+        <p:spPr/>
+        <p:txBody>
+          <a:bodyPr/>
+          <a:lstStyle/>
+          <a:p>
+            <a:endParaRPr lang="en-US" dirty="0"/>
+          </a:p>
+        </p:txBody>
+      </p:sp>
+      <p:sp>
+        <p:nvSpPr>
+          <p:cNvPr id="4" name="Slide Number Placeholder 3">
+            <a:extLst>
+              <a:ext uri="{FF2B5EF4-FFF2-40B4-BE49-F238E27FC236}">
+                <a16:creationId xmlns:a16="http://schemas.microsoft.com/office/drawing/2014/main" id="{EBAC4A1E-2333-456A-674B-271719D5C1A8}"/>
+              </a:ext>
+            </a:extLst>
+          </p:cNvPr>
+          <p:cNvSpPr>
+            <a:spLocks noGrp="1"/>
+          </p:cNvSpPr>
+          <p:nvPr>
+            <p:ph type="sldNum" sz="quarter" idx="5"/>
+          </p:nvPr>
+        </p:nvSpPr>
+        <p:spPr/>
+        <p:txBody>
+          <a:bodyPr/>
+          <a:lstStyle/>
+          <a:p>
+            <a:fld id="{A89C7E07-3C67-C64C-8DA0-0404F6303970}" type="slidenum">
+              <a:rPr lang="en-US" smtClean="0"/>
+              <a:t>12</a:t>
+            </a:fld>
+            <a:endParaRPr lang="en-US" dirty="0"/>
+          </a:p>
+        </p:txBody>
+      </p:sp>
+    </p:spTree>
+    <p:extLst>
+      <p:ext uri="{BB962C8B-B14F-4D97-AF65-F5344CB8AC3E}">
+        <p14:creationId xmlns:p14="http://schemas.microsoft.com/office/powerpoint/2010/main" val="3733726065"/>
+      </p:ext>
+    </p:extLst>
+  </p:cSld>
+  <p:clrMapOvr>
+    <a:masterClrMapping/>
+  </p:clrMapOvr>
+</p:notes>
+</file>
+
+<file path=ppt/notesSlides/notesSlide13.xml><?xml version="1.0" encoding="utf-8"?>
+<p:notes xmlns:a="http://schemas.openxmlformats.org/drawingml/2006/main" xmlns:r="http://schemas.openxmlformats.org/officeDocument/2006/relationships" xmlns:p="http://schemas.openxmlformats.org/presentationml/2006/main">
+  <p:cSld>
+    <p:spTree>
+      <p:nvGrpSpPr>
+        <p:cNvPr id="1" name="">
+          <a:extLst>
+            <a:ext uri="{FF2B5EF4-FFF2-40B4-BE49-F238E27FC236}">
+              <a16:creationId xmlns:a16="http://schemas.microsoft.com/office/drawing/2014/main" id="{DE24C7BF-A9E3-5E58-0978-C5FF3D5799FB}"/>
+            </a:ext>
+          </a:extLst>
+        </p:cNvPr>
+        <p:cNvGrpSpPr/>
+        <p:nvPr/>
+      </p:nvGrpSpPr>
+      <p:grpSpPr>
+        <a:xfrm>
+          <a:off x="0" y="0"/>
+          <a:ext cx="0" cy="0"/>
+          <a:chOff x="0" y="0"/>
+          <a:chExt cx="0" cy="0"/>
+        </a:xfrm>
+      </p:grpSpPr>
+      <p:sp>
+        <p:nvSpPr>
+          <p:cNvPr id="2" name="Slide Image Placeholder 1">
+            <a:extLst>
+              <a:ext uri="{FF2B5EF4-FFF2-40B4-BE49-F238E27FC236}">
+                <a16:creationId xmlns:a16="http://schemas.microsoft.com/office/drawing/2014/main" id="{F78A77D5-525D-3C5F-FFF0-868C66DD55E6}"/>
+              </a:ext>
+            </a:extLst>
+          </p:cNvPr>
+          <p:cNvSpPr>
+            <a:spLocks noGrp="1" noRot="1" noChangeAspect="1"/>
+          </p:cNvSpPr>
+          <p:nvPr>
+            <p:ph type="sldImg"/>
+          </p:nvPr>
+        </p:nvSpPr>
+        <p:spPr/>
+      </p:sp>
+      <p:sp>
+        <p:nvSpPr>
+          <p:cNvPr id="3" name="Notes Placeholder 2">
+            <a:extLst>
+              <a:ext uri="{FF2B5EF4-FFF2-40B4-BE49-F238E27FC236}">
+                <a16:creationId xmlns:a16="http://schemas.microsoft.com/office/drawing/2014/main" id="{D1A4BFBF-D8AD-2C59-C989-7A20EEC0D1B0}"/>
+              </a:ext>
+            </a:extLst>
+          </p:cNvPr>
+          <p:cNvSpPr>
+            <a:spLocks noGrp="1"/>
+          </p:cNvSpPr>
+          <p:nvPr>
+            <p:ph type="body" idx="1"/>
+          </p:nvPr>
+        </p:nvSpPr>
+        <p:spPr/>
+        <p:txBody>
+          <a:bodyPr/>
+          <a:lstStyle/>
+          <a:p>
+            <a:endParaRPr lang="en-US" dirty="0"/>
+          </a:p>
+        </p:txBody>
+      </p:sp>
+      <p:sp>
+        <p:nvSpPr>
+          <p:cNvPr id="4" name="Slide Number Placeholder 3">
+            <a:extLst>
+              <a:ext uri="{FF2B5EF4-FFF2-40B4-BE49-F238E27FC236}">
+                <a16:creationId xmlns:a16="http://schemas.microsoft.com/office/drawing/2014/main" id="{A3127F54-FFFE-5A8B-68A6-408833232DAE}"/>
+              </a:ext>
+            </a:extLst>
+          </p:cNvPr>
+          <p:cNvSpPr>
+            <a:spLocks noGrp="1"/>
+          </p:cNvSpPr>
+          <p:nvPr>
+            <p:ph type="sldNum" sz="quarter" idx="5"/>
+          </p:nvPr>
+        </p:nvSpPr>
+        <p:spPr/>
+        <p:txBody>
+          <a:bodyPr/>
+          <a:lstStyle/>
+          <a:p>
+            <a:fld id="{A89C7E07-3C67-C64C-8DA0-0404F6303970}" type="slidenum">
+              <a:rPr lang="en-US" smtClean="0"/>
+              <a:t>13</a:t>
+            </a:fld>
+            <a:endParaRPr lang="en-US" dirty="0"/>
+          </a:p>
+        </p:txBody>
+      </p:sp>
+    </p:spTree>
+    <p:extLst>
+      <p:ext uri="{BB962C8B-B14F-4D97-AF65-F5344CB8AC3E}">
+        <p14:creationId xmlns:p14="http://schemas.microsoft.com/office/powerpoint/2010/main" val="1990576986"/>
+      </p:ext>
+    </p:extLst>
+  </p:cSld>
+  <p:clrMapOvr>
+    <a:masterClrMapping/>
+  </p:clrMapOvr>
+</p:notes>
+</file>
+
+<file path=ppt/notesSlides/notesSlide14.xml><?xml version="1.0" encoding="utf-8"?>
+<p:notes xmlns:a="http://schemas.openxmlformats.org/drawingml/2006/main" xmlns:r="http://schemas.openxmlformats.org/officeDocument/2006/relationships" xmlns:p="http://schemas.openxmlformats.org/presentationml/2006/main">
+  <p:cSld>
+    <p:spTree>
+      <p:nvGrpSpPr>
+        <p:cNvPr id="1" name="">
+          <a:extLst>
+            <a:ext uri="{FF2B5EF4-FFF2-40B4-BE49-F238E27FC236}">
+              <a16:creationId xmlns:a16="http://schemas.microsoft.com/office/drawing/2014/main" id="{877E6E5F-DF5A-C0A1-ECFB-059344326941}"/>
+            </a:ext>
+          </a:extLst>
+        </p:cNvPr>
+        <p:cNvGrpSpPr/>
+        <p:nvPr/>
+      </p:nvGrpSpPr>
+      <p:grpSpPr>
+        <a:xfrm>
+          <a:off x="0" y="0"/>
+          <a:ext cx="0" cy="0"/>
+          <a:chOff x="0" y="0"/>
+          <a:chExt cx="0" cy="0"/>
+        </a:xfrm>
+      </p:grpSpPr>
+      <p:sp>
+        <p:nvSpPr>
+          <p:cNvPr id="2" name="Slide Image Placeholder 1">
+            <a:extLst>
+              <a:ext uri="{FF2B5EF4-FFF2-40B4-BE49-F238E27FC236}">
+                <a16:creationId xmlns:a16="http://schemas.microsoft.com/office/drawing/2014/main" id="{D3698FD5-1D0F-87EC-EC94-CD437872213A}"/>
+              </a:ext>
+            </a:extLst>
+          </p:cNvPr>
+          <p:cNvSpPr>
+            <a:spLocks noGrp="1" noRot="1" noChangeAspect="1"/>
+          </p:cNvSpPr>
+          <p:nvPr>
+            <p:ph type="sldImg"/>
+          </p:nvPr>
+        </p:nvSpPr>
+        <p:spPr/>
+      </p:sp>
+      <p:sp>
+        <p:nvSpPr>
+          <p:cNvPr id="3" name="Notes Placeholder 2">
+            <a:extLst>
+              <a:ext uri="{FF2B5EF4-FFF2-40B4-BE49-F238E27FC236}">
+                <a16:creationId xmlns:a16="http://schemas.microsoft.com/office/drawing/2014/main" id="{83E0B576-65DA-ED1A-39DE-47D909A2149A}"/>
+              </a:ext>
+            </a:extLst>
+          </p:cNvPr>
+          <p:cNvSpPr>
+            <a:spLocks noGrp="1"/>
+          </p:cNvSpPr>
+          <p:nvPr>
+            <p:ph type="body" idx="1"/>
+          </p:nvPr>
+        </p:nvSpPr>
+        <p:spPr/>
+        <p:txBody>
+          <a:bodyPr/>
+          <a:lstStyle/>
+          <a:p>
+            <a:endParaRPr lang="en-US" dirty="0"/>
+          </a:p>
+        </p:txBody>
+      </p:sp>
+      <p:sp>
+        <p:nvSpPr>
+          <p:cNvPr id="4" name="Slide Number Placeholder 3">
+            <a:extLst>
+              <a:ext uri="{FF2B5EF4-FFF2-40B4-BE49-F238E27FC236}">
+                <a16:creationId xmlns:a16="http://schemas.microsoft.com/office/drawing/2014/main" id="{317F7B6A-4372-51D0-5157-271374AC4B73}"/>
+              </a:ext>
+            </a:extLst>
+          </p:cNvPr>
+          <p:cNvSpPr>
+            <a:spLocks noGrp="1"/>
+          </p:cNvSpPr>
+          <p:nvPr>
+            <p:ph type="sldNum" sz="quarter" idx="5"/>
+          </p:nvPr>
+        </p:nvSpPr>
+        <p:spPr/>
+        <p:txBody>
+          <a:bodyPr/>
+          <a:lstStyle/>
+          <a:p>
+            <a:fld id="{A89C7E07-3C67-C64C-8DA0-0404F6303970}" type="slidenum">
+              <a:rPr lang="en-US" smtClean="0"/>
+              <a:t>14</a:t>
+            </a:fld>
+            <a:endParaRPr lang="en-US" dirty="0"/>
+          </a:p>
+        </p:txBody>
+      </p:sp>
+    </p:spTree>
+    <p:extLst>
+      <p:ext uri="{BB962C8B-B14F-4D97-AF65-F5344CB8AC3E}">
+        <p14:creationId xmlns:p14="http://schemas.microsoft.com/office/powerpoint/2010/main" val="3008463873"/>
+      </p:ext>
+    </p:extLst>
+  </p:cSld>
+  <p:clrMapOvr>
+    <a:masterClrMapping/>
+  </p:clrMapOvr>
+</p:notes>
+</file>
+
+<file path=ppt/notesSlides/notesSlide15.xml><?xml version="1.0" encoding="utf-8"?>
+<p:notes xmlns:a="http://schemas.openxmlformats.org/drawingml/2006/main" xmlns:r="http://schemas.openxmlformats.org/officeDocument/2006/relationships" xmlns:p="http://schemas.openxmlformats.org/presentationml/2006/main">
+  <p:cSld>
+    <p:spTree>
+      <p:nvGrpSpPr>
+        <p:cNvPr id="1" name="">
+          <a:extLst>
+            <a:ext uri="{FF2B5EF4-FFF2-40B4-BE49-F238E27FC236}">
+              <a16:creationId xmlns:a16="http://schemas.microsoft.com/office/drawing/2014/main" id="{CCAFC164-9200-8C71-18F4-538F151C8D09}"/>
+            </a:ext>
+          </a:extLst>
+        </p:cNvPr>
+        <p:cNvGrpSpPr/>
+        <p:nvPr/>
+      </p:nvGrpSpPr>
+      <p:grpSpPr>
+        <a:xfrm>
+          <a:off x="0" y="0"/>
+          <a:ext cx="0" cy="0"/>
+          <a:chOff x="0" y="0"/>
+          <a:chExt cx="0" cy="0"/>
+        </a:xfrm>
+      </p:grpSpPr>
+      <p:sp>
+        <p:nvSpPr>
+          <p:cNvPr id="2" name="Slide Image Placeholder 1">
+            <a:extLst>
+              <a:ext uri="{FF2B5EF4-FFF2-40B4-BE49-F238E27FC236}">
+                <a16:creationId xmlns:a16="http://schemas.microsoft.com/office/drawing/2014/main" id="{848B3787-BCAE-08FC-2EC4-1A8DB17DBCC1}"/>
+              </a:ext>
+            </a:extLst>
+          </p:cNvPr>
+          <p:cNvSpPr>
+            <a:spLocks noGrp="1" noRot="1" noChangeAspect="1"/>
+          </p:cNvSpPr>
+          <p:nvPr>
+            <p:ph type="sldImg"/>
+          </p:nvPr>
+        </p:nvSpPr>
+        <p:spPr/>
+      </p:sp>
+      <p:sp>
+        <p:nvSpPr>
+          <p:cNvPr id="3" name="Notes Placeholder 2">
+            <a:extLst>
+              <a:ext uri="{FF2B5EF4-FFF2-40B4-BE49-F238E27FC236}">
+                <a16:creationId xmlns:a16="http://schemas.microsoft.com/office/drawing/2014/main" id="{B8B7D0C2-2E77-B235-934A-48588D505B71}"/>
+              </a:ext>
+            </a:extLst>
+          </p:cNvPr>
+          <p:cNvSpPr>
+            <a:spLocks noGrp="1"/>
+          </p:cNvSpPr>
+          <p:nvPr>
+            <p:ph type="body" idx="1"/>
+          </p:nvPr>
+        </p:nvSpPr>
+        <p:spPr/>
+        <p:txBody>
+          <a:bodyPr/>
+          <a:lstStyle/>
+          <a:p>
+            <a:endParaRPr lang="en-US" dirty="0"/>
+          </a:p>
+        </p:txBody>
+      </p:sp>
+      <p:sp>
+        <p:nvSpPr>
+          <p:cNvPr id="4" name="Slide Number Placeholder 3">
+            <a:extLst>
+              <a:ext uri="{FF2B5EF4-FFF2-40B4-BE49-F238E27FC236}">
+                <a16:creationId xmlns:a16="http://schemas.microsoft.com/office/drawing/2014/main" id="{815C824A-738A-021A-43D3-0DA8735528B5}"/>
+              </a:ext>
+            </a:extLst>
+          </p:cNvPr>
+          <p:cNvSpPr>
+            <a:spLocks noGrp="1"/>
+          </p:cNvSpPr>
+          <p:nvPr>
+            <p:ph type="sldNum" sz="quarter" idx="5"/>
+          </p:nvPr>
+        </p:nvSpPr>
+        <p:spPr/>
+        <p:txBody>
+          <a:bodyPr/>
+          <a:lstStyle/>
+          <a:p>
+            <a:fld id="{A89C7E07-3C67-C64C-8DA0-0404F6303970}" type="slidenum">
+              <a:rPr lang="en-US" smtClean="0"/>
+              <a:t>15</a:t>
+            </a:fld>
+            <a:endParaRPr lang="en-US" dirty="0"/>
+          </a:p>
+        </p:txBody>
+      </p:sp>
+    </p:spTree>
+    <p:extLst>
+      <p:ext uri="{BB962C8B-B14F-4D97-AF65-F5344CB8AC3E}">
+        <p14:creationId xmlns:p14="http://schemas.microsoft.com/office/powerpoint/2010/main" val="264507441"/>
+      </p:ext>
+    </p:extLst>
+  </p:cSld>
+  <p:clrMapOvr>
+    <a:masterClrMapping/>
+  </p:clrMapOvr>
+</p:notes>
+</file>
+
+<file path=ppt/notesSlides/notesSlide16.xml><?xml version="1.0" encoding="utf-8"?>
+<p:notes xmlns:a="http://schemas.openxmlformats.org/drawingml/2006/main" xmlns:r="http://schemas.openxmlformats.org/officeDocument/2006/relationships" xmlns:p="http://schemas.openxmlformats.org/presentationml/2006/main">
+  <p:cSld>
+    <p:spTree>
+      <p:nvGrpSpPr>
+        <p:cNvPr id="1" name="">
+          <a:extLst>
+            <a:ext uri="{FF2B5EF4-FFF2-40B4-BE49-F238E27FC236}">
+              <a16:creationId xmlns:a16="http://schemas.microsoft.com/office/drawing/2014/main" id="{8A0A258D-1C50-9D2E-00F6-6ABD8DCADD06}"/>
+            </a:ext>
+          </a:extLst>
+        </p:cNvPr>
+        <p:cNvGrpSpPr/>
+        <p:nvPr/>
+      </p:nvGrpSpPr>
+      <p:grpSpPr>
+        <a:xfrm>
+          <a:off x="0" y="0"/>
+          <a:ext cx="0" cy="0"/>
+          <a:chOff x="0" y="0"/>
+          <a:chExt cx="0" cy="0"/>
+        </a:xfrm>
+      </p:grpSpPr>
+      <p:sp>
+        <p:nvSpPr>
+          <p:cNvPr id="2" name="Slide Image Placeholder 1">
+            <a:extLst>
+              <a:ext uri="{FF2B5EF4-FFF2-40B4-BE49-F238E27FC236}">
+                <a16:creationId xmlns:a16="http://schemas.microsoft.com/office/drawing/2014/main" id="{9745790D-2802-66CE-A74C-6075B0F3DC17}"/>
+              </a:ext>
+            </a:extLst>
+          </p:cNvPr>
+          <p:cNvSpPr>
+            <a:spLocks noGrp="1" noRot="1" noChangeAspect="1"/>
+          </p:cNvSpPr>
+          <p:nvPr>
+            <p:ph type="sldImg"/>
+          </p:nvPr>
+        </p:nvSpPr>
+        <p:spPr/>
+      </p:sp>
+      <p:sp>
+        <p:nvSpPr>
+          <p:cNvPr id="3" name="Notes Placeholder 2">
+            <a:extLst>
+              <a:ext uri="{FF2B5EF4-FFF2-40B4-BE49-F238E27FC236}">
+                <a16:creationId xmlns:a16="http://schemas.microsoft.com/office/drawing/2014/main" id="{690CA084-3BF5-5591-0A58-2FB9A81DD876}"/>
+              </a:ext>
+            </a:extLst>
+          </p:cNvPr>
+          <p:cNvSpPr>
+            <a:spLocks noGrp="1"/>
+          </p:cNvSpPr>
+          <p:nvPr>
+            <p:ph type="body" idx="1"/>
+          </p:nvPr>
+        </p:nvSpPr>
+        <p:spPr/>
+        <p:txBody>
+          <a:bodyPr/>
+          <a:lstStyle/>
+          <a:p>
+            <a:endParaRPr lang="en-US" dirty="0"/>
+          </a:p>
+        </p:txBody>
+      </p:sp>
+      <p:sp>
+        <p:nvSpPr>
+          <p:cNvPr id="4" name="Slide Number Placeholder 3">
+            <a:extLst>
+              <a:ext uri="{FF2B5EF4-FFF2-40B4-BE49-F238E27FC236}">
+                <a16:creationId xmlns:a16="http://schemas.microsoft.com/office/drawing/2014/main" id="{22F6A1B3-41C4-8480-DA4D-B19D9FE01AEF}"/>
+              </a:ext>
+            </a:extLst>
+          </p:cNvPr>
+          <p:cNvSpPr>
+            <a:spLocks noGrp="1"/>
+          </p:cNvSpPr>
+          <p:nvPr>
+            <p:ph type="sldNum" sz="quarter" idx="5"/>
+          </p:nvPr>
+        </p:nvSpPr>
+        <p:spPr/>
+        <p:txBody>
+          <a:bodyPr/>
+          <a:lstStyle/>
+          <a:p>
+            <a:fld id="{A89C7E07-3C67-C64C-8DA0-0404F6303970}" type="slidenum">
+              <a:rPr lang="en-US" smtClean="0"/>
+              <a:t>16</a:t>
+            </a:fld>
+            <a:endParaRPr lang="en-US" dirty="0"/>
+          </a:p>
+        </p:txBody>
+      </p:sp>
+    </p:spTree>
+    <p:extLst>
+      <p:ext uri="{BB962C8B-B14F-4D97-AF65-F5344CB8AC3E}">
+        <p14:creationId xmlns:p14="http://schemas.microsoft.com/office/powerpoint/2010/main" val="2100157980"/>
+      </p:ext>
+    </p:extLst>
+  </p:cSld>
+  <p:clrMapOvr>
+    <a:masterClrMapping/>
+  </p:clrMapOvr>
+</p:notes>
+</file>
+
+<file path=ppt/notesSlides/notesSlide17.xml><?xml version="1.0" encoding="utf-8"?>
+<p:notes xmlns:a="http://schemas.openxmlformats.org/drawingml/2006/main" xmlns:r="http://schemas.openxmlformats.org/officeDocument/2006/relationships" xmlns:p="http://schemas.openxmlformats.org/presentationml/2006/main">
+  <p:cSld>
+    <p:spTree>
+      <p:nvGrpSpPr>
+        <p:cNvPr id="1" name="">
+          <a:extLst>
+            <a:ext uri="{FF2B5EF4-FFF2-40B4-BE49-F238E27FC236}">
+              <a16:creationId xmlns:a16="http://schemas.microsoft.com/office/drawing/2014/main" id="{CDAD84BC-CAC1-9612-0D2E-D1FE295F2A2B}"/>
+            </a:ext>
+          </a:extLst>
+        </p:cNvPr>
+        <p:cNvGrpSpPr/>
+        <p:nvPr/>
+      </p:nvGrpSpPr>
+      <p:grpSpPr>
+        <a:xfrm>
+          <a:off x="0" y="0"/>
+          <a:ext cx="0" cy="0"/>
+          <a:chOff x="0" y="0"/>
+          <a:chExt cx="0" cy="0"/>
+        </a:xfrm>
+      </p:grpSpPr>
+      <p:sp>
+        <p:nvSpPr>
+          <p:cNvPr id="2" name="Slide Image Placeholder 1">
+            <a:extLst>
+              <a:ext uri="{FF2B5EF4-FFF2-40B4-BE49-F238E27FC236}">
+                <a16:creationId xmlns:a16="http://schemas.microsoft.com/office/drawing/2014/main" id="{918D4738-9F84-5B80-9FCE-4A8BB8252CE5}"/>
+              </a:ext>
+            </a:extLst>
+          </p:cNvPr>
+          <p:cNvSpPr>
+            <a:spLocks noGrp="1" noRot="1" noChangeAspect="1"/>
+          </p:cNvSpPr>
+          <p:nvPr>
+            <p:ph type="sldImg"/>
+          </p:nvPr>
+        </p:nvSpPr>
+        <p:spPr/>
+      </p:sp>
+      <p:sp>
+        <p:nvSpPr>
+          <p:cNvPr id="3" name="Notes Placeholder 2">
+            <a:extLst>
+              <a:ext uri="{FF2B5EF4-FFF2-40B4-BE49-F238E27FC236}">
+                <a16:creationId xmlns:a16="http://schemas.microsoft.com/office/drawing/2014/main" id="{E79ECBF1-6367-0DEB-3D3C-952728D5BF4C}"/>
+              </a:ext>
+            </a:extLst>
+          </p:cNvPr>
+          <p:cNvSpPr>
+            <a:spLocks noGrp="1"/>
+          </p:cNvSpPr>
+          <p:nvPr>
+            <p:ph type="body" idx="1"/>
+          </p:nvPr>
+        </p:nvSpPr>
+        <p:spPr/>
+        <p:txBody>
+          <a:bodyPr/>
+          <a:lstStyle/>
+          <a:p>
+            <a:endParaRPr lang="en-US" dirty="0"/>
+          </a:p>
+        </p:txBody>
+      </p:sp>
+      <p:sp>
+        <p:nvSpPr>
+          <p:cNvPr id="4" name="Slide Number Placeholder 3">
+            <a:extLst>
+              <a:ext uri="{FF2B5EF4-FFF2-40B4-BE49-F238E27FC236}">
+                <a16:creationId xmlns:a16="http://schemas.microsoft.com/office/drawing/2014/main" id="{3010C83E-2123-D683-0CF5-44D1D70253B8}"/>
+              </a:ext>
+            </a:extLst>
+          </p:cNvPr>
+          <p:cNvSpPr>
+            <a:spLocks noGrp="1"/>
+          </p:cNvSpPr>
+          <p:nvPr>
+            <p:ph type="sldNum" sz="quarter" idx="5"/>
+          </p:nvPr>
+        </p:nvSpPr>
+        <p:spPr/>
+        <p:txBody>
+          <a:bodyPr/>
+          <a:lstStyle/>
+          <a:p>
+            <a:fld id="{A89C7E07-3C67-C64C-8DA0-0404F6303970}" type="slidenum">
+              <a:rPr lang="en-US" smtClean="0"/>
+              <a:t>17</a:t>
+            </a:fld>
+            <a:endParaRPr lang="en-US" dirty="0"/>
+          </a:p>
+        </p:txBody>
+      </p:sp>
+    </p:spTree>
+    <p:extLst>
+      <p:ext uri="{BB962C8B-B14F-4D97-AF65-F5344CB8AC3E}">
+        <p14:creationId xmlns:p14="http://schemas.microsoft.com/office/powerpoint/2010/main" val="388449467"/>
       </p:ext>
     </p:extLst>
   </p:cSld>
@@ -10742,6 +11505,7186 @@
     <p:extLst>
       <p:ext uri="{BB962C8B-B14F-4D97-AF65-F5344CB8AC3E}">
         <p14:creationId xmlns:p14="http://schemas.microsoft.com/office/powerpoint/2010/main" val="2426237387"/>
+      </p:ext>
+    </p:extLst>
+  </p:cSld>
+  <p:clrMapOvr>
+    <a:masterClrMapping/>
+  </p:clrMapOvr>
+</p:sld>
+</file>
+
+<file path=ppt/slides/slide11.xml><?xml version="1.0" encoding="utf-8"?>
+<p:sld xmlns:a="http://schemas.openxmlformats.org/drawingml/2006/main" xmlns:r="http://schemas.openxmlformats.org/officeDocument/2006/relationships" xmlns:p="http://schemas.openxmlformats.org/presentationml/2006/main">
+  <p:cSld>
+    <p:spTree>
+      <p:nvGrpSpPr>
+        <p:cNvPr id="1" name="">
+          <a:extLst>
+            <a:ext uri="{FF2B5EF4-FFF2-40B4-BE49-F238E27FC236}">
+              <a16:creationId xmlns:a16="http://schemas.microsoft.com/office/drawing/2014/main" id="{AA81FA43-3BD7-0F8C-C6C6-1EB2F6A95749}"/>
+            </a:ext>
+          </a:extLst>
+        </p:cNvPr>
+        <p:cNvGrpSpPr/>
+        <p:nvPr/>
+      </p:nvGrpSpPr>
+      <p:grpSpPr>
+        <a:xfrm>
+          <a:off x="0" y="0"/>
+          <a:ext cx="0" cy="0"/>
+          <a:chOff x="0" y="0"/>
+          <a:chExt cx="0" cy="0"/>
+        </a:xfrm>
+      </p:grpSpPr>
+      <p:sp>
+        <p:nvSpPr>
+          <p:cNvPr id="2" name="Title 1">
+            <a:extLst>
+              <a:ext uri="{FF2B5EF4-FFF2-40B4-BE49-F238E27FC236}">
+                <a16:creationId xmlns:a16="http://schemas.microsoft.com/office/drawing/2014/main" id="{6C842A8E-6BB7-8D0E-9294-A986673C7712}"/>
+              </a:ext>
+            </a:extLst>
+          </p:cNvPr>
+          <p:cNvSpPr>
+            <a:spLocks noGrp="1"/>
+          </p:cNvSpPr>
+          <p:nvPr>
+            <p:ph type="title"/>
+          </p:nvPr>
+        </p:nvSpPr>
+        <p:spPr>
+          <a:xfrm>
+            <a:off x="594360" y="278129"/>
+            <a:ext cx="9778365" cy="1494596"/>
+          </a:xfrm>
+        </p:spPr>
+        <p:txBody>
+          <a:bodyPr/>
+          <a:lstStyle/>
+          <a:p>
+            <a:r>
+              <a:rPr lang="en-US" dirty="0"/>
+              <a:t>Adapter pattern</a:t>
+            </a:r>
+          </a:p>
+        </p:txBody>
+      </p:sp>
+      <p:sp>
+        <p:nvSpPr>
+          <p:cNvPr id="3" name="Content Placeholder 2">
+            <a:extLst>
+              <a:ext uri="{FF2B5EF4-FFF2-40B4-BE49-F238E27FC236}">
+                <a16:creationId xmlns:a16="http://schemas.microsoft.com/office/drawing/2014/main" id="{5A3D5B14-E18E-95EE-B2B8-AF691B18C519}"/>
+              </a:ext>
+            </a:extLst>
+          </p:cNvPr>
+          <p:cNvSpPr>
+            <a:spLocks noGrp="1"/>
+          </p:cNvSpPr>
+          <p:nvPr>
+            <p:ph sz="quarter" idx="15"/>
+          </p:nvPr>
+        </p:nvSpPr>
+        <p:spPr>
+          <a:xfrm>
+            <a:off x="111760" y="2275840"/>
+            <a:ext cx="10444480" cy="3998155"/>
+          </a:xfrm>
+        </p:spPr>
+        <p:txBody>
+          <a:bodyPr>
+            <a:normAutofit/>
+          </a:bodyPr>
+          <a:lstStyle/>
+          <a:p>
+            <a:pPr>
+              <a:spcBef>
+                <a:spcPts val="0"/>
+              </a:spcBef>
+            </a:pPr>
+            <a:r>
+              <a:rPr lang="en-US" b="1" dirty="0"/>
+              <a:t>Pattern-ul Adapter </a:t>
+            </a:r>
+            <a:r>
+              <a:rPr lang="en-US" dirty="0" err="1"/>
+              <a:t>permite</a:t>
+            </a:r>
+            <a:r>
+              <a:rPr lang="en-US" dirty="0"/>
+              <a:t> </a:t>
+            </a:r>
+            <a:r>
+              <a:rPr lang="en-US" dirty="0" err="1"/>
+              <a:t>obiectelor</a:t>
+            </a:r>
+            <a:r>
+              <a:rPr lang="en-US" dirty="0"/>
+              <a:t> cu </a:t>
+            </a:r>
+            <a:r>
+              <a:rPr lang="en-US" dirty="0" err="1"/>
+              <a:t>interfețe</a:t>
+            </a:r>
+            <a:r>
+              <a:rPr lang="en-US" dirty="0"/>
+              <a:t> </a:t>
+            </a:r>
+            <a:r>
+              <a:rPr lang="en-US" dirty="0" err="1"/>
+              <a:t>incompatibile</a:t>
+            </a:r>
+            <a:r>
+              <a:rPr lang="en-US" dirty="0"/>
+              <a:t> </a:t>
+            </a:r>
+            <a:r>
+              <a:rPr lang="en-US" dirty="0" err="1"/>
+              <a:t>să</a:t>
+            </a:r>
+            <a:r>
+              <a:rPr lang="en-US" dirty="0"/>
+              <a:t> </a:t>
+            </a:r>
+            <a:r>
+              <a:rPr lang="en-US" dirty="0" err="1"/>
+              <a:t>funcționeze</a:t>
+            </a:r>
+            <a:r>
+              <a:rPr lang="en-US" dirty="0"/>
+              <a:t> </a:t>
+            </a:r>
+            <a:r>
+              <a:rPr lang="en-US" dirty="0" err="1"/>
+              <a:t>împreună</a:t>
+            </a:r>
+            <a:r>
+              <a:rPr lang="en-US" dirty="0"/>
+              <a:t>. </a:t>
+            </a:r>
+            <a:r>
+              <a:rPr lang="en-US" dirty="0" err="1"/>
+              <a:t>Acționează</a:t>
+            </a:r>
+            <a:r>
+              <a:rPr lang="en-US" dirty="0"/>
+              <a:t> ca un pod </a:t>
+            </a:r>
+            <a:r>
+              <a:rPr lang="en-US" dirty="0" err="1"/>
+              <a:t>între</a:t>
+            </a:r>
+            <a:r>
+              <a:rPr lang="en-US" dirty="0"/>
+              <a:t> </a:t>
+            </a:r>
+            <a:r>
+              <a:rPr lang="en-US" dirty="0" err="1"/>
+              <a:t>două</a:t>
+            </a:r>
+            <a:r>
+              <a:rPr lang="en-US" dirty="0"/>
+              <a:t> </a:t>
+            </a:r>
+            <a:r>
+              <a:rPr lang="en-US" dirty="0" err="1"/>
+              <a:t>componente</a:t>
+            </a:r>
+            <a:r>
+              <a:rPr lang="en-US" dirty="0"/>
+              <a:t> </a:t>
+            </a:r>
+            <a:r>
+              <a:rPr lang="en-US" dirty="0" err="1"/>
+              <a:t>incompatibile</a:t>
+            </a:r>
+            <a:r>
+              <a:rPr lang="en-US" dirty="0"/>
+              <a:t>, </a:t>
+            </a:r>
+            <a:r>
+              <a:rPr lang="en-US" dirty="0" err="1"/>
+              <a:t>convertind</a:t>
+            </a:r>
+            <a:r>
+              <a:rPr lang="en-US" dirty="0"/>
+              <a:t> </a:t>
+            </a:r>
+            <a:r>
+              <a:rPr lang="en-US" dirty="0" err="1"/>
+              <a:t>interfața</a:t>
+            </a:r>
+            <a:r>
+              <a:rPr lang="en-US" dirty="0"/>
+              <a:t> </a:t>
+            </a:r>
+            <a:r>
+              <a:rPr lang="en-US" dirty="0" err="1"/>
+              <a:t>unei</a:t>
+            </a:r>
+            <a:r>
+              <a:rPr lang="en-US" dirty="0"/>
+              <a:t> </a:t>
+            </a:r>
+            <a:r>
+              <a:rPr lang="en-US" dirty="0" err="1"/>
+              <a:t>clase</a:t>
+            </a:r>
+            <a:r>
+              <a:rPr lang="en-US" dirty="0"/>
+              <a:t> </a:t>
+            </a:r>
+            <a:r>
+              <a:rPr lang="en-US" dirty="0" err="1"/>
+              <a:t>într</a:t>
+            </a:r>
+            <a:r>
+              <a:rPr lang="en-US" dirty="0"/>
+              <a:t>-o </a:t>
+            </a:r>
+            <a:r>
+              <a:rPr lang="en-US" dirty="0" err="1"/>
+              <a:t>interfață</a:t>
+            </a:r>
+            <a:r>
+              <a:rPr lang="en-US" dirty="0"/>
+              <a:t> </a:t>
+            </a:r>
+            <a:r>
+              <a:rPr lang="en-US" dirty="0" err="1"/>
+              <a:t>așteptată</a:t>
+            </a:r>
+            <a:r>
+              <a:rPr lang="en-US" dirty="0"/>
+              <a:t> de client.</a:t>
+            </a:r>
+          </a:p>
+          <a:p>
+            <a:pPr>
+              <a:spcBef>
+                <a:spcPts val="0"/>
+              </a:spcBef>
+            </a:pPr>
+            <a:endParaRPr lang="en-US" dirty="0"/>
+          </a:p>
+          <a:p>
+            <a:pPr>
+              <a:spcBef>
+                <a:spcPts val="0"/>
+              </a:spcBef>
+            </a:pPr>
+            <a:r>
+              <a:rPr lang="en-US" b="1" dirty="0" err="1"/>
+              <a:t>Structura</a:t>
+            </a:r>
+            <a:r>
+              <a:rPr lang="en-US" b="1" dirty="0"/>
+              <a:t>:</a:t>
+            </a:r>
+          </a:p>
+          <a:p>
+            <a:pPr>
+              <a:spcBef>
+                <a:spcPts val="0"/>
+              </a:spcBef>
+            </a:pPr>
+            <a:r>
+              <a:rPr lang="en-US" b="1" dirty="0"/>
+              <a:t>Target: </a:t>
+            </a:r>
+            <a:r>
+              <a:rPr lang="en-US" dirty="0" err="1"/>
+              <a:t>Definește</a:t>
+            </a:r>
+            <a:r>
+              <a:rPr lang="en-US" dirty="0"/>
+              <a:t> </a:t>
+            </a:r>
+            <a:r>
+              <a:rPr lang="en-US" dirty="0" err="1"/>
+              <a:t>interfața</a:t>
+            </a:r>
+            <a:r>
+              <a:rPr lang="en-US" dirty="0"/>
+              <a:t> </a:t>
+            </a:r>
+            <a:r>
+              <a:rPr lang="en-US" dirty="0" err="1"/>
+              <a:t>specifică</a:t>
+            </a:r>
+            <a:r>
+              <a:rPr lang="en-US" dirty="0"/>
+              <a:t> </a:t>
+            </a:r>
+            <a:r>
+              <a:rPr lang="en-US" dirty="0" err="1"/>
+              <a:t>domeniului</a:t>
+            </a:r>
+            <a:r>
+              <a:rPr lang="en-US" dirty="0"/>
+              <a:t> pe care o </a:t>
+            </a:r>
+            <a:r>
+              <a:rPr lang="en-US" dirty="0" err="1"/>
+              <a:t>folosește</a:t>
+            </a:r>
+            <a:r>
+              <a:rPr lang="en-US" dirty="0"/>
+              <a:t> </a:t>
+            </a:r>
+            <a:r>
+              <a:rPr lang="en-US" dirty="0" err="1"/>
+              <a:t>clientul</a:t>
+            </a:r>
+            <a:r>
+              <a:rPr lang="en-US" dirty="0"/>
+              <a:t>.</a:t>
+            </a:r>
+          </a:p>
+          <a:p>
+            <a:pPr>
+              <a:spcBef>
+                <a:spcPts val="0"/>
+              </a:spcBef>
+            </a:pPr>
+            <a:r>
+              <a:rPr lang="en-US" b="1" dirty="0" err="1"/>
+              <a:t>Adaptee</a:t>
+            </a:r>
+            <a:r>
+              <a:rPr lang="en-US" b="1" dirty="0"/>
+              <a:t>: </a:t>
+            </a:r>
+            <a:r>
+              <a:rPr lang="en-US" dirty="0"/>
+              <a:t>Are o </a:t>
+            </a:r>
+            <a:r>
+              <a:rPr lang="en-US" dirty="0" err="1"/>
+              <a:t>interfață</a:t>
+            </a:r>
+            <a:r>
+              <a:rPr lang="en-US" dirty="0"/>
+              <a:t> </a:t>
+            </a:r>
+            <a:r>
+              <a:rPr lang="en-US" dirty="0" err="1"/>
+              <a:t>existentă</a:t>
+            </a:r>
+            <a:r>
+              <a:rPr lang="en-US" dirty="0"/>
+              <a:t> care </a:t>
+            </a:r>
+            <a:r>
+              <a:rPr lang="en-US" dirty="0" err="1"/>
+              <a:t>trebuie</a:t>
+            </a:r>
+            <a:r>
+              <a:rPr lang="en-US" dirty="0"/>
+              <a:t> </a:t>
+            </a:r>
+            <a:r>
+              <a:rPr lang="en-US" dirty="0" err="1"/>
+              <a:t>adaptată</a:t>
+            </a:r>
+            <a:r>
+              <a:rPr lang="en-US" dirty="0"/>
+              <a:t>.</a:t>
+            </a:r>
+          </a:p>
+          <a:p>
+            <a:pPr>
+              <a:spcBef>
+                <a:spcPts val="0"/>
+              </a:spcBef>
+            </a:pPr>
+            <a:r>
+              <a:rPr lang="en-US" b="1" dirty="0"/>
+              <a:t>Adapter: </a:t>
+            </a:r>
+            <a:r>
+              <a:rPr lang="en-US" dirty="0" err="1"/>
+              <a:t>Implementează</a:t>
+            </a:r>
+            <a:r>
+              <a:rPr lang="en-US" dirty="0"/>
+              <a:t> </a:t>
+            </a:r>
+            <a:r>
+              <a:rPr lang="en-US" dirty="0" err="1"/>
+              <a:t>interfața</a:t>
+            </a:r>
+            <a:r>
+              <a:rPr lang="en-US" dirty="0"/>
+              <a:t> </a:t>
+            </a:r>
+            <a:r>
+              <a:rPr lang="en-US" b="1" dirty="0"/>
+              <a:t>Target</a:t>
+            </a:r>
+            <a:r>
+              <a:rPr lang="en-US" dirty="0"/>
+              <a:t> </a:t>
+            </a:r>
+            <a:r>
+              <a:rPr lang="en-US" dirty="0" err="1"/>
+              <a:t>și</a:t>
+            </a:r>
+            <a:r>
+              <a:rPr lang="en-US" dirty="0"/>
+              <a:t> </a:t>
+            </a:r>
+            <a:r>
+              <a:rPr lang="en-US" dirty="0" err="1"/>
+              <a:t>redirecționează</a:t>
+            </a:r>
+            <a:r>
+              <a:rPr lang="en-US" dirty="0"/>
+              <a:t> </a:t>
+            </a:r>
+            <a:r>
+              <a:rPr lang="en-US" dirty="0" err="1"/>
+              <a:t>apelurile</a:t>
+            </a:r>
+            <a:r>
+              <a:rPr lang="en-US" dirty="0"/>
+              <a:t> </a:t>
+            </a:r>
+            <a:r>
+              <a:rPr lang="en-US" dirty="0" err="1"/>
+              <a:t>către</a:t>
+            </a:r>
+            <a:r>
+              <a:rPr lang="en-US" dirty="0"/>
+              <a:t> </a:t>
+            </a:r>
+            <a:r>
+              <a:rPr lang="en-US" b="1" dirty="0" err="1"/>
+              <a:t>Adaptee</a:t>
+            </a:r>
+            <a:r>
+              <a:rPr lang="en-US" dirty="0"/>
+              <a:t>.</a:t>
+            </a:r>
+          </a:p>
+          <a:p>
+            <a:pPr>
+              <a:spcBef>
+                <a:spcPts val="0"/>
+              </a:spcBef>
+            </a:pPr>
+            <a:endParaRPr lang="en-US" b="1" dirty="0"/>
+          </a:p>
+          <a:p>
+            <a:pPr>
+              <a:spcBef>
+                <a:spcPts val="0"/>
+              </a:spcBef>
+            </a:pPr>
+            <a:endParaRPr lang="en-US" b="1" dirty="0"/>
+          </a:p>
+          <a:p>
+            <a:pPr>
+              <a:spcBef>
+                <a:spcPts val="0"/>
+              </a:spcBef>
+            </a:pPr>
+            <a:endParaRPr lang="en-US" b="1" dirty="0"/>
+          </a:p>
+          <a:p>
+            <a:pPr>
+              <a:spcBef>
+                <a:spcPts val="0"/>
+              </a:spcBef>
+            </a:pPr>
+            <a:endParaRPr lang="en-US" b="1" dirty="0"/>
+          </a:p>
+          <a:p>
+            <a:pPr>
+              <a:spcBef>
+                <a:spcPts val="0"/>
+              </a:spcBef>
+            </a:pPr>
+            <a:endParaRPr lang="en-US" b="1" dirty="0"/>
+          </a:p>
+          <a:p>
+            <a:pPr>
+              <a:spcBef>
+                <a:spcPts val="0"/>
+              </a:spcBef>
+            </a:pPr>
+            <a:endParaRPr lang="en-US" b="1" dirty="0"/>
+          </a:p>
+          <a:p>
+            <a:pPr>
+              <a:spcBef>
+                <a:spcPts val="0"/>
+              </a:spcBef>
+            </a:pPr>
+            <a:endParaRPr lang="en-US" b="1" dirty="0"/>
+          </a:p>
+          <a:p>
+            <a:pPr>
+              <a:spcBef>
+                <a:spcPts val="0"/>
+              </a:spcBef>
+            </a:pPr>
+            <a:endParaRPr lang="en-US" b="1" dirty="0"/>
+          </a:p>
+        </p:txBody>
+      </p:sp>
+      <p:sp>
+        <p:nvSpPr>
+          <p:cNvPr id="4" name="Rectangle 1">
+            <a:extLst>
+              <a:ext uri="{FF2B5EF4-FFF2-40B4-BE49-F238E27FC236}">
+                <a16:creationId xmlns:a16="http://schemas.microsoft.com/office/drawing/2014/main" id="{778D66B5-DB80-0B28-7395-75B20502A6B0}"/>
+              </a:ext>
+            </a:extLst>
+          </p:cNvPr>
+          <p:cNvSpPr>
+            <a:spLocks noChangeArrowheads="1"/>
+          </p:cNvSpPr>
+          <p:nvPr/>
+        </p:nvSpPr>
+        <p:spPr bwMode="auto">
+          <a:xfrm>
+            <a:off x="0" y="0"/>
+            <a:ext cx="12192000" cy="0"/>
+          </a:xfrm>
+          <a:prstGeom prst="rect">
+            <a:avLst/>
+          </a:prstGeom>
+          <a:noFill/>
+          <a:ln>
+            <a:noFill/>
+          </a:ln>
+          <a:effectLst/>
+          <a:extLst>
+            <a:ext uri="{909E8E84-426E-40DD-AFC4-6F175D3DCCD1}">
+              <a14:hiddenFill xmlns:a14="http://schemas.microsoft.com/office/drawing/2010/main">
+                <a:solidFill>
+                  <a:schemeClr val="accent1"/>
+                </a:solidFill>
+              </a14:hiddenFill>
+            </a:ext>
+            <a:ext uri="{91240B29-F687-4F45-9708-019B960494DF}">
+              <a14:hiddenLine xmlns:a14="http://schemas.microsoft.com/office/drawing/2010/main" w="9525">
+                <a:solidFill>
+                  <a:schemeClr val="tx1"/>
+                </a:solidFill>
+                <a:miter lim="800000"/>
+                <a:headEnd/>
+                <a:tailEnd/>
+              </a14:hiddenLine>
+            </a:ext>
+            <a:ext uri="{AF507438-7753-43E0-B8FC-AC1667EBCBE1}">
+              <a14:hiddenEffects xmlns:a14="http://schemas.microsoft.com/office/drawing/2010/main">
+                <a:effectLst>
+                  <a:outerShdw dist="35921" dir="2700000" algn="ctr" rotWithShape="0">
+                    <a:schemeClr val="bg2"/>
+                  </a:outerShdw>
+                </a:effectLst>
+              </a14:hiddenEffects>
+            </a:ext>
+          </a:extLst>
+        </p:spPr>
+        <p:txBody>
+          <a:bodyPr vert="horz" wrap="none" lIns="91440" tIns="45720" rIns="91440" bIns="45720" numCol="1" anchor="ctr" anchorCtr="0" compatLnSpc="1">
+            <a:prstTxWarp prst="textNoShape">
+              <a:avLst/>
+            </a:prstTxWarp>
+            <a:spAutoFit/>
+          </a:bodyPr>
+          <a:lstStyle/>
+          <a:p>
+            <a:pPr marL="0" marR="0" lvl="0" indent="0" algn="l" defTabSz="914400" rtl="0" eaLnBrk="0" fontAlgn="base" latinLnBrk="0" hangingPunct="0">
+              <a:lnSpc>
+                <a:spcPct val="100000"/>
+              </a:lnSpc>
+              <a:spcBef>
+                <a:spcPct val="0"/>
+              </a:spcBef>
+              <a:spcAft>
+                <a:spcPct val="0"/>
+              </a:spcAft>
+              <a:buClrTx/>
+              <a:buSzTx/>
+              <a:buFontTx/>
+              <a:buChar char="•"/>
+              <a:tabLst/>
+            </a:pPr>
+            <a:r>
+              <a:rPr kumimoji="0" lang="en-US" altLang="en-US" sz="1800" b="1" i="0" u="none" strike="noStrike" cap="none" normalizeH="0" baseline="0">
+                <a:ln>
+                  <a:noFill/>
+                </a:ln>
+                <a:solidFill>
+                  <a:schemeClr val="tx1"/>
+                </a:solidFill>
+                <a:effectLst/>
+                <a:latin typeface="Arial" panose="020B0604020202020204" pitchFamily="34" charset="0"/>
+              </a:rPr>
+              <a:t>Target</a:t>
+            </a:r>
+            <a:r>
+              <a:rPr kumimoji="0" lang="en-US" altLang="en-US" sz="1800" b="0" i="0" u="none" strike="noStrike" cap="none" normalizeH="0" baseline="0">
+                <a:ln>
+                  <a:noFill/>
+                </a:ln>
+                <a:solidFill>
+                  <a:schemeClr val="tx1"/>
+                </a:solidFill>
+                <a:effectLst/>
+                <a:latin typeface="Arial" panose="020B0604020202020204" pitchFamily="34" charset="0"/>
+              </a:rPr>
+              <a:t>: Defines the domain-specific interface the client uses.</a:t>
+            </a:r>
+          </a:p>
+          <a:p>
+            <a:pPr marL="0" marR="0" lvl="0" indent="0" algn="l" defTabSz="914400" rtl="0" eaLnBrk="0" fontAlgn="base" latinLnBrk="0" hangingPunct="0">
+              <a:lnSpc>
+                <a:spcPct val="100000"/>
+              </a:lnSpc>
+              <a:spcBef>
+                <a:spcPct val="0"/>
+              </a:spcBef>
+              <a:spcAft>
+                <a:spcPct val="0"/>
+              </a:spcAft>
+              <a:buClrTx/>
+              <a:buSzTx/>
+              <a:buFontTx/>
+              <a:buChar char="•"/>
+              <a:tabLst/>
+            </a:pPr>
+            <a:r>
+              <a:rPr kumimoji="0" lang="en-US" altLang="en-US" sz="1800" b="1" i="0" u="none" strike="noStrike" cap="none" normalizeH="0" baseline="0">
+                <a:ln>
+                  <a:noFill/>
+                </a:ln>
+                <a:solidFill>
+                  <a:schemeClr val="tx1"/>
+                </a:solidFill>
+                <a:effectLst/>
+                <a:latin typeface="Arial" panose="020B0604020202020204" pitchFamily="34" charset="0"/>
+              </a:rPr>
+              <a:t>Adaptee</a:t>
+            </a:r>
+            <a:r>
+              <a:rPr kumimoji="0" lang="en-US" altLang="en-US" sz="1800" b="0" i="0" u="none" strike="noStrike" cap="none" normalizeH="0" baseline="0">
+                <a:ln>
+                  <a:noFill/>
+                </a:ln>
+                <a:solidFill>
+                  <a:schemeClr val="tx1"/>
+                </a:solidFill>
+                <a:effectLst/>
+                <a:latin typeface="Arial" panose="020B0604020202020204" pitchFamily="34" charset="0"/>
+              </a:rPr>
+              <a:t>: Has an existing interface that needs adapting.</a:t>
+            </a:r>
+          </a:p>
+          <a:p>
+            <a:pPr marL="0" marR="0" lvl="0" indent="0" algn="l" defTabSz="914400" rtl="0" eaLnBrk="0" fontAlgn="base" latinLnBrk="0" hangingPunct="0">
+              <a:lnSpc>
+                <a:spcPct val="100000"/>
+              </a:lnSpc>
+              <a:spcBef>
+                <a:spcPct val="0"/>
+              </a:spcBef>
+              <a:spcAft>
+                <a:spcPct val="0"/>
+              </a:spcAft>
+              <a:buClrTx/>
+              <a:buSzTx/>
+              <a:buFontTx/>
+              <a:buChar char="•"/>
+              <a:tabLst/>
+            </a:pPr>
+            <a:r>
+              <a:rPr kumimoji="0" lang="en-US" altLang="en-US" sz="1800" b="1" i="0" u="none" strike="noStrike" cap="none" normalizeH="0" baseline="0">
+                <a:ln>
+                  <a:noFill/>
+                </a:ln>
+                <a:solidFill>
+                  <a:schemeClr val="tx1"/>
+                </a:solidFill>
+                <a:effectLst/>
+                <a:latin typeface="Arial" panose="020B0604020202020204" pitchFamily="34" charset="0"/>
+              </a:rPr>
+              <a:t>Adapter</a:t>
+            </a:r>
+            <a:r>
+              <a:rPr kumimoji="0" lang="en-US" altLang="en-US" sz="1800" b="0" i="0" u="none" strike="noStrike" cap="none" normalizeH="0" baseline="0">
+                <a:ln>
+                  <a:noFill/>
+                </a:ln>
+                <a:solidFill>
+                  <a:schemeClr val="tx1"/>
+                </a:solidFill>
+                <a:effectLst/>
+                <a:latin typeface="Arial" panose="020B0604020202020204" pitchFamily="34" charset="0"/>
+              </a:rPr>
+              <a:t>: Implements the Target interface and translates calls to the Adaptee.</a:t>
+            </a:r>
+          </a:p>
+        </p:txBody>
+      </p:sp>
+      <p:sp>
+        <p:nvSpPr>
+          <p:cNvPr id="5" name="Rectangle 2">
+            <a:extLst>
+              <a:ext uri="{FF2B5EF4-FFF2-40B4-BE49-F238E27FC236}">
+                <a16:creationId xmlns:a16="http://schemas.microsoft.com/office/drawing/2014/main" id="{E9E7B326-20F7-248B-8658-4792E560C8AF}"/>
+              </a:ext>
+            </a:extLst>
+          </p:cNvPr>
+          <p:cNvSpPr>
+            <a:spLocks noChangeArrowheads="1"/>
+          </p:cNvSpPr>
+          <p:nvPr/>
+        </p:nvSpPr>
+        <p:spPr bwMode="auto">
+          <a:xfrm>
+            <a:off x="152400" y="152400"/>
+            <a:ext cx="12192000" cy="0"/>
+          </a:xfrm>
+          <a:prstGeom prst="rect">
+            <a:avLst/>
+          </a:prstGeom>
+          <a:noFill/>
+          <a:ln>
+            <a:noFill/>
+          </a:ln>
+          <a:effectLst/>
+          <a:extLst>
+            <a:ext uri="{909E8E84-426E-40DD-AFC4-6F175D3DCCD1}">
+              <a14:hiddenFill xmlns:a14="http://schemas.microsoft.com/office/drawing/2010/main">
+                <a:solidFill>
+                  <a:schemeClr val="accent1"/>
+                </a:solidFill>
+              </a14:hiddenFill>
+            </a:ext>
+            <a:ext uri="{91240B29-F687-4F45-9708-019B960494DF}">
+              <a14:hiddenLine xmlns:a14="http://schemas.microsoft.com/office/drawing/2010/main" w="9525">
+                <a:solidFill>
+                  <a:schemeClr val="tx1"/>
+                </a:solidFill>
+                <a:miter lim="800000"/>
+                <a:headEnd/>
+                <a:tailEnd/>
+              </a14:hiddenLine>
+            </a:ext>
+            <a:ext uri="{AF507438-7753-43E0-B8FC-AC1667EBCBE1}">
+              <a14:hiddenEffects xmlns:a14="http://schemas.microsoft.com/office/drawing/2010/main">
+                <a:effectLst>
+                  <a:outerShdw dist="35921" dir="2700000" algn="ctr" rotWithShape="0">
+                    <a:schemeClr val="bg2"/>
+                  </a:outerShdw>
+                </a:effectLst>
+              </a14:hiddenEffects>
+            </a:ext>
+          </a:extLst>
+        </p:spPr>
+        <p:txBody>
+          <a:bodyPr vert="horz" wrap="none" lIns="91440" tIns="45720" rIns="91440" bIns="45720" numCol="1" anchor="ctr" anchorCtr="0" compatLnSpc="1">
+            <a:prstTxWarp prst="textNoShape">
+              <a:avLst/>
+            </a:prstTxWarp>
+            <a:spAutoFit/>
+          </a:bodyPr>
+          <a:lstStyle/>
+          <a:p>
+            <a:pPr marL="0" marR="0" lvl="0" indent="0" algn="l" defTabSz="914400" rtl="0" eaLnBrk="0" fontAlgn="base" latinLnBrk="0" hangingPunct="0">
+              <a:lnSpc>
+                <a:spcPct val="100000"/>
+              </a:lnSpc>
+              <a:spcBef>
+                <a:spcPct val="0"/>
+              </a:spcBef>
+              <a:spcAft>
+                <a:spcPct val="0"/>
+              </a:spcAft>
+              <a:buClrTx/>
+              <a:buSzTx/>
+              <a:buFontTx/>
+              <a:buChar char="•"/>
+              <a:tabLst/>
+            </a:pPr>
+            <a:r>
+              <a:rPr kumimoji="0" lang="en-US" altLang="en-US" sz="1800" b="1" i="0" u="none" strike="noStrike" cap="none" normalizeH="0" baseline="0">
+                <a:ln>
+                  <a:noFill/>
+                </a:ln>
+                <a:solidFill>
+                  <a:schemeClr val="tx1"/>
+                </a:solidFill>
+                <a:effectLst/>
+                <a:latin typeface="Arial" panose="020B0604020202020204" pitchFamily="34" charset="0"/>
+              </a:rPr>
+              <a:t>Target</a:t>
+            </a:r>
+            <a:r>
+              <a:rPr kumimoji="0" lang="en-US" altLang="en-US" sz="1800" b="0" i="0" u="none" strike="noStrike" cap="none" normalizeH="0" baseline="0">
+                <a:ln>
+                  <a:noFill/>
+                </a:ln>
+                <a:solidFill>
+                  <a:schemeClr val="tx1"/>
+                </a:solidFill>
+                <a:effectLst/>
+                <a:latin typeface="Arial" panose="020B0604020202020204" pitchFamily="34" charset="0"/>
+              </a:rPr>
+              <a:t>: Defines the domain-specific interface the client uses.</a:t>
+            </a:r>
+          </a:p>
+          <a:p>
+            <a:pPr marL="0" marR="0" lvl="0" indent="0" algn="l" defTabSz="914400" rtl="0" eaLnBrk="0" fontAlgn="base" latinLnBrk="0" hangingPunct="0">
+              <a:lnSpc>
+                <a:spcPct val="100000"/>
+              </a:lnSpc>
+              <a:spcBef>
+                <a:spcPct val="0"/>
+              </a:spcBef>
+              <a:spcAft>
+                <a:spcPct val="0"/>
+              </a:spcAft>
+              <a:buClrTx/>
+              <a:buSzTx/>
+              <a:buFontTx/>
+              <a:buChar char="•"/>
+              <a:tabLst/>
+            </a:pPr>
+            <a:r>
+              <a:rPr kumimoji="0" lang="en-US" altLang="en-US" sz="1800" b="1" i="0" u="none" strike="noStrike" cap="none" normalizeH="0" baseline="0">
+                <a:ln>
+                  <a:noFill/>
+                </a:ln>
+                <a:solidFill>
+                  <a:schemeClr val="tx1"/>
+                </a:solidFill>
+                <a:effectLst/>
+                <a:latin typeface="Arial" panose="020B0604020202020204" pitchFamily="34" charset="0"/>
+              </a:rPr>
+              <a:t>Adaptee</a:t>
+            </a:r>
+            <a:r>
+              <a:rPr kumimoji="0" lang="en-US" altLang="en-US" sz="1800" b="0" i="0" u="none" strike="noStrike" cap="none" normalizeH="0" baseline="0">
+                <a:ln>
+                  <a:noFill/>
+                </a:ln>
+                <a:solidFill>
+                  <a:schemeClr val="tx1"/>
+                </a:solidFill>
+                <a:effectLst/>
+                <a:latin typeface="Arial" panose="020B0604020202020204" pitchFamily="34" charset="0"/>
+              </a:rPr>
+              <a:t>: Has an existing interface that needs adapting.</a:t>
+            </a:r>
+          </a:p>
+          <a:p>
+            <a:pPr marL="0" marR="0" lvl="0" indent="0" algn="l" defTabSz="914400" rtl="0" eaLnBrk="0" fontAlgn="base" latinLnBrk="0" hangingPunct="0">
+              <a:lnSpc>
+                <a:spcPct val="100000"/>
+              </a:lnSpc>
+              <a:spcBef>
+                <a:spcPct val="0"/>
+              </a:spcBef>
+              <a:spcAft>
+                <a:spcPct val="0"/>
+              </a:spcAft>
+              <a:buClrTx/>
+              <a:buSzTx/>
+              <a:buFontTx/>
+              <a:buChar char="•"/>
+              <a:tabLst/>
+            </a:pPr>
+            <a:r>
+              <a:rPr kumimoji="0" lang="en-US" altLang="en-US" sz="1800" b="1" i="0" u="none" strike="noStrike" cap="none" normalizeH="0" baseline="0">
+                <a:ln>
+                  <a:noFill/>
+                </a:ln>
+                <a:solidFill>
+                  <a:schemeClr val="tx1"/>
+                </a:solidFill>
+                <a:effectLst/>
+                <a:latin typeface="Arial" panose="020B0604020202020204" pitchFamily="34" charset="0"/>
+              </a:rPr>
+              <a:t>Adapter</a:t>
+            </a:r>
+            <a:r>
+              <a:rPr kumimoji="0" lang="en-US" altLang="en-US" sz="1800" b="0" i="0" u="none" strike="noStrike" cap="none" normalizeH="0" baseline="0">
+                <a:ln>
+                  <a:noFill/>
+                </a:ln>
+                <a:solidFill>
+                  <a:schemeClr val="tx1"/>
+                </a:solidFill>
+                <a:effectLst/>
+                <a:latin typeface="Arial" panose="020B0604020202020204" pitchFamily="34" charset="0"/>
+              </a:rPr>
+              <a:t>: Implements the Target interface and translates calls to the Adaptee.</a:t>
+            </a:r>
+          </a:p>
+        </p:txBody>
+      </p:sp>
+      <p:sp>
+        <p:nvSpPr>
+          <p:cNvPr id="6" name="Rectangle 3">
+            <a:extLst>
+              <a:ext uri="{FF2B5EF4-FFF2-40B4-BE49-F238E27FC236}">
+                <a16:creationId xmlns:a16="http://schemas.microsoft.com/office/drawing/2014/main" id="{AFDC08C3-DDC2-2795-AA62-94CF14419FC2}"/>
+              </a:ext>
+            </a:extLst>
+          </p:cNvPr>
+          <p:cNvSpPr>
+            <a:spLocks noChangeArrowheads="1"/>
+          </p:cNvSpPr>
+          <p:nvPr/>
+        </p:nvSpPr>
+        <p:spPr bwMode="auto">
+          <a:xfrm>
+            <a:off x="304800" y="304800"/>
+            <a:ext cx="12192000" cy="0"/>
+          </a:xfrm>
+          <a:prstGeom prst="rect">
+            <a:avLst/>
+          </a:prstGeom>
+          <a:noFill/>
+          <a:ln>
+            <a:noFill/>
+          </a:ln>
+          <a:effectLst/>
+          <a:extLst>
+            <a:ext uri="{909E8E84-426E-40DD-AFC4-6F175D3DCCD1}">
+              <a14:hiddenFill xmlns:a14="http://schemas.microsoft.com/office/drawing/2010/main">
+                <a:solidFill>
+                  <a:schemeClr val="accent1"/>
+                </a:solidFill>
+              </a14:hiddenFill>
+            </a:ext>
+            <a:ext uri="{91240B29-F687-4F45-9708-019B960494DF}">
+              <a14:hiddenLine xmlns:a14="http://schemas.microsoft.com/office/drawing/2010/main" w="9525">
+                <a:solidFill>
+                  <a:schemeClr val="tx1"/>
+                </a:solidFill>
+                <a:miter lim="800000"/>
+                <a:headEnd/>
+                <a:tailEnd/>
+              </a14:hiddenLine>
+            </a:ext>
+            <a:ext uri="{AF507438-7753-43E0-B8FC-AC1667EBCBE1}">
+              <a14:hiddenEffects xmlns:a14="http://schemas.microsoft.com/office/drawing/2010/main">
+                <a:effectLst>
+                  <a:outerShdw dist="35921" dir="2700000" algn="ctr" rotWithShape="0">
+                    <a:schemeClr val="bg2"/>
+                  </a:outerShdw>
+                </a:effectLst>
+              </a14:hiddenEffects>
+            </a:ext>
+          </a:extLst>
+        </p:spPr>
+        <p:txBody>
+          <a:bodyPr vert="horz" wrap="none" lIns="91440" tIns="45720" rIns="91440" bIns="45720" numCol="1" anchor="ctr" anchorCtr="0" compatLnSpc="1">
+            <a:prstTxWarp prst="textNoShape">
+              <a:avLst/>
+            </a:prstTxWarp>
+            <a:spAutoFit/>
+          </a:bodyPr>
+          <a:lstStyle/>
+          <a:p>
+            <a:pPr marL="0" marR="0" lvl="0" indent="0" algn="l" defTabSz="914400" rtl="0" eaLnBrk="0" fontAlgn="base" latinLnBrk="0" hangingPunct="0">
+              <a:lnSpc>
+                <a:spcPct val="100000"/>
+              </a:lnSpc>
+              <a:spcBef>
+                <a:spcPct val="0"/>
+              </a:spcBef>
+              <a:spcAft>
+                <a:spcPct val="0"/>
+              </a:spcAft>
+              <a:buClrTx/>
+              <a:buSzTx/>
+              <a:buFontTx/>
+              <a:buChar char="•"/>
+              <a:tabLst/>
+            </a:pPr>
+            <a:r>
+              <a:rPr kumimoji="0" lang="en-US" altLang="en-US" sz="1800" b="1" i="0" u="none" strike="noStrike" cap="none" normalizeH="0" baseline="0">
+                <a:ln>
+                  <a:noFill/>
+                </a:ln>
+                <a:solidFill>
+                  <a:schemeClr val="tx1"/>
+                </a:solidFill>
+                <a:effectLst/>
+                <a:latin typeface="Arial" panose="020B0604020202020204" pitchFamily="34" charset="0"/>
+              </a:rPr>
+              <a:t>Target</a:t>
+            </a:r>
+            <a:r>
+              <a:rPr kumimoji="0" lang="en-US" altLang="en-US" sz="1800" b="0" i="0" u="none" strike="noStrike" cap="none" normalizeH="0" baseline="0">
+                <a:ln>
+                  <a:noFill/>
+                </a:ln>
+                <a:solidFill>
+                  <a:schemeClr val="tx1"/>
+                </a:solidFill>
+                <a:effectLst/>
+                <a:latin typeface="Arial" panose="020B0604020202020204" pitchFamily="34" charset="0"/>
+              </a:rPr>
+              <a:t>: Defines the domain-specific interface the client uses.</a:t>
+            </a:r>
+          </a:p>
+          <a:p>
+            <a:pPr marL="0" marR="0" lvl="0" indent="0" algn="l" defTabSz="914400" rtl="0" eaLnBrk="0" fontAlgn="base" latinLnBrk="0" hangingPunct="0">
+              <a:lnSpc>
+                <a:spcPct val="100000"/>
+              </a:lnSpc>
+              <a:spcBef>
+                <a:spcPct val="0"/>
+              </a:spcBef>
+              <a:spcAft>
+                <a:spcPct val="0"/>
+              </a:spcAft>
+              <a:buClrTx/>
+              <a:buSzTx/>
+              <a:buFontTx/>
+              <a:buChar char="•"/>
+              <a:tabLst/>
+            </a:pPr>
+            <a:r>
+              <a:rPr kumimoji="0" lang="en-US" altLang="en-US" sz="1800" b="1" i="0" u="none" strike="noStrike" cap="none" normalizeH="0" baseline="0">
+                <a:ln>
+                  <a:noFill/>
+                </a:ln>
+                <a:solidFill>
+                  <a:schemeClr val="tx1"/>
+                </a:solidFill>
+                <a:effectLst/>
+                <a:latin typeface="Arial" panose="020B0604020202020204" pitchFamily="34" charset="0"/>
+              </a:rPr>
+              <a:t>Adaptee</a:t>
+            </a:r>
+            <a:r>
+              <a:rPr kumimoji="0" lang="en-US" altLang="en-US" sz="1800" b="0" i="0" u="none" strike="noStrike" cap="none" normalizeH="0" baseline="0">
+                <a:ln>
+                  <a:noFill/>
+                </a:ln>
+                <a:solidFill>
+                  <a:schemeClr val="tx1"/>
+                </a:solidFill>
+                <a:effectLst/>
+                <a:latin typeface="Arial" panose="020B0604020202020204" pitchFamily="34" charset="0"/>
+              </a:rPr>
+              <a:t>: Has an existing interface that needs adapting.</a:t>
+            </a:r>
+          </a:p>
+          <a:p>
+            <a:pPr marL="0" marR="0" lvl="0" indent="0" algn="l" defTabSz="914400" rtl="0" eaLnBrk="0" fontAlgn="base" latinLnBrk="0" hangingPunct="0">
+              <a:lnSpc>
+                <a:spcPct val="100000"/>
+              </a:lnSpc>
+              <a:spcBef>
+                <a:spcPct val="0"/>
+              </a:spcBef>
+              <a:spcAft>
+                <a:spcPct val="0"/>
+              </a:spcAft>
+              <a:buClrTx/>
+              <a:buSzTx/>
+              <a:buFontTx/>
+              <a:buChar char="•"/>
+              <a:tabLst/>
+            </a:pPr>
+            <a:r>
+              <a:rPr kumimoji="0" lang="en-US" altLang="en-US" sz="1800" b="1" i="0" u="none" strike="noStrike" cap="none" normalizeH="0" baseline="0">
+                <a:ln>
+                  <a:noFill/>
+                </a:ln>
+                <a:solidFill>
+                  <a:schemeClr val="tx1"/>
+                </a:solidFill>
+                <a:effectLst/>
+                <a:latin typeface="Arial" panose="020B0604020202020204" pitchFamily="34" charset="0"/>
+              </a:rPr>
+              <a:t>Adapter</a:t>
+            </a:r>
+            <a:r>
+              <a:rPr kumimoji="0" lang="en-US" altLang="en-US" sz="1800" b="0" i="0" u="none" strike="noStrike" cap="none" normalizeH="0" baseline="0">
+                <a:ln>
+                  <a:noFill/>
+                </a:ln>
+                <a:solidFill>
+                  <a:schemeClr val="tx1"/>
+                </a:solidFill>
+                <a:effectLst/>
+                <a:latin typeface="Arial" panose="020B0604020202020204" pitchFamily="34" charset="0"/>
+              </a:rPr>
+              <a:t>: Implements the Target interface and translates calls to the Adaptee.</a:t>
+            </a:r>
+          </a:p>
+        </p:txBody>
+      </p:sp>
+    </p:spTree>
+    <p:extLst>
+      <p:ext uri="{BB962C8B-B14F-4D97-AF65-F5344CB8AC3E}">
+        <p14:creationId xmlns:p14="http://schemas.microsoft.com/office/powerpoint/2010/main" val="793434069"/>
+      </p:ext>
+    </p:extLst>
+  </p:cSld>
+  <p:clrMapOvr>
+    <a:masterClrMapping/>
+  </p:clrMapOvr>
+</p:sld>
+</file>
+
+<file path=ppt/slides/slide12.xml><?xml version="1.0" encoding="utf-8"?>
+<p:sld xmlns:a="http://schemas.openxmlformats.org/drawingml/2006/main" xmlns:r="http://schemas.openxmlformats.org/officeDocument/2006/relationships" xmlns:p="http://schemas.openxmlformats.org/presentationml/2006/main">
+  <p:cSld>
+    <p:spTree>
+      <p:nvGrpSpPr>
+        <p:cNvPr id="1" name="">
+          <a:extLst>
+            <a:ext uri="{FF2B5EF4-FFF2-40B4-BE49-F238E27FC236}">
+              <a16:creationId xmlns:a16="http://schemas.microsoft.com/office/drawing/2014/main" id="{0FAD40DE-9984-5723-D253-8B0414426AE4}"/>
+            </a:ext>
+          </a:extLst>
+        </p:cNvPr>
+        <p:cNvGrpSpPr/>
+        <p:nvPr/>
+      </p:nvGrpSpPr>
+      <p:grpSpPr>
+        <a:xfrm>
+          <a:off x="0" y="0"/>
+          <a:ext cx="0" cy="0"/>
+          <a:chOff x="0" y="0"/>
+          <a:chExt cx="0" cy="0"/>
+        </a:xfrm>
+      </p:grpSpPr>
+      <p:sp>
+        <p:nvSpPr>
+          <p:cNvPr id="2" name="Title 1">
+            <a:extLst>
+              <a:ext uri="{FF2B5EF4-FFF2-40B4-BE49-F238E27FC236}">
+                <a16:creationId xmlns:a16="http://schemas.microsoft.com/office/drawing/2014/main" id="{A42BBD9C-ED6F-4BE9-C8CB-494EE0C73C2C}"/>
+              </a:ext>
+            </a:extLst>
+          </p:cNvPr>
+          <p:cNvSpPr>
+            <a:spLocks noGrp="1"/>
+          </p:cNvSpPr>
+          <p:nvPr>
+            <p:ph type="title"/>
+          </p:nvPr>
+        </p:nvSpPr>
+        <p:spPr>
+          <a:xfrm>
+            <a:off x="594360" y="278129"/>
+            <a:ext cx="9778365" cy="1494596"/>
+          </a:xfrm>
+        </p:spPr>
+        <p:txBody>
+          <a:bodyPr/>
+          <a:lstStyle/>
+          <a:p>
+            <a:r>
+              <a:rPr lang="en-US" dirty="0"/>
+              <a:t>Adapter pattern</a:t>
+            </a:r>
+          </a:p>
+        </p:txBody>
+      </p:sp>
+      <p:sp>
+        <p:nvSpPr>
+          <p:cNvPr id="3" name="Content Placeholder 2">
+            <a:extLst>
+              <a:ext uri="{FF2B5EF4-FFF2-40B4-BE49-F238E27FC236}">
+                <a16:creationId xmlns:a16="http://schemas.microsoft.com/office/drawing/2014/main" id="{2EB6B734-21C0-8A65-1C93-1893552FBF63}"/>
+              </a:ext>
+            </a:extLst>
+          </p:cNvPr>
+          <p:cNvSpPr>
+            <a:spLocks noGrp="1"/>
+          </p:cNvSpPr>
+          <p:nvPr>
+            <p:ph sz="quarter" idx="15"/>
+          </p:nvPr>
+        </p:nvSpPr>
+        <p:spPr>
+          <a:xfrm>
+            <a:off x="152400" y="2255520"/>
+            <a:ext cx="10444480" cy="4765040"/>
+          </a:xfrm>
+        </p:spPr>
+        <p:txBody>
+          <a:bodyPr>
+            <a:normAutofit fontScale="77500" lnSpcReduction="20000"/>
+          </a:bodyPr>
+          <a:lstStyle/>
+          <a:p>
+            <a:pPr>
+              <a:spcBef>
+                <a:spcPts val="0"/>
+              </a:spcBef>
+            </a:pPr>
+            <a:r>
+              <a:rPr lang="en-US" dirty="0"/>
+              <a:t>public class Rectangle</a:t>
+            </a:r>
+          </a:p>
+          <a:p>
+            <a:pPr>
+              <a:spcBef>
+                <a:spcPts val="0"/>
+              </a:spcBef>
+            </a:pPr>
+            <a:r>
+              <a:rPr lang="en-US" dirty="0"/>
+              <a:t>{</a:t>
+            </a:r>
+          </a:p>
+          <a:p>
+            <a:pPr>
+              <a:spcBef>
+                <a:spcPts val="0"/>
+              </a:spcBef>
+            </a:pPr>
+            <a:r>
+              <a:rPr lang="en-US" dirty="0"/>
+              <a:t>    public void Render()</a:t>
+            </a:r>
+          </a:p>
+          <a:p>
+            <a:pPr>
+              <a:spcBef>
+                <a:spcPts val="0"/>
+              </a:spcBef>
+            </a:pPr>
+            <a:r>
+              <a:rPr lang="en-US" dirty="0"/>
+              <a:t>    {</a:t>
+            </a:r>
+          </a:p>
+          <a:p>
+            <a:pPr>
+              <a:spcBef>
+                <a:spcPts val="0"/>
+              </a:spcBef>
+            </a:pPr>
+            <a:r>
+              <a:rPr lang="en-US" dirty="0"/>
+              <a:t>        </a:t>
+            </a:r>
+            <a:r>
+              <a:rPr lang="en-US" dirty="0" err="1"/>
+              <a:t>Console.WriteLine</a:t>
+            </a:r>
+            <a:r>
+              <a:rPr lang="en-US" dirty="0"/>
+              <a:t>("Rendering rectangle");</a:t>
+            </a:r>
+          </a:p>
+          <a:p>
+            <a:pPr>
+              <a:spcBef>
+                <a:spcPts val="0"/>
+              </a:spcBef>
+            </a:pPr>
+            <a:r>
+              <a:rPr lang="en-US" dirty="0"/>
+              <a:t>    }</a:t>
+            </a:r>
+          </a:p>
+          <a:p>
+            <a:pPr>
+              <a:spcBef>
+                <a:spcPts val="0"/>
+              </a:spcBef>
+            </a:pPr>
+            <a:r>
+              <a:rPr lang="en-US" dirty="0"/>
+              <a:t>}</a:t>
+            </a:r>
+          </a:p>
+          <a:p>
+            <a:pPr>
+              <a:spcBef>
+                <a:spcPts val="0"/>
+              </a:spcBef>
+            </a:pPr>
+            <a:endParaRPr lang="en-US" dirty="0"/>
+          </a:p>
+          <a:p>
+            <a:pPr>
+              <a:spcBef>
+                <a:spcPts val="0"/>
+              </a:spcBef>
+            </a:pPr>
+            <a:r>
+              <a:rPr lang="en-US" dirty="0"/>
+              <a:t>public interface </a:t>
+            </a:r>
+            <a:r>
+              <a:rPr lang="en-US" dirty="0" err="1"/>
+              <a:t>IShape</a:t>
+            </a:r>
+            <a:endParaRPr lang="en-US" dirty="0"/>
+          </a:p>
+          <a:p>
+            <a:pPr>
+              <a:spcBef>
+                <a:spcPts val="0"/>
+              </a:spcBef>
+            </a:pPr>
+            <a:r>
+              <a:rPr lang="en-US" dirty="0"/>
+              <a:t>{</a:t>
+            </a:r>
+          </a:p>
+          <a:p>
+            <a:pPr>
+              <a:spcBef>
+                <a:spcPts val="0"/>
+              </a:spcBef>
+            </a:pPr>
+            <a:r>
+              <a:rPr lang="en-US" dirty="0"/>
+              <a:t>    void Draw();</a:t>
+            </a:r>
+          </a:p>
+          <a:p>
+            <a:pPr>
+              <a:spcBef>
+                <a:spcPts val="0"/>
+              </a:spcBef>
+            </a:pPr>
+            <a:r>
+              <a:rPr lang="en-US" dirty="0"/>
+              <a:t>}</a:t>
+            </a:r>
+          </a:p>
+          <a:p>
+            <a:pPr>
+              <a:spcBef>
+                <a:spcPts val="0"/>
+              </a:spcBef>
+            </a:pPr>
+            <a:endParaRPr lang="en-US" dirty="0"/>
+          </a:p>
+          <a:p>
+            <a:pPr>
+              <a:spcBef>
+                <a:spcPts val="0"/>
+              </a:spcBef>
+            </a:pPr>
+            <a:r>
+              <a:rPr lang="en-US" dirty="0"/>
+              <a:t>public class </a:t>
+            </a:r>
+            <a:r>
+              <a:rPr lang="en-US" dirty="0" err="1"/>
+              <a:t>RectangleAdapter</a:t>
+            </a:r>
+            <a:r>
+              <a:rPr lang="en-US" dirty="0"/>
+              <a:t> : </a:t>
+            </a:r>
+            <a:r>
+              <a:rPr lang="en-US" dirty="0" err="1"/>
+              <a:t>IShape</a:t>
+            </a:r>
+            <a:endParaRPr lang="en-US" dirty="0"/>
+          </a:p>
+          <a:p>
+            <a:pPr>
+              <a:spcBef>
+                <a:spcPts val="0"/>
+              </a:spcBef>
+            </a:pPr>
+            <a:r>
+              <a:rPr lang="en-US" dirty="0"/>
+              <a:t>{</a:t>
+            </a:r>
+          </a:p>
+          <a:p>
+            <a:pPr>
+              <a:spcBef>
+                <a:spcPts val="0"/>
+              </a:spcBef>
+            </a:pPr>
+            <a:r>
+              <a:rPr lang="en-US" dirty="0"/>
+              <a:t>    private </a:t>
+            </a:r>
+            <a:r>
+              <a:rPr lang="en-US" dirty="0" err="1"/>
+              <a:t>readonly</a:t>
+            </a:r>
+            <a:r>
+              <a:rPr lang="en-US" dirty="0"/>
+              <a:t> Rectangle _rectangle;</a:t>
+            </a:r>
+          </a:p>
+          <a:p>
+            <a:pPr>
+              <a:spcBef>
+                <a:spcPts val="0"/>
+              </a:spcBef>
+            </a:pPr>
+            <a:endParaRPr lang="en-US" dirty="0"/>
+          </a:p>
+          <a:p>
+            <a:pPr>
+              <a:spcBef>
+                <a:spcPts val="0"/>
+              </a:spcBef>
+            </a:pPr>
+            <a:r>
+              <a:rPr lang="en-US" dirty="0"/>
+              <a:t>    public </a:t>
+            </a:r>
+            <a:r>
+              <a:rPr lang="en-US" dirty="0" err="1"/>
+              <a:t>RectangleAdapter</a:t>
+            </a:r>
+            <a:r>
+              <a:rPr lang="en-US" dirty="0"/>
+              <a:t>(Rectangle rectangle)</a:t>
+            </a:r>
+          </a:p>
+          <a:p>
+            <a:pPr>
+              <a:spcBef>
+                <a:spcPts val="0"/>
+              </a:spcBef>
+            </a:pPr>
+            <a:r>
+              <a:rPr lang="en-US" dirty="0"/>
+              <a:t>    {</a:t>
+            </a:r>
+          </a:p>
+          <a:p>
+            <a:pPr>
+              <a:spcBef>
+                <a:spcPts val="0"/>
+              </a:spcBef>
+            </a:pPr>
+            <a:r>
+              <a:rPr lang="en-US" dirty="0"/>
+              <a:t>        _rectangle = rectangle;</a:t>
+            </a:r>
+          </a:p>
+          <a:p>
+            <a:pPr>
+              <a:spcBef>
+                <a:spcPts val="0"/>
+              </a:spcBef>
+            </a:pPr>
+            <a:r>
+              <a:rPr lang="en-US" dirty="0"/>
+              <a:t>    }</a:t>
+            </a:r>
+          </a:p>
+          <a:p>
+            <a:pPr>
+              <a:spcBef>
+                <a:spcPts val="0"/>
+              </a:spcBef>
+            </a:pPr>
+            <a:endParaRPr lang="en-US" dirty="0"/>
+          </a:p>
+          <a:p>
+            <a:pPr>
+              <a:spcBef>
+                <a:spcPts val="0"/>
+              </a:spcBef>
+            </a:pPr>
+            <a:r>
+              <a:rPr lang="en-US" dirty="0"/>
+              <a:t>    public void Draw()</a:t>
+            </a:r>
+          </a:p>
+          <a:p>
+            <a:pPr>
+              <a:spcBef>
+                <a:spcPts val="0"/>
+              </a:spcBef>
+            </a:pPr>
+            <a:r>
+              <a:rPr lang="en-US" dirty="0"/>
+              <a:t>    {</a:t>
+            </a:r>
+          </a:p>
+          <a:p>
+            <a:pPr>
+              <a:spcBef>
+                <a:spcPts val="0"/>
+              </a:spcBef>
+            </a:pPr>
+            <a:r>
+              <a:rPr lang="en-US" dirty="0"/>
+              <a:t>        _</a:t>
+            </a:r>
+            <a:r>
+              <a:rPr lang="en-US" dirty="0" err="1"/>
+              <a:t>rectangle.Render</a:t>
+            </a:r>
+            <a:r>
+              <a:rPr lang="en-US" dirty="0"/>
+              <a:t>(); // Adapt Render() to Draw()</a:t>
+            </a:r>
+          </a:p>
+          <a:p>
+            <a:pPr>
+              <a:spcBef>
+                <a:spcPts val="0"/>
+              </a:spcBef>
+            </a:pPr>
+            <a:r>
+              <a:rPr lang="en-US" dirty="0"/>
+              <a:t>    }</a:t>
+            </a:r>
+          </a:p>
+          <a:p>
+            <a:pPr>
+              <a:spcBef>
+                <a:spcPts val="0"/>
+              </a:spcBef>
+            </a:pPr>
+            <a:r>
+              <a:rPr lang="en-US" dirty="0"/>
+              <a:t>}</a:t>
+            </a:r>
+          </a:p>
+        </p:txBody>
+      </p:sp>
+    </p:spTree>
+    <p:extLst>
+      <p:ext uri="{BB962C8B-B14F-4D97-AF65-F5344CB8AC3E}">
+        <p14:creationId xmlns:p14="http://schemas.microsoft.com/office/powerpoint/2010/main" val="3489012925"/>
+      </p:ext>
+    </p:extLst>
+  </p:cSld>
+  <p:clrMapOvr>
+    <a:masterClrMapping/>
+  </p:clrMapOvr>
+</p:sld>
+</file>
+
+<file path=ppt/slides/slide13.xml><?xml version="1.0" encoding="utf-8"?>
+<p:sld xmlns:a="http://schemas.openxmlformats.org/drawingml/2006/main" xmlns:r="http://schemas.openxmlformats.org/officeDocument/2006/relationships" xmlns:p="http://schemas.openxmlformats.org/presentationml/2006/main">
+  <p:cSld>
+    <p:spTree>
+      <p:nvGrpSpPr>
+        <p:cNvPr id="1" name="">
+          <a:extLst>
+            <a:ext uri="{FF2B5EF4-FFF2-40B4-BE49-F238E27FC236}">
+              <a16:creationId xmlns:a16="http://schemas.microsoft.com/office/drawing/2014/main" id="{DC677754-1F21-FD21-925F-681FFC2AF4DF}"/>
+            </a:ext>
+          </a:extLst>
+        </p:cNvPr>
+        <p:cNvGrpSpPr/>
+        <p:nvPr/>
+      </p:nvGrpSpPr>
+      <p:grpSpPr>
+        <a:xfrm>
+          <a:off x="0" y="0"/>
+          <a:ext cx="0" cy="0"/>
+          <a:chOff x="0" y="0"/>
+          <a:chExt cx="0" cy="0"/>
+        </a:xfrm>
+      </p:grpSpPr>
+      <p:sp>
+        <p:nvSpPr>
+          <p:cNvPr id="3" name="Title 2">
+            <a:extLst>
+              <a:ext uri="{FF2B5EF4-FFF2-40B4-BE49-F238E27FC236}">
+                <a16:creationId xmlns:a16="http://schemas.microsoft.com/office/drawing/2014/main" id="{1A9F34E4-4303-5DC0-62AC-4C35D208C846}"/>
+              </a:ext>
+            </a:extLst>
+          </p:cNvPr>
+          <p:cNvSpPr>
+            <a:spLocks noGrp="1"/>
+          </p:cNvSpPr>
+          <p:nvPr>
+            <p:ph type="title"/>
+          </p:nvPr>
+        </p:nvSpPr>
+        <p:spPr>
+          <a:xfrm>
+            <a:off x="594360" y="102875"/>
+            <a:ext cx="10873740" cy="1680205"/>
+          </a:xfrm>
+        </p:spPr>
+        <p:txBody>
+          <a:bodyPr/>
+          <a:lstStyle/>
+          <a:p>
+            <a:r>
+              <a:rPr lang="en-US" dirty="0"/>
+              <a:t>Bridge pattern</a:t>
+            </a:r>
+          </a:p>
+        </p:txBody>
+      </p:sp>
+      <p:grpSp>
+        <p:nvGrpSpPr>
+          <p:cNvPr id="19" name="Group 18">
+            <a:extLst>
+              <a:ext uri="{FF2B5EF4-FFF2-40B4-BE49-F238E27FC236}">
+                <a16:creationId xmlns:a16="http://schemas.microsoft.com/office/drawing/2014/main" id="{A3BC834A-1B3C-C2E9-B9E0-F1559A8C90DE}"/>
+              </a:ext>
+              <a:ext uri="{C183D7F6-B498-43B3-948B-1728B52AA6E4}">
+                <adec:decorative xmlns:adec="http://schemas.microsoft.com/office/drawing/2017/decorative" val="1"/>
+              </a:ext>
+            </a:extLst>
+          </p:cNvPr>
+          <p:cNvGrpSpPr>
+            <a:grpSpLocks/>
+          </p:cNvGrpSpPr>
+          <p:nvPr/>
+        </p:nvGrpSpPr>
+        <p:grpSpPr bwMode="auto">
+          <a:xfrm rot="16200000" flipV="1">
+            <a:off x="0" y="3900132"/>
+            <a:ext cx="2959226" cy="2959226"/>
+            <a:chOff x="0" y="12289"/>
+            <a:chExt cx="3550" cy="3551"/>
+          </a:xfrm>
+        </p:grpSpPr>
+        <p:sp>
+          <p:nvSpPr>
+            <p:cNvPr id="20" name="Freeform 19">
+              <a:extLst>
+                <a:ext uri="{FF2B5EF4-FFF2-40B4-BE49-F238E27FC236}">
+                  <a16:creationId xmlns:a16="http://schemas.microsoft.com/office/drawing/2014/main" id="{47A8F7C5-CB15-9BE2-1A0B-07775EE3423C}"/>
+                </a:ext>
+              </a:extLst>
+            </p:cNvPr>
+            <p:cNvSpPr>
+              <a:spLocks/>
+            </p:cNvSpPr>
+            <p:nvPr/>
+          </p:nvSpPr>
+          <p:spPr bwMode="auto">
+            <a:xfrm>
+              <a:off x="0" y="12289"/>
+              <a:ext cx="1789" cy="2386"/>
+            </a:xfrm>
+            <a:custGeom>
+              <a:avLst/>
+              <a:gdLst>
+                <a:gd name="T0" fmla="*/ 0 w 1789"/>
+                <a:gd name="T1" fmla="+- 0 12290 12290"/>
+                <a:gd name="T2" fmla="*/ 12290 h 2386"/>
+                <a:gd name="T3" fmla="*/ 0 w 1789"/>
+                <a:gd name="T4" fmla="+- 0 13484 12290"/>
+                <a:gd name="T5" fmla="*/ 13484 h 2386"/>
+                <a:gd name="T6" fmla="*/ 1192 w 1789"/>
+                <a:gd name="T7" fmla="+- 0 14676 12290"/>
+                <a:gd name="T8" fmla="*/ 14676 h 2386"/>
+                <a:gd name="T9" fmla="*/ 1789 w 1789"/>
+                <a:gd name="T10" fmla="+- 0 14079 12290"/>
+                <a:gd name="T11" fmla="*/ 14079 h 2386"/>
+                <a:gd name="T12" fmla="*/ 0 w 1789"/>
+                <a:gd name="T13" fmla="+- 0 12290 12290"/>
+                <a:gd name="T14" fmla="*/ 12290 h 2386"/>
+              </a:gdLst>
+              <a:ahLst/>
+              <a:cxnLst>
+                <a:cxn ang="0">
+                  <a:pos x="T0" y="T2"/>
+                </a:cxn>
+                <a:cxn ang="0">
+                  <a:pos x="T3" y="T5"/>
+                </a:cxn>
+                <a:cxn ang="0">
+                  <a:pos x="T6" y="T8"/>
+                </a:cxn>
+                <a:cxn ang="0">
+                  <a:pos x="T9" y="T11"/>
+                </a:cxn>
+                <a:cxn ang="0">
+                  <a:pos x="T12" y="T14"/>
+                </a:cxn>
+              </a:cxnLst>
+              <a:rect l="0" t="0" r="r" b="b"/>
+              <a:pathLst>
+                <a:path w="1789" h="2386">
+                  <a:moveTo>
+                    <a:pt x="0" y="0"/>
+                  </a:moveTo>
+                  <a:lnTo>
+                    <a:pt x="0" y="1194"/>
+                  </a:lnTo>
+                  <a:lnTo>
+                    <a:pt x="1192" y="2386"/>
+                  </a:lnTo>
+                  <a:lnTo>
+                    <a:pt x="1789" y="1789"/>
+                  </a:lnTo>
+                  <a:lnTo>
+                    <a:pt x="0" y="0"/>
+                  </a:lnTo>
+                  <a:close/>
+                </a:path>
+              </a:pathLst>
+            </a:custGeom>
+            <a:solidFill>
+              <a:schemeClr val="accent6"/>
+            </a:solidFill>
+            <a:ln>
+              <a:noFill/>
+            </a:ln>
+            <a:extLst>
+              <a:ext uri="{91240B29-F687-4F45-9708-019B960494DF}">
+                <a14:hiddenLine xmlns:a14="http://schemas.microsoft.com/office/drawing/2010/main" w="9525">
+                  <a:solidFill>
+                    <a:srgbClr val="000000"/>
+                  </a:solidFill>
+                  <a:round/>
+                  <a:headEnd/>
+                  <a:tailEnd/>
+                </a14:hiddenLine>
+              </a:ext>
+            </a:extLst>
+          </p:spPr>
+          <p:txBody>
+            <a:bodyPr rot="0" vert="horz" wrap="square" lIns="91440" tIns="45720" rIns="91440" bIns="45720" anchor="t" anchorCtr="0" upright="1">
+              <a:noAutofit/>
+            </a:bodyPr>
+            <a:lstStyle/>
+            <a:p>
+              <a:endParaRPr lang="en-US" dirty="0"/>
+            </a:p>
+          </p:txBody>
+        </p:sp>
+        <p:sp>
+          <p:nvSpPr>
+            <p:cNvPr id="21" name="Freeform 20">
+              <a:extLst>
+                <a:ext uri="{FF2B5EF4-FFF2-40B4-BE49-F238E27FC236}">
+                  <a16:creationId xmlns:a16="http://schemas.microsoft.com/office/drawing/2014/main" id="{63A6BECA-B1D2-2D64-DB4B-68F8DB0F0B54}"/>
+                </a:ext>
+              </a:extLst>
+            </p:cNvPr>
+            <p:cNvSpPr>
+              <a:spLocks/>
+            </p:cNvSpPr>
+            <p:nvPr/>
+          </p:nvSpPr>
+          <p:spPr bwMode="auto">
+            <a:xfrm>
+              <a:off x="0" y="14678"/>
+              <a:ext cx="1162" cy="1162"/>
+            </a:xfrm>
+            <a:custGeom>
+              <a:avLst/>
+              <a:gdLst>
+                <a:gd name="T0" fmla="*/ 0 w 1162"/>
+                <a:gd name="T1" fmla="+- 0 14679 14679"/>
+                <a:gd name="T2" fmla="*/ 14679 h 1162"/>
+                <a:gd name="T3" fmla="*/ 0 w 1162"/>
+                <a:gd name="T4" fmla="+- 0 15840 14679"/>
+                <a:gd name="T5" fmla="*/ 15840 h 1162"/>
+                <a:gd name="T6" fmla="*/ 1161 w 1162"/>
+                <a:gd name="T7" fmla="+- 0 15840 14679"/>
+                <a:gd name="T8" fmla="*/ 15840 h 1162"/>
+                <a:gd name="T9" fmla="*/ 0 w 1162"/>
+                <a:gd name="T10" fmla="+- 0 14679 14679"/>
+                <a:gd name="T11" fmla="*/ 14679 h 1162"/>
+              </a:gdLst>
+              <a:ahLst/>
+              <a:cxnLst>
+                <a:cxn ang="0">
+                  <a:pos x="T0" y="T2"/>
+                </a:cxn>
+                <a:cxn ang="0">
+                  <a:pos x="T3" y="T5"/>
+                </a:cxn>
+                <a:cxn ang="0">
+                  <a:pos x="T6" y="T8"/>
+                </a:cxn>
+                <a:cxn ang="0">
+                  <a:pos x="T9" y="T11"/>
+                </a:cxn>
+              </a:cxnLst>
+              <a:rect l="0" t="0" r="r" b="b"/>
+              <a:pathLst>
+                <a:path w="1162" h="1162">
+                  <a:moveTo>
+                    <a:pt x="0" y="0"/>
+                  </a:moveTo>
+                  <a:lnTo>
+                    <a:pt x="0" y="1161"/>
+                  </a:lnTo>
+                  <a:lnTo>
+                    <a:pt x="1161" y="1161"/>
+                  </a:lnTo>
+                  <a:lnTo>
+                    <a:pt x="0" y="0"/>
+                  </a:lnTo>
+                  <a:close/>
+                </a:path>
+              </a:pathLst>
+            </a:custGeom>
+            <a:solidFill>
+              <a:schemeClr val="tx2"/>
+            </a:solidFill>
+            <a:ln>
+              <a:noFill/>
+            </a:ln>
+            <a:extLst>
+              <a:ext uri="{91240B29-F687-4F45-9708-019B960494DF}">
+                <a14:hiddenLine xmlns:a14="http://schemas.microsoft.com/office/drawing/2010/main" w="9525">
+                  <a:solidFill>
+                    <a:srgbClr val="000000"/>
+                  </a:solidFill>
+                  <a:round/>
+                  <a:headEnd/>
+                  <a:tailEnd/>
+                </a14:hiddenLine>
+              </a:ext>
+            </a:extLst>
+          </p:spPr>
+          <p:txBody>
+            <a:bodyPr rot="0" vert="horz" wrap="square" lIns="91440" tIns="45720" rIns="91440" bIns="45720" anchor="t" anchorCtr="0" upright="1">
+              <a:noAutofit/>
+            </a:bodyPr>
+            <a:lstStyle/>
+            <a:p>
+              <a:endParaRPr lang="en-US" dirty="0"/>
+            </a:p>
+          </p:txBody>
+        </p:sp>
+        <p:sp>
+          <p:nvSpPr>
+            <p:cNvPr id="22" name="Freeform 21">
+              <a:extLst>
+                <a:ext uri="{FF2B5EF4-FFF2-40B4-BE49-F238E27FC236}">
+                  <a16:creationId xmlns:a16="http://schemas.microsoft.com/office/drawing/2014/main" id="{4DB4AC50-B0CB-73EF-C0E2-988DA8561C42}"/>
+                </a:ext>
+              </a:extLst>
+            </p:cNvPr>
+            <p:cNvSpPr>
+              <a:spLocks/>
+            </p:cNvSpPr>
+            <p:nvPr/>
+          </p:nvSpPr>
+          <p:spPr bwMode="auto">
+            <a:xfrm>
+              <a:off x="1221" y="14675"/>
+              <a:ext cx="2329" cy="1165"/>
+            </a:xfrm>
+            <a:custGeom>
+              <a:avLst/>
+              <a:gdLst>
+                <a:gd name="T0" fmla="+- 0 3550 1221"/>
+                <a:gd name="T1" fmla="*/ T0 w 2329"/>
+                <a:gd name="T2" fmla="+- 0 15840 14676"/>
+                <a:gd name="T3" fmla="*/ 15840 h 1165"/>
+                <a:gd name="T4" fmla="+- 0 2386 1221"/>
+                <a:gd name="T5" fmla="*/ T4 w 2329"/>
+                <a:gd name="T6" fmla="+- 0 14676 14676"/>
+                <a:gd name="T7" fmla="*/ 14676 h 1165"/>
+                <a:gd name="T8" fmla="+- 0 1221 1221"/>
+                <a:gd name="T9" fmla="*/ T8 w 2329"/>
+                <a:gd name="T10" fmla="+- 0 15840 14676"/>
+                <a:gd name="T11" fmla="*/ 15840 h 1165"/>
+                <a:gd name="T12" fmla="+- 0 3550 1221"/>
+                <a:gd name="T13" fmla="*/ T12 w 2329"/>
+                <a:gd name="T14" fmla="+- 0 15840 14676"/>
+                <a:gd name="T15" fmla="*/ 15840 h 1165"/>
+              </a:gdLst>
+              <a:ahLst/>
+              <a:cxnLst>
+                <a:cxn ang="0">
+                  <a:pos x="T1" y="T3"/>
+                </a:cxn>
+                <a:cxn ang="0">
+                  <a:pos x="T5" y="T7"/>
+                </a:cxn>
+                <a:cxn ang="0">
+                  <a:pos x="T9" y="T11"/>
+                </a:cxn>
+                <a:cxn ang="0">
+                  <a:pos x="T13" y="T15"/>
+                </a:cxn>
+              </a:cxnLst>
+              <a:rect l="0" t="0" r="r" b="b"/>
+              <a:pathLst>
+                <a:path w="2329" h="1165">
+                  <a:moveTo>
+                    <a:pt x="2329" y="1164"/>
+                  </a:moveTo>
+                  <a:lnTo>
+                    <a:pt x="1165" y="0"/>
+                  </a:lnTo>
+                  <a:lnTo>
+                    <a:pt x="0" y="1164"/>
+                  </a:lnTo>
+                  <a:lnTo>
+                    <a:pt x="2329" y="1164"/>
+                  </a:lnTo>
+                </a:path>
+              </a:pathLst>
+            </a:custGeom>
+            <a:solidFill>
+              <a:schemeClr val="accent3"/>
+            </a:solidFill>
+            <a:ln>
+              <a:noFill/>
+            </a:ln>
+            <a:extLst>
+              <a:ext uri="{91240B29-F687-4F45-9708-019B960494DF}">
+                <a14:hiddenLine xmlns:a14="http://schemas.microsoft.com/office/drawing/2010/main" w="9525">
+                  <a:solidFill>
+                    <a:srgbClr val="000000"/>
+                  </a:solidFill>
+                  <a:round/>
+                  <a:headEnd/>
+                  <a:tailEnd/>
+                </a14:hiddenLine>
+              </a:ext>
+            </a:extLst>
+          </p:spPr>
+          <p:txBody>
+            <a:bodyPr rot="0" vert="horz" wrap="square" lIns="91440" tIns="45720" rIns="91440" bIns="45720" anchor="t" anchorCtr="0" upright="1">
+              <a:noAutofit/>
+            </a:bodyPr>
+            <a:lstStyle/>
+            <a:p>
+              <a:endParaRPr lang="en-US" dirty="0"/>
+            </a:p>
+          </p:txBody>
+        </p:sp>
+      </p:grpSp>
+      <p:sp>
+        <p:nvSpPr>
+          <p:cNvPr id="2" name="Text Placeholder 6">
+            <a:extLst>
+              <a:ext uri="{FF2B5EF4-FFF2-40B4-BE49-F238E27FC236}">
+                <a16:creationId xmlns:a16="http://schemas.microsoft.com/office/drawing/2014/main" id="{E49C20DB-E6CA-0D2B-E731-97FE25C6406A}"/>
+              </a:ext>
+            </a:extLst>
+          </p:cNvPr>
+          <p:cNvSpPr txBox="1">
+            <a:spLocks/>
+          </p:cNvSpPr>
+          <p:nvPr/>
+        </p:nvSpPr>
+        <p:spPr>
+          <a:xfrm>
+            <a:off x="3291840" y="4561840"/>
+            <a:ext cx="8900160" cy="2193286"/>
+          </a:xfrm>
+          <a:prstGeom prst="rect">
+            <a:avLst/>
+          </a:prstGeom>
+        </p:spPr>
+        <p:txBody>
+          <a:bodyPr vert="horz" lIns="0" tIns="228600" rIns="0" bIns="0" rtlCol="0">
+            <a:normAutofit/>
+          </a:bodyPr>
+          <a:lstStyle>
+            <a:lvl1pPr marL="283464" indent="-283464" algn="l" defTabSz="914400" rtl="0" eaLnBrk="1" latinLnBrk="0" hangingPunct="1">
+              <a:lnSpc>
+                <a:spcPct val="90000"/>
+              </a:lnSpc>
+              <a:spcBef>
+                <a:spcPts val="1800"/>
+              </a:spcBef>
+              <a:buFont typeface="Arial" panose="020B0604020202020204" pitchFamily="34" charset="0"/>
+              <a:buChar char="•"/>
+              <a:defRPr sz="2000" b="0" i="0" kern="1200">
+                <a:solidFill>
+                  <a:schemeClr val="bg1"/>
+                </a:solidFill>
+                <a:latin typeface="+mn-lt"/>
+                <a:ea typeface="+mn-ea"/>
+                <a:cs typeface="+mn-cs"/>
+              </a:defRPr>
+            </a:lvl1pPr>
+            <a:lvl2pPr marL="685800" indent="-283464" algn="l" defTabSz="914400" rtl="0" eaLnBrk="1" latinLnBrk="0" hangingPunct="1">
+              <a:lnSpc>
+                <a:spcPct val="90000"/>
+              </a:lnSpc>
+              <a:spcBef>
+                <a:spcPts val="1800"/>
+              </a:spcBef>
+              <a:buFont typeface="Arial" panose="020B0604020202020204" pitchFamily="34" charset="0"/>
+              <a:buChar char="•"/>
+              <a:defRPr sz="2000" b="0" i="0" kern="1200">
+                <a:solidFill>
+                  <a:schemeClr val="bg1"/>
+                </a:solidFill>
+                <a:latin typeface="+mn-lt"/>
+                <a:ea typeface="+mn-ea"/>
+                <a:cs typeface="+mn-cs"/>
+              </a:defRPr>
+            </a:lvl2pPr>
+            <a:lvl3pPr marL="1143000" indent="-283464" algn="l" defTabSz="914400" rtl="0" eaLnBrk="1" latinLnBrk="0" hangingPunct="1">
+              <a:lnSpc>
+                <a:spcPct val="90000"/>
+              </a:lnSpc>
+              <a:spcBef>
+                <a:spcPts val="1800"/>
+              </a:spcBef>
+              <a:buFont typeface="Arial" panose="020B0604020202020204" pitchFamily="34" charset="0"/>
+              <a:buChar char="•"/>
+              <a:defRPr sz="2000" b="0" i="0" kern="1200">
+                <a:solidFill>
+                  <a:schemeClr val="bg1"/>
+                </a:solidFill>
+                <a:latin typeface="+mn-lt"/>
+                <a:ea typeface="+mn-ea"/>
+                <a:cs typeface="+mn-cs"/>
+              </a:defRPr>
+            </a:lvl3pPr>
+            <a:lvl4pPr marL="1600200" indent="-283464" algn="l" defTabSz="914400" rtl="0" eaLnBrk="1" latinLnBrk="0" hangingPunct="1">
+              <a:lnSpc>
+                <a:spcPct val="90000"/>
+              </a:lnSpc>
+              <a:spcBef>
+                <a:spcPts val="1800"/>
+              </a:spcBef>
+              <a:buFont typeface="Arial" panose="020B0604020202020204" pitchFamily="34" charset="0"/>
+              <a:buChar char="•"/>
+              <a:defRPr sz="2000" b="0" i="0" kern="1200">
+                <a:solidFill>
+                  <a:schemeClr val="bg1"/>
+                </a:solidFill>
+                <a:latin typeface="+mn-lt"/>
+                <a:ea typeface="+mn-ea"/>
+                <a:cs typeface="+mn-cs"/>
+              </a:defRPr>
+            </a:lvl4pPr>
+            <a:lvl5pPr marL="2057400" indent="-283464" algn="l" defTabSz="914400" rtl="0" eaLnBrk="1" latinLnBrk="0" hangingPunct="1">
+              <a:lnSpc>
+                <a:spcPct val="90000"/>
+              </a:lnSpc>
+              <a:spcBef>
+                <a:spcPts val="1800"/>
+              </a:spcBef>
+              <a:buFont typeface="Arial" panose="020B0604020202020204" pitchFamily="34" charset="0"/>
+              <a:buChar char="•"/>
+              <a:defRPr sz="2000" b="0" i="0" kern="1200">
+                <a:solidFill>
+                  <a:schemeClr val="bg1"/>
+                </a:solidFill>
+                <a:latin typeface="+mn-lt"/>
+                <a:ea typeface="+mn-ea"/>
+                <a:cs typeface="+mn-cs"/>
+              </a:defRPr>
+            </a:lvl5pPr>
+            <a:lvl6pPr marL="2514600" indent="-228600" algn="l" defTabSz="914400" rtl="0" eaLnBrk="1" latinLnBrk="0" hangingPunct="1">
+              <a:lnSpc>
+                <a:spcPct val="90000"/>
+              </a:lnSpc>
+              <a:spcBef>
+                <a:spcPts val="500"/>
+              </a:spcBef>
+              <a:buFont typeface="Arial" panose="020B0604020202020204" pitchFamily="34" charset="0"/>
+              <a:buChar char="•"/>
+              <a:defRPr sz="1800" kern="1200">
+                <a:solidFill>
+                  <a:schemeClr val="tx1"/>
+                </a:solidFill>
+                <a:latin typeface="+mn-lt"/>
+                <a:ea typeface="+mn-ea"/>
+                <a:cs typeface="+mn-cs"/>
+              </a:defRPr>
+            </a:lvl6pPr>
+            <a:lvl7pPr marL="2971800" indent="-228600" algn="l" defTabSz="914400" rtl="0" eaLnBrk="1" latinLnBrk="0" hangingPunct="1">
+              <a:lnSpc>
+                <a:spcPct val="90000"/>
+              </a:lnSpc>
+              <a:spcBef>
+                <a:spcPts val="500"/>
+              </a:spcBef>
+              <a:buFont typeface="Arial" panose="020B0604020202020204" pitchFamily="34" charset="0"/>
+              <a:buChar char="•"/>
+              <a:defRPr sz="1800" kern="1200">
+                <a:solidFill>
+                  <a:schemeClr val="tx1"/>
+                </a:solidFill>
+                <a:latin typeface="+mn-lt"/>
+                <a:ea typeface="+mn-ea"/>
+                <a:cs typeface="+mn-cs"/>
+              </a:defRPr>
+            </a:lvl7pPr>
+            <a:lvl8pPr marL="3429000" indent="-228600" algn="l" defTabSz="914400" rtl="0" eaLnBrk="1" latinLnBrk="0" hangingPunct="1">
+              <a:lnSpc>
+                <a:spcPct val="90000"/>
+              </a:lnSpc>
+              <a:spcBef>
+                <a:spcPts val="500"/>
+              </a:spcBef>
+              <a:buFont typeface="Arial" panose="020B0604020202020204" pitchFamily="34" charset="0"/>
+              <a:buChar char="•"/>
+              <a:defRPr sz="1800" kern="1200">
+                <a:solidFill>
+                  <a:schemeClr val="tx1"/>
+                </a:solidFill>
+                <a:latin typeface="+mn-lt"/>
+                <a:ea typeface="+mn-ea"/>
+                <a:cs typeface="+mn-cs"/>
+              </a:defRPr>
+            </a:lvl8pPr>
+            <a:lvl9pPr marL="3886200" indent="-228600" algn="l" defTabSz="914400" rtl="0" eaLnBrk="1" latinLnBrk="0" hangingPunct="1">
+              <a:lnSpc>
+                <a:spcPct val="90000"/>
+              </a:lnSpc>
+              <a:spcBef>
+                <a:spcPts val="500"/>
+              </a:spcBef>
+              <a:buFont typeface="Arial" panose="020B0604020202020204" pitchFamily="34" charset="0"/>
+              <a:buChar char="•"/>
+              <a:defRPr sz="1800" kern="1200">
+                <a:solidFill>
+                  <a:schemeClr val="tx1"/>
+                </a:solidFill>
+                <a:latin typeface="+mn-lt"/>
+                <a:ea typeface="+mn-ea"/>
+                <a:cs typeface="+mn-cs"/>
+              </a:defRPr>
+            </a:lvl9pPr>
+          </a:lstStyle>
+          <a:p>
+            <a:pPr>
+              <a:lnSpc>
+                <a:spcPct val="100000"/>
+              </a:lnSpc>
+              <a:spcBef>
+                <a:spcPts val="0"/>
+              </a:spcBef>
+            </a:pPr>
+            <a:endParaRPr lang="en-US" dirty="0"/>
+          </a:p>
+        </p:txBody>
+      </p:sp>
+      <p:sp>
+        <p:nvSpPr>
+          <p:cNvPr id="5" name="Content Placeholder 4">
+            <a:extLst>
+              <a:ext uri="{FF2B5EF4-FFF2-40B4-BE49-F238E27FC236}">
+                <a16:creationId xmlns:a16="http://schemas.microsoft.com/office/drawing/2014/main" id="{38395CAD-187E-0240-6A65-422A12896448}"/>
+              </a:ext>
+            </a:extLst>
+          </p:cNvPr>
+          <p:cNvSpPr>
+            <a:spLocks noGrp="1"/>
+          </p:cNvSpPr>
+          <p:nvPr>
+            <p:ph sz="quarter" idx="13"/>
+          </p:nvPr>
+        </p:nvSpPr>
+        <p:spPr>
+          <a:xfrm>
+            <a:off x="314960" y="2282008"/>
+            <a:ext cx="11153140" cy="4179178"/>
+          </a:xfrm>
+        </p:spPr>
+        <p:txBody>
+          <a:bodyPr/>
+          <a:lstStyle/>
+          <a:p>
+            <a:pPr marL="0" indent="0">
+              <a:lnSpc>
+                <a:spcPct val="100000"/>
+              </a:lnSpc>
+              <a:spcBef>
+                <a:spcPts val="0"/>
+              </a:spcBef>
+              <a:buNone/>
+            </a:pPr>
+            <a:r>
+              <a:rPr lang="en-US" b="1" dirty="0"/>
+              <a:t>Pattern-ul Bridge </a:t>
+            </a:r>
+            <a:r>
+              <a:rPr lang="en-US" dirty="0" err="1"/>
+              <a:t>este</a:t>
+            </a:r>
+            <a:r>
+              <a:rPr lang="en-US" dirty="0"/>
+              <a:t> un pattern de design structural care </a:t>
+            </a:r>
+            <a:r>
+              <a:rPr lang="en-US" dirty="0" err="1"/>
+              <a:t>îți</a:t>
+            </a:r>
+            <a:r>
+              <a:rPr lang="en-US" dirty="0"/>
+              <a:t> </a:t>
+            </a:r>
+            <a:r>
+              <a:rPr lang="en-US" dirty="0" err="1"/>
+              <a:t>permite</a:t>
+            </a:r>
+            <a:r>
+              <a:rPr lang="en-US" dirty="0"/>
+              <a:t> </a:t>
+            </a:r>
+            <a:r>
+              <a:rPr lang="en-US" dirty="0" err="1"/>
+              <a:t>să</a:t>
+            </a:r>
+            <a:r>
+              <a:rPr lang="en-US" dirty="0"/>
+              <a:t> </a:t>
+            </a:r>
+            <a:r>
+              <a:rPr lang="en-US" dirty="0" err="1"/>
+              <a:t>împarți</a:t>
+            </a:r>
+            <a:r>
+              <a:rPr lang="en-US" dirty="0"/>
+              <a:t> o </a:t>
+            </a:r>
+            <a:r>
+              <a:rPr lang="en-US" dirty="0" err="1"/>
+              <a:t>clasă</a:t>
+            </a:r>
+            <a:r>
+              <a:rPr lang="en-US" dirty="0"/>
+              <a:t> mare </a:t>
+            </a:r>
+            <a:r>
+              <a:rPr lang="en-US" dirty="0" err="1"/>
+              <a:t>sau</a:t>
+            </a:r>
+            <a:r>
+              <a:rPr lang="en-US" dirty="0"/>
+              <a:t> un set de </a:t>
+            </a:r>
+            <a:r>
+              <a:rPr lang="en-US" dirty="0" err="1"/>
+              <a:t>clase</a:t>
+            </a:r>
+            <a:r>
+              <a:rPr lang="en-US" dirty="0"/>
+              <a:t> </a:t>
+            </a:r>
+            <a:r>
+              <a:rPr lang="en-US" dirty="0" err="1"/>
+              <a:t>strâns</a:t>
+            </a:r>
+            <a:r>
+              <a:rPr lang="en-US" dirty="0"/>
+              <a:t> legate </a:t>
+            </a:r>
+            <a:r>
+              <a:rPr lang="en-US" dirty="0" err="1"/>
+              <a:t>în</a:t>
+            </a:r>
+            <a:r>
+              <a:rPr lang="en-US" dirty="0"/>
+              <a:t> </a:t>
+            </a:r>
+            <a:r>
+              <a:rPr lang="en-US" dirty="0" err="1"/>
+              <a:t>două</a:t>
+            </a:r>
+            <a:r>
+              <a:rPr lang="en-US" dirty="0"/>
+              <a:t> </a:t>
+            </a:r>
+            <a:r>
+              <a:rPr lang="en-US" dirty="0" err="1"/>
+              <a:t>ierarhii</a:t>
+            </a:r>
+            <a:r>
+              <a:rPr lang="en-US" dirty="0"/>
+              <a:t> separate — </a:t>
+            </a:r>
+            <a:r>
+              <a:rPr lang="en-US" dirty="0" err="1"/>
+              <a:t>abstractizare</a:t>
+            </a:r>
+            <a:r>
+              <a:rPr lang="en-US" dirty="0"/>
+              <a:t> </a:t>
+            </a:r>
+            <a:r>
+              <a:rPr lang="en-US" dirty="0" err="1"/>
+              <a:t>și</a:t>
+            </a:r>
+            <a:r>
+              <a:rPr lang="en-US" dirty="0"/>
+              <a:t> </a:t>
+            </a:r>
+            <a:r>
+              <a:rPr lang="en-US" dirty="0" err="1"/>
+              <a:t>implementare</a:t>
+            </a:r>
+            <a:r>
+              <a:rPr lang="en-US" dirty="0"/>
+              <a:t> — care pot fi </a:t>
+            </a:r>
+            <a:r>
+              <a:rPr lang="en-US" dirty="0" err="1"/>
+              <a:t>dezvoltate</a:t>
+            </a:r>
+            <a:r>
+              <a:rPr lang="en-US" dirty="0"/>
+              <a:t> independent </a:t>
+            </a:r>
+            <a:r>
+              <a:rPr lang="en-US" dirty="0" err="1"/>
+              <a:t>una</a:t>
+            </a:r>
+            <a:r>
+              <a:rPr lang="en-US" dirty="0"/>
+              <a:t> de </a:t>
+            </a:r>
+            <a:r>
+              <a:rPr lang="en-US" dirty="0" err="1"/>
+              <a:t>cealaltă</a:t>
+            </a:r>
+            <a:r>
+              <a:rPr lang="en-US" dirty="0"/>
+              <a:t>.</a:t>
+            </a:r>
+          </a:p>
+          <a:p>
+            <a:pPr marL="0" indent="0">
+              <a:lnSpc>
+                <a:spcPct val="100000"/>
+              </a:lnSpc>
+              <a:spcBef>
+                <a:spcPts val="0"/>
+              </a:spcBef>
+              <a:buNone/>
+            </a:pPr>
+            <a:endParaRPr lang="en-US" dirty="0"/>
+          </a:p>
+          <a:p>
+            <a:pPr marL="0" indent="0">
+              <a:lnSpc>
+                <a:spcPct val="100000"/>
+              </a:lnSpc>
+              <a:spcBef>
+                <a:spcPts val="0"/>
+              </a:spcBef>
+              <a:buNone/>
+            </a:pPr>
+            <a:r>
+              <a:rPr lang="en-US" dirty="0" err="1"/>
+              <a:t>Acesta</a:t>
+            </a:r>
+            <a:r>
+              <a:rPr lang="en-US" dirty="0"/>
+              <a:t> </a:t>
+            </a:r>
+            <a:r>
+              <a:rPr lang="en-US" dirty="0" err="1"/>
+              <a:t>rezolvă</a:t>
+            </a:r>
+            <a:r>
+              <a:rPr lang="en-US" dirty="0"/>
+              <a:t> de </a:t>
+            </a:r>
+            <a:r>
+              <a:rPr lang="en-US" dirty="0" err="1"/>
+              <a:t>obicei</a:t>
+            </a:r>
+            <a:r>
+              <a:rPr lang="en-US" dirty="0"/>
+              <a:t> </a:t>
+            </a:r>
+            <a:r>
+              <a:rPr lang="en-US" dirty="0" err="1"/>
+              <a:t>problema</a:t>
+            </a:r>
+            <a:r>
+              <a:rPr lang="en-US" dirty="0"/>
+              <a:t> </a:t>
+            </a:r>
+            <a:r>
+              <a:rPr lang="en-US" dirty="0" err="1"/>
+              <a:t>denumită</a:t>
+            </a:r>
+            <a:r>
+              <a:rPr lang="en-US" dirty="0"/>
+              <a:t> „</a:t>
+            </a:r>
+            <a:r>
+              <a:rPr lang="en-US" dirty="0" err="1"/>
+              <a:t>explozie</a:t>
+            </a:r>
+            <a:r>
+              <a:rPr lang="en-US" dirty="0"/>
+              <a:t> a </a:t>
+            </a:r>
+            <a:r>
+              <a:rPr lang="en-US" dirty="0" err="1"/>
+              <a:t>spațiului</a:t>
+            </a:r>
+            <a:r>
+              <a:rPr lang="en-US" dirty="0"/>
+              <a:t> </a:t>
+            </a:r>
+            <a:r>
+              <a:rPr lang="en-US" dirty="0" err="1"/>
+              <a:t>stărilor</a:t>
+            </a:r>
+            <a:r>
+              <a:rPr lang="en-US" dirty="0"/>
+              <a:t>”, </a:t>
+            </a:r>
+            <a:r>
+              <a:rPr lang="en-US" dirty="0" err="1"/>
+              <a:t>unde</a:t>
+            </a:r>
+            <a:r>
+              <a:rPr lang="en-US" dirty="0"/>
+              <a:t> </a:t>
+            </a:r>
+            <a:r>
+              <a:rPr lang="en-US" dirty="0" err="1"/>
+              <a:t>numărul</a:t>
+            </a:r>
+            <a:r>
+              <a:rPr lang="en-US" dirty="0"/>
+              <a:t> de </a:t>
+            </a:r>
+            <a:r>
+              <a:rPr lang="en-US" dirty="0" err="1"/>
+              <a:t>entități</a:t>
+            </a:r>
+            <a:r>
+              <a:rPr lang="en-US" dirty="0"/>
+              <a:t> </a:t>
+            </a:r>
+            <a:r>
+              <a:rPr lang="en-US" dirty="0" err="1"/>
+              <a:t>necesare</a:t>
+            </a:r>
+            <a:r>
+              <a:rPr lang="en-US" dirty="0"/>
+              <a:t> </a:t>
+            </a:r>
+            <a:r>
+              <a:rPr lang="en-US" dirty="0" err="1"/>
+              <a:t>pentru</a:t>
+            </a:r>
+            <a:r>
+              <a:rPr lang="en-US" dirty="0"/>
+              <a:t> a </a:t>
+            </a:r>
+            <a:r>
+              <a:rPr lang="en-US" dirty="0" err="1"/>
+              <a:t>reprezenta</a:t>
+            </a:r>
+            <a:r>
+              <a:rPr lang="en-US" dirty="0"/>
+              <a:t> </a:t>
+            </a:r>
+            <a:r>
+              <a:rPr lang="en-US" dirty="0" err="1"/>
+              <a:t>toate</a:t>
+            </a:r>
+            <a:r>
+              <a:rPr lang="en-US" dirty="0"/>
+              <a:t> </a:t>
+            </a:r>
+            <a:r>
+              <a:rPr lang="en-US" dirty="0" err="1"/>
+              <a:t>stările</a:t>
+            </a:r>
+            <a:r>
+              <a:rPr lang="en-US" dirty="0"/>
+              <a:t> </a:t>
+            </a:r>
+            <a:r>
+              <a:rPr lang="en-US" dirty="0" err="1"/>
+              <a:t>posibile</a:t>
+            </a:r>
+            <a:r>
+              <a:rPr lang="en-US" dirty="0"/>
+              <a:t> </a:t>
+            </a:r>
+            <a:r>
+              <a:rPr lang="en-US" dirty="0" err="1"/>
+              <a:t>explodează</a:t>
+            </a:r>
+            <a:r>
+              <a:rPr lang="en-US" dirty="0"/>
+              <a:t> </a:t>
+            </a:r>
+            <a:r>
+              <a:rPr lang="en-US" dirty="0" err="1"/>
+              <a:t>într</a:t>
+            </a:r>
+            <a:r>
+              <a:rPr lang="en-US" dirty="0"/>
+              <a:t>-un mod similar </a:t>
+            </a:r>
+            <a:r>
+              <a:rPr lang="en-US" dirty="0" err="1"/>
+              <a:t>produsului</a:t>
+            </a:r>
+            <a:r>
+              <a:rPr lang="en-US" dirty="0"/>
+              <a:t> </a:t>
+            </a:r>
+            <a:r>
+              <a:rPr lang="en-US" dirty="0" err="1"/>
+              <a:t>cartezian</a:t>
+            </a:r>
+            <a:r>
+              <a:rPr lang="en-US" dirty="0"/>
+              <a:t>.</a:t>
+            </a:r>
+          </a:p>
+          <a:p>
+            <a:pPr marL="0" indent="0">
+              <a:lnSpc>
+                <a:spcPct val="100000"/>
+              </a:lnSpc>
+              <a:spcBef>
+                <a:spcPts val="0"/>
+              </a:spcBef>
+              <a:buNone/>
+            </a:pPr>
+            <a:endParaRPr lang="en-US" dirty="0"/>
+          </a:p>
+          <a:p>
+            <a:pPr marL="0" indent="0">
+              <a:lnSpc>
+                <a:spcPct val="100000"/>
+              </a:lnSpc>
+              <a:spcBef>
+                <a:spcPts val="0"/>
+              </a:spcBef>
+              <a:buNone/>
+            </a:pPr>
+            <a:r>
+              <a:rPr lang="en-US" dirty="0"/>
+              <a:t>                    Este </a:t>
+            </a:r>
+            <a:r>
+              <a:rPr lang="en-US" dirty="0" err="1"/>
+              <a:t>aplicarea</a:t>
+            </a:r>
+            <a:r>
+              <a:rPr lang="en-US" dirty="0"/>
+              <a:t> </a:t>
+            </a:r>
+            <a:r>
+              <a:rPr lang="en-US" dirty="0" err="1"/>
+              <a:t>directa</a:t>
+            </a:r>
+            <a:r>
+              <a:rPr lang="en-US" dirty="0"/>
+              <a:t> a </a:t>
+            </a:r>
+            <a:r>
+              <a:rPr lang="en-US" dirty="0" err="1"/>
+              <a:t>principiului</a:t>
+            </a:r>
+            <a:r>
+              <a:rPr lang="en-US" dirty="0"/>
+              <a:t> de dependency inversion.</a:t>
+            </a:r>
+          </a:p>
+        </p:txBody>
+      </p:sp>
+      <p:sp>
+        <p:nvSpPr>
+          <p:cNvPr id="4" name="Rectangle 1">
+            <a:extLst>
+              <a:ext uri="{FF2B5EF4-FFF2-40B4-BE49-F238E27FC236}">
+                <a16:creationId xmlns:a16="http://schemas.microsoft.com/office/drawing/2014/main" id="{9CFEE296-EF6F-2D41-3771-0562AC2FD449}"/>
+              </a:ext>
+            </a:extLst>
+          </p:cNvPr>
+          <p:cNvSpPr>
+            <a:spLocks noChangeArrowheads="1"/>
+          </p:cNvSpPr>
+          <p:nvPr/>
+        </p:nvSpPr>
+        <p:spPr bwMode="auto">
+          <a:xfrm>
+            <a:off x="0" y="0"/>
+            <a:ext cx="12192000" cy="457200"/>
+          </a:xfrm>
+          <a:prstGeom prst="rect">
+            <a:avLst/>
+          </a:prstGeom>
+          <a:noFill/>
+          <a:ln>
+            <a:noFill/>
+          </a:ln>
+          <a:effectLst/>
+          <a:extLst>
+            <a:ext uri="{909E8E84-426E-40DD-AFC4-6F175D3DCCD1}">
+              <a14:hiddenFill xmlns:a14="http://schemas.microsoft.com/office/drawing/2010/main">
+                <a:solidFill>
+                  <a:schemeClr val="accent1"/>
+                </a:solidFill>
+              </a14:hiddenFill>
+            </a:ext>
+            <a:ext uri="{91240B29-F687-4F45-9708-019B960494DF}">
+              <a14:hiddenLine xmlns:a14="http://schemas.microsoft.com/office/drawing/2010/main" w="9525">
+                <a:solidFill>
+                  <a:schemeClr val="tx1"/>
+                </a:solidFill>
+                <a:miter lim="800000"/>
+                <a:headEnd/>
+                <a:tailEnd/>
+              </a14:hiddenLine>
+            </a:ext>
+            <a:ext uri="{AF507438-7753-43E0-B8FC-AC1667EBCBE1}">
+              <a14:hiddenEffects xmlns:a14="http://schemas.microsoft.com/office/drawing/2010/main">
+                <a:effectLst>
+                  <a:outerShdw dist="35921" dir="2700000" algn="ctr" rotWithShape="0">
+                    <a:schemeClr val="bg2"/>
+                  </a:outerShdw>
+                </a:effectLst>
+              </a14:hiddenEffects>
+            </a:ext>
+          </a:extLst>
+        </p:spPr>
+        <p:txBody>
+          <a:bodyPr vert="horz" wrap="none" lIns="91440" tIns="45720" rIns="91440" bIns="45720" numCol="1" anchor="ctr" anchorCtr="0" compatLnSpc="1">
+            <a:prstTxWarp prst="textNoShape">
+              <a:avLst/>
+            </a:prstTxWarp>
+            <a:spAutoFit/>
+          </a:bodyPr>
+          <a:lstStyle/>
+          <a:p>
+            <a:pPr marL="0" marR="0" lvl="0" indent="0" algn="l" defTabSz="914400" rtl="0" eaLnBrk="0" fontAlgn="base" latinLnBrk="0" hangingPunct="0">
+              <a:lnSpc>
+                <a:spcPct val="100000"/>
+              </a:lnSpc>
+              <a:spcBef>
+                <a:spcPct val="0"/>
+              </a:spcBef>
+              <a:spcAft>
+                <a:spcPct val="0"/>
+              </a:spcAft>
+              <a:buClrTx/>
+              <a:buSzTx/>
+              <a:buFontTx/>
+              <a:buNone/>
+              <a:tabLst/>
+            </a:pPr>
+            <a:r>
+              <a:rPr kumimoji="0" lang="en-US" altLang="en-US" sz="1800" b="0" i="0" u="none" strike="noStrike" cap="none" normalizeH="0" baseline="0">
+                <a:ln>
+                  <a:noFill/>
+                </a:ln>
+                <a:solidFill>
+                  <a:schemeClr val="tx1"/>
+                </a:solidFill>
+                <a:effectLst/>
+                <a:latin typeface="Arial" panose="020B0604020202020204" pitchFamily="34" charset="0"/>
+              </a:rPr>
+              <a:t>Pattern-ul Bridge este un </a:t>
+            </a:r>
+            <a:r>
+              <a:rPr kumimoji="0" lang="en-US" altLang="en-US" sz="1800" b="0" i="1" u="none" strike="noStrike" cap="none" normalizeH="0" baseline="0">
+                <a:ln>
+                  <a:noFill/>
+                </a:ln>
+                <a:solidFill>
+                  <a:schemeClr val="tx1"/>
+                </a:solidFill>
+                <a:effectLst/>
+                <a:latin typeface="Arial" panose="020B0604020202020204" pitchFamily="34" charset="0"/>
+              </a:rPr>
+              <a:t>pattern de design structural</a:t>
+            </a:r>
+            <a:r>
+              <a:rPr kumimoji="0" lang="en-US" altLang="en-US" sz="1800" b="0" i="0" u="none" strike="noStrike" cap="none" normalizeH="0" baseline="0">
+                <a:ln>
+                  <a:noFill/>
+                </a:ln>
+                <a:solidFill>
+                  <a:schemeClr val="tx1"/>
+                </a:solidFill>
+                <a:effectLst/>
+                <a:latin typeface="Arial" panose="020B0604020202020204" pitchFamily="34" charset="0"/>
+              </a:rPr>
+              <a:t> care îți permite să împarți o clasă mare sau un set de clase strâns legate în două ierarhii separate — </a:t>
+            </a:r>
+            <a:r>
+              <a:rPr kumimoji="0" lang="en-US" altLang="en-US" sz="1800" b="1" i="0" u="none" strike="noStrike" cap="none" normalizeH="0" baseline="0">
+                <a:ln>
+                  <a:noFill/>
+                </a:ln>
+                <a:solidFill>
+                  <a:schemeClr val="tx1"/>
+                </a:solidFill>
+                <a:effectLst/>
+                <a:latin typeface="Arial" panose="020B0604020202020204" pitchFamily="34" charset="0"/>
+              </a:rPr>
+              <a:t>abstractizare</a:t>
+            </a:r>
+            <a:r>
+              <a:rPr kumimoji="0" lang="en-US" altLang="en-US" sz="1800" b="0" i="0" u="none" strike="noStrike" cap="none" normalizeH="0" baseline="0">
+                <a:ln>
+                  <a:noFill/>
+                </a:ln>
+                <a:solidFill>
+                  <a:schemeClr val="tx1"/>
+                </a:solidFill>
+                <a:effectLst/>
+                <a:latin typeface="Arial" panose="020B0604020202020204" pitchFamily="34" charset="0"/>
+              </a:rPr>
+              <a:t> și </a:t>
+            </a:r>
+            <a:r>
+              <a:rPr kumimoji="0" lang="en-US" altLang="en-US" sz="1800" b="1" i="0" u="none" strike="noStrike" cap="none" normalizeH="0" baseline="0">
+                <a:ln>
+                  <a:noFill/>
+                </a:ln>
+                <a:solidFill>
+                  <a:schemeClr val="tx1"/>
+                </a:solidFill>
+                <a:effectLst/>
+                <a:latin typeface="Arial" panose="020B0604020202020204" pitchFamily="34" charset="0"/>
+              </a:rPr>
+              <a:t>implementare</a:t>
+            </a:r>
+            <a:r>
+              <a:rPr kumimoji="0" lang="en-US" altLang="en-US" sz="1800" b="0" i="0" u="none" strike="noStrike" cap="none" normalizeH="0" baseline="0">
+                <a:ln>
+                  <a:noFill/>
+                </a:ln>
+                <a:solidFill>
+                  <a:schemeClr val="tx1"/>
+                </a:solidFill>
+                <a:effectLst/>
+                <a:latin typeface="Arial" panose="020B0604020202020204" pitchFamily="34" charset="0"/>
+              </a:rPr>
+              <a:t> — care pot fi dezvoltate independent una de cealaltă.</a:t>
+            </a:r>
+          </a:p>
+          <a:p>
+            <a:pPr marL="0" marR="0" lvl="0" indent="0" algn="l" defTabSz="914400" rtl="0" eaLnBrk="0" fontAlgn="base" latinLnBrk="0" hangingPunct="0">
+              <a:lnSpc>
+                <a:spcPct val="100000"/>
+              </a:lnSpc>
+              <a:spcBef>
+                <a:spcPct val="0"/>
+              </a:spcBef>
+              <a:spcAft>
+                <a:spcPct val="0"/>
+              </a:spcAft>
+              <a:buClrTx/>
+              <a:buSzTx/>
+              <a:buFontTx/>
+              <a:buNone/>
+              <a:tabLst/>
+            </a:pPr>
+            <a:r>
+              <a:rPr kumimoji="0" lang="en-US" altLang="en-US" sz="1800" b="0" i="0" u="none" strike="noStrike" cap="none" normalizeH="0" baseline="0">
+                <a:ln>
+                  <a:noFill/>
+                </a:ln>
+                <a:solidFill>
+                  <a:schemeClr val="tx1"/>
+                </a:solidFill>
+                <a:effectLst/>
+                <a:latin typeface="Arial" panose="020B0604020202020204" pitchFamily="34" charset="0"/>
+              </a:rPr>
+              <a:t>Acesta rezolvă de obicei problema denumită </a:t>
+            </a:r>
+            <a:r>
+              <a:rPr kumimoji="0" lang="en-US" altLang="en-US" sz="1800" b="1" i="0" u="none" strike="noStrike" cap="none" normalizeH="0" baseline="0">
+                <a:ln>
+                  <a:noFill/>
+                </a:ln>
+                <a:solidFill>
+                  <a:schemeClr val="tx1"/>
+                </a:solidFill>
+                <a:effectLst/>
+                <a:latin typeface="Arial" panose="020B0604020202020204" pitchFamily="34" charset="0"/>
+              </a:rPr>
+              <a:t>„explozie a spațiului stărilor”</a:t>
+            </a:r>
+            <a:r>
+              <a:rPr kumimoji="0" lang="en-US" altLang="en-US" sz="1800" b="0" i="0" u="none" strike="noStrike" cap="none" normalizeH="0" baseline="0">
+                <a:ln>
+                  <a:noFill/>
+                </a:ln>
+                <a:solidFill>
+                  <a:schemeClr val="tx1"/>
+                </a:solidFill>
+                <a:effectLst/>
+                <a:latin typeface="Arial" panose="020B0604020202020204" pitchFamily="34" charset="0"/>
+              </a:rPr>
+              <a:t>, unde numărul de entități necesare pentru a reprezenta toate stările posibile explodează într-un mod similar produsului cartezian.</a:t>
+            </a:r>
+          </a:p>
+          <a:p>
+            <a:pPr marL="0" marR="0" lvl="0" indent="0" algn="l" defTabSz="914400" rtl="0" eaLnBrk="0" fontAlgn="base" latinLnBrk="0" hangingPunct="0">
+              <a:lnSpc>
+                <a:spcPct val="100000"/>
+              </a:lnSpc>
+              <a:spcBef>
+                <a:spcPct val="0"/>
+              </a:spcBef>
+              <a:spcAft>
+                <a:spcPct val="0"/>
+              </a:spcAft>
+              <a:buClrTx/>
+              <a:buSzTx/>
+              <a:buFontTx/>
+              <a:buNone/>
+              <a:tabLst/>
+            </a:pPr>
+            <a:r>
+              <a:rPr kumimoji="0" lang="en-US" altLang="en-US" sz="1800" b="0" i="0" u="none" strike="noStrike" cap="none" normalizeH="0" baseline="0">
+                <a:ln>
+                  <a:noFill/>
+                </a:ln>
+                <a:solidFill>
+                  <a:schemeClr val="tx1"/>
+                </a:solidFill>
+                <a:effectLst/>
+                <a:latin typeface="Arial" panose="020B0604020202020204" pitchFamily="34" charset="0"/>
+              </a:rPr>
+              <a:t>Pot să-ți ofer și un exemplu ilustrativ sau să explic cum se aplică în proiecte reale, dacă vrei să aprofundezi. Spune-mi tu! 😊</a:t>
+            </a:r>
+          </a:p>
+          <a:p>
+            <a:pPr marL="0" marR="0" lvl="0" indent="0" algn="l" defTabSz="914400" rtl="0" eaLnBrk="0" fontAlgn="base" latinLnBrk="0" hangingPunct="0">
+              <a:lnSpc>
+                <a:spcPct val="100000"/>
+              </a:lnSpc>
+              <a:spcBef>
+                <a:spcPct val="0"/>
+              </a:spcBef>
+              <a:spcAft>
+                <a:spcPct val="0"/>
+              </a:spcAft>
+              <a:buClrTx/>
+              <a:buSzTx/>
+              <a:buFontTx/>
+              <a:buNone/>
+              <a:tabLst/>
+            </a:pPr>
+            <a:endParaRPr kumimoji="0" lang="en-US" altLang="en-US" sz="1800" b="0" i="0" u="none" strike="noStrike" cap="none" normalizeH="0" baseline="0">
+              <a:ln>
+                <a:noFill/>
+              </a:ln>
+              <a:solidFill>
+                <a:schemeClr val="tx1"/>
+              </a:solidFill>
+              <a:effectLst/>
+              <a:latin typeface="Arial" panose="020B0604020202020204" pitchFamily="34" charset="0"/>
+            </a:endParaRPr>
+          </a:p>
+        </p:txBody>
+      </p:sp>
+    </p:spTree>
+    <p:extLst>
+      <p:ext uri="{BB962C8B-B14F-4D97-AF65-F5344CB8AC3E}">
+        <p14:creationId xmlns:p14="http://schemas.microsoft.com/office/powerpoint/2010/main" val="1125496919"/>
+      </p:ext>
+    </p:extLst>
+  </p:cSld>
+  <p:clrMapOvr>
+    <a:masterClrMapping/>
+  </p:clrMapOvr>
+</p:sld>
+</file>
+
+<file path=ppt/slides/slide14.xml><?xml version="1.0" encoding="utf-8"?>
+<p:sld xmlns:a="http://schemas.openxmlformats.org/drawingml/2006/main" xmlns:r="http://schemas.openxmlformats.org/officeDocument/2006/relationships" xmlns:p="http://schemas.openxmlformats.org/presentationml/2006/main">
+  <p:cSld>
+    <p:spTree>
+      <p:nvGrpSpPr>
+        <p:cNvPr id="1" name="">
+          <a:extLst>
+            <a:ext uri="{FF2B5EF4-FFF2-40B4-BE49-F238E27FC236}">
+              <a16:creationId xmlns:a16="http://schemas.microsoft.com/office/drawing/2014/main" id="{43358485-5AB7-11AD-5AAF-42DAD90CA4C4}"/>
+            </a:ext>
+          </a:extLst>
+        </p:cNvPr>
+        <p:cNvGrpSpPr/>
+        <p:nvPr/>
+      </p:nvGrpSpPr>
+      <p:grpSpPr>
+        <a:xfrm>
+          <a:off x="0" y="0"/>
+          <a:ext cx="0" cy="0"/>
+          <a:chOff x="0" y="0"/>
+          <a:chExt cx="0" cy="0"/>
+        </a:xfrm>
+      </p:grpSpPr>
+      <p:sp>
+        <p:nvSpPr>
+          <p:cNvPr id="2" name="Title 1">
+            <a:extLst>
+              <a:ext uri="{FF2B5EF4-FFF2-40B4-BE49-F238E27FC236}">
+                <a16:creationId xmlns:a16="http://schemas.microsoft.com/office/drawing/2014/main" id="{46FB9433-C942-5FA7-1CF4-D88664A78542}"/>
+              </a:ext>
+            </a:extLst>
+          </p:cNvPr>
+          <p:cNvSpPr>
+            <a:spLocks noGrp="1"/>
+          </p:cNvSpPr>
+          <p:nvPr>
+            <p:ph type="title"/>
+          </p:nvPr>
+        </p:nvSpPr>
+        <p:spPr>
+          <a:xfrm>
+            <a:off x="594360" y="278129"/>
+            <a:ext cx="9778365" cy="1494596"/>
+          </a:xfrm>
+        </p:spPr>
+        <p:txBody>
+          <a:bodyPr/>
+          <a:lstStyle/>
+          <a:p>
+            <a:r>
+              <a:rPr lang="en-US" dirty="0"/>
+              <a:t>Composite pattern</a:t>
+            </a:r>
+          </a:p>
+        </p:txBody>
+      </p:sp>
+      <p:sp>
+        <p:nvSpPr>
+          <p:cNvPr id="3" name="Content Placeholder 2">
+            <a:extLst>
+              <a:ext uri="{FF2B5EF4-FFF2-40B4-BE49-F238E27FC236}">
+                <a16:creationId xmlns:a16="http://schemas.microsoft.com/office/drawing/2014/main" id="{8F165703-348E-16D0-8572-8CE4548ED657}"/>
+              </a:ext>
+            </a:extLst>
+          </p:cNvPr>
+          <p:cNvSpPr>
+            <a:spLocks noGrp="1"/>
+          </p:cNvSpPr>
+          <p:nvPr>
+            <p:ph sz="quarter" idx="15"/>
+          </p:nvPr>
+        </p:nvSpPr>
+        <p:spPr>
+          <a:xfrm>
+            <a:off x="111760" y="2275840"/>
+            <a:ext cx="10444480" cy="3998155"/>
+          </a:xfrm>
+        </p:spPr>
+        <p:txBody>
+          <a:bodyPr>
+            <a:normAutofit/>
+          </a:bodyPr>
+          <a:lstStyle/>
+          <a:p>
+            <a:pPr>
+              <a:spcBef>
+                <a:spcPts val="0"/>
+              </a:spcBef>
+            </a:pPr>
+            <a:r>
+              <a:rPr lang="en-US" b="1" dirty="0"/>
+              <a:t>Pattern-ul Composite </a:t>
+            </a:r>
+            <a:r>
+              <a:rPr lang="en-US" dirty="0" err="1"/>
+              <a:t>este</a:t>
+            </a:r>
+            <a:r>
+              <a:rPr lang="en-US" dirty="0"/>
+              <a:t> un pattern de design structural care </a:t>
+            </a:r>
+            <a:r>
+              <a:rPr lang="en-US" dirty="0" err="1"/>
+              <a:t>îți</a:t>
+            </a:r>
+            <a:r>
+              <a:rPr lang="en-US" dirty="0"/>
+              <a:t> </a:t>
+            </a:r>
+            <a:r>
+              <a:rPr lang="en-US" dirty="0" err="1"/>
+              <a:t>permite</a:t>
+            </a:r>
+            <a:r>
+              <a:rPr lang="en-US" dirty="0"/>
+              <a:t> </a:t>
+            </a:r>
+            <a:r>
+              <a:rPr lang="en-US" dirty="0" err="1"/>
+              <a:t>să</a:t>
+            </a:r>
+            <a:r>
+              <a:rPr lang="en-US" dirty="0"/>
+              <a:t> </a:t>
+            </a:r>
+            <a:r>
+              <a:rPr lang="en-US" dirty="0" err="1"/>
+              <a:t>compui</a:t>
+            </a:r>
+            <a:r>
+              <a:rPr lang="en-US" dirty="0"/>
+              <a:t> </a:t>
+            </a:r>
+            <a:r>
+              <a:rPr lang="en-US" dirty="0" err="1"/>
+              <a:t>obiecte</a:t>
+            </a:r>
+            <a:r>
+              <a:rPr lang="en-US" dirty="0"/>
+              <a:t> </a:t>
+            </a:r>
+            <a:r>
+              <a:rPr lang="en-US" dirty="0" err="1"/>
+              <a:t>într</a:t>
+            </a:r>
+            <a:r>
+              <a:rPr lang="en-US" dirty="0"/>
+              <a:t>-o </a:t>
+            </a:r>
+            <a:r>
+              <a:rPr lang="en-US" dirty="0" err="1"/>
+              <a:t>structură</a:t>
+            </a:r>
+            <a:r>
+              <a:rPr lang="en-US" dirty="0"/>
+              <a:t> de tip arbore </a:t>
+            </a:r>
+            <a:r>
+              <a:rPr lang="en-US" dirty="0" err="1"/>
+              <a:t>și</a:t>
+            </a:r>
+            <a:r>
+              <a:rPr lang="en-US" dirty="0"/>
+              <a:t> </a:t>
+            </a:r>
+            <a:r>
+              <a:rPr lang="en-US" dirty="0" err="1"/>
+              <a:t>apoi</a:t>
+            </a:r>
+            <a:r>
+              <a:rPr lang="en-US" dirty="0"/>
+              <a:t> </a:t>
+            </a:r>
+            <a:r>
+              <a:rPr lang="en-US" dirty="0" err="1"/>
+              <a:t>să</a:t>
+            </a:r>
+            <a:r>
+              <a:rPr lang="en-US" dirty="0"/>
+              <a:t> </a:t>
+            </a:r>
+            <a:r>
+              <a:rPr lang="en-US" dirty="0" err="1"/>
+              <a:t>lucrezi</a:t>
+            </a:r>
+            <a:r>
+              <a:rPr lang="en-US" dirty="0"/>
+              <a:t> cu </a:t>
+            </a:r>
+            <a:r>
+              <a:rPr lang="en-US" dirty="0" err="1"/>
+              <a:t>aceste</a:t>
+            </a:r>
+            <a:r>
+              <a:rPr lang="en-US" dirty="0"/>
+              <a:t> </a:t>
+            </a:r>
+            <a:r>
+              <a:rPr lang="en-US" dirty="0" err="1"/>
+              <a:t>structuri</a:t>
+            </a:r>
+            <a:r>
+              <a:rPr lang="en-US" dirty="0"/>
+              <a:t> ca </a:t>
+            </a:r>
+            <a:r>
+              <a:rPr lang="en-US" dirty="0" err="1"/>
+              <a:t>și</a:t>
+            </a:r>
+            <a:r>
+              <a:rPr lang="en-US" dirty="0"/>
+              <a:t> cum </a:t>
+            </a:r>
+            <a:r>
+              <a:rPr lang="en-US" dirty="0" err="1"/>
+              <a:t>ar</a:t>
+            </a:r>
+            <a:r>
+              <a:rPr lang="en-US" dirty="0"/>
+              <a:t> fi </a:t>
+            </a:r>
+            <a:r>
+              <a:rPr lang="en-US" dirty="0" err="1"/>
+              <a:t>obiecte</a:t>
+            </a:r>
+            <a:r>
+              <a:rPr lang="en-US" dirty="0"/>
+              <a:t> </a:t>
+            </a:r>
+            <a:r>
+              <a:rPr lang="en-US" dirty="0" err="1"/>
+              <a:t>individuale</a:t>
+            </a:r>
+            <a:r>
+              <a:rPr lang="en-US" dirty="0"/>
+              <a:t>.</a:t>
+            </a:r>
+          </a:p>
+          <a:p>
+            <a:pPr>
+              <a:spcBef>
+                <a:spcPts val="0"/>
+              </a:spcBef>
+            </a:pPr>
+            <a:endParaRPr lang="en-US" dirty="0"/>
+          </a:p>
+          <a:p>
+            <a:pPr>
+              <a:spcBef>
+                <a:spcPts val="0"/>
+              </a:spcBef>
+            </a:pPr>
+            <a:r>
+              <a:rPr lang="en-US" b="1" dirty="0" err="1"/>
+              <a:t>Structură</a:t>
+            </a:r>
+            <a:r>
+              <a:rPr lang="en-US" dirty="0"/>
+              <a:t>:</a:t>
+            </a:r>
+          </a:p>
+          <a:p>
+            <a:pPr>
+              <a:spcBef>
+                <a:spcPts val="0"/>
+              </a:spcBef>
+            </a:pPr>
+            <a:r>
+              <a:rPr lang="en-US" b="1" dirty="0"/>
+              <a:t>Component</a:t>
+            </a:r>
+            <a:r>
+              <a:rPr lang="en-US" dirty="0"/>
+              <a:t>: </a:t>
+            </a:r>
+            <a:r>
+              <a:rPr lang="en-US" dirty="0" err="1"/>
+              <a:t>Declară</a:t>
+            </a:r>
+            <a:r>
+              <a:rPr lang="en-US" dirty="0"/>
+              <a:t> </a:t>
+            </a:r>
+            <a:r>
+              <a:rPr lang="en-US" dirty="0" err="1"/>
+              <a:t>interfața</a:t>
+            </a:r>
+            <a:r>
+              <a:rPr lang="en-US" dirty="0"/>
+              <a:t> </a:t>
+            </a:r>
+            <a:r>
+              <a:rPr lang="en-US" dirty="0" err="1"/>
+              <a:t>comună</a:t>
+            </a:r>
+            <a:r>
+              <a:rPr lang="en-US" dirty="0"/>
+              <a:t>.</a:t>
+            </a:r>
+          </a:p>
+          <a:p>
+            <a:pPr>
+              <a:spcBef>
+                <a:spcPts val="0"/>
+              </a:spcBef>
+            </a:pPr>
+            <a:r>
+              <a:rPr lang="en-US" b="1" dirty="0"/>
+              <a:t>Leaf</a:t>
+            </a:r>
+            <a:r>
+              <a:rPr lang="en-US" dirty="0"/>
+              <a:t>: </a:t>
+            </a:r>
+            <a:r>
+              <a:rPr lang="en-US" dirty="0" err="1"/>
+              <a:t>Reprezintă</a:t>
+            </a:r>
+            <a:r>
+              <a:rPr lang="en-US" dirty="0"/>
+              <a:t> </a:t>
+            </a:r>
+            <a:r>
+              <a:rPr lang="en-US" dirty="0" err="1"/>
+              <a:t>obiectele</a:t>
+            </a:r>
+            <a:r>
+              <a:rPr lang="en-US" dirty="0"/>
+              <a:t> </a:t>
+            </a:r>
+            <a:r>
+              <a:rPr lang="en-US" dirty="0" err="1"/>
+              <a:t>individuale</a:t>
+            </a:r>
+            <a:r>
+              <a:rPr lang="en-US" dirty="0"/>
+              <a:t>.</a:t>
+            </a:r>
+          </a:p>
+          <a:p>
+            <a:pPr>
+              <a:spcBef>
+                <a:spcPts val="0"/>
+              </a:spcBef>
+            </a:pPr>
+            <a:r>
+              <a:rPr lang="en-US" b="1" dirty="0"/>
+              <a:t>Composite</a:t>
+            </a:r>
+            <a:r>
+              <a:rPr lang="en-US" dirty="0"/>
+              <a:t>: </a:t>
+            </a:r>
+            <a:r>
+              <a:rPr lang="en-US" dirty="0" err="1"/>
+              <a:t>Deține</a:t>
+            </a:r>
+            <a:r>
+              <a:rPr lang="en-US" dirty="0"/>
+              <a:t> </a:t>
+            </a:r>
+            <a:r>
+              <a:rPr lang="en-US" dirty="0" err="1"/>
+              <a:t>componente</a:t>
+            </a:r>
+            <a:r>
+              <a:rPr lang="en-US" dirty="0"/>
+              <a:t> </a:t>
+            </a:r>
+            <a:r>
+              <a:rPr lang="en-US" dirty="0" err="1"/>
+              <a:t>copil</a:t>
+            </a:r>
+            <a:r>
+              <a:rPr lang="en-US" dirty="0"/>
+              <a:t> </a:t>
+            </a:r>
+            <a:r>
+              <a:rPr lang="en-US" dirty="0" err="1"/>
+              <a:t>și</a:t>
+            </a:r>
+            <a:r>
+              <a:rPr lang="en-US" dirty="0"/>
+              <a:t> </a:t>
+            </a:r>
+            <a:r>
+              <a:rPr lang="en-US" dirty="0" err="1"/>
+              <a:t>implementează</a:t>
+            </a:r>
+            <a:r>
+              <a:rPr lang="en-US" dirty="0"/>
+              <a:t> </a:t>
+            </a:r>
+            <a:r>
+              <a:rPr lang="en-US" dirty="0" err="1"/>
+              <a:t>comportamente</a:t>
+            </a:r>
+            <a:r>
+              <a:rPr lang="en-US" dirty="0"/>
+              <a:t> </a:t>
+            </a:r>
+            <a:r>
+              <a:rPr lang="en-US" dirty="0" err="1"/>
+              <a:t>pentru</a:t>
+            </a:r>
+            <a:r>
+              <a:rPr lang="en-US" dirty="0"/>
+              <a:t> </a:t>
+            </a:r>
+            <a:r>
+              <a:rPr lang="en-US" dirty="0" err="1"/>
+              <a:t>gestionarea</a:t>
+            </a:r>
+            <a:r>
+              <a:rPr lang="en-US" dirty="0"/>
+              <a:t> </a:t>
+            </a:r>
+            <a:r>
+              <a:rPr lang="en-US" dirty="0" err="1"/>
+              <a:t>acestora</a:t>
+            </a:r>
+            <a:r>
+              <a:rPr lang="en-US" dirty="0"/>
+              <a:t>.</a:t>
+            </a:r>
+          </a:p>
+        </p:txBody>
+      </p:sp>
+      <p:sp>
+        <p:nvSpPr>
+          <p:cNvPr id="4" name="Rectangle 1">
+            <a:extLst>
+              <a:ext uri="{FF2B5EF4-FFF2-40B4-BE49-F238E27FC236}">
+                <a16:creationId xmlns:a16="http://schemas.microsoft.com/office/drawing/2014/main" id="{F8D47F8B-2ECB-3FA5-AA72-6542D4A92C3B}"/>
+              </a:ext>
+            </a:extLst>
+          </p:cNvPr>
+          <p:cNvSpPr>
+            <a:spLocks noChangeArrowheads="1"/>
+          </p:cNvSpPr>
+          <p:nvPr/>
+        </p:nvSpPr>
+        <p:spPr bwMode="auto">
+          <a:xfrm>
+            <a:off x="0" y="0"/>
+            <a:ext cx="12192000" cy="0"/>
+          </a:xfrm>
+          <a:prstGeom prst="rect">
+            <a:avLst/>
+          </a:prstGeom>
+          <a:noFill/>
+          <a:ln>
+            <a:noFill/>
+          </a:ln>
+          <a:effectLst/>
+          <a:extLst>
+            <a:ext uri="{909E8E84-426E-40DD-AFC4-6F175D3DCCD1}">
+              <a14:hiddenFill xmlns:a14="http://schemas.microsoft.com/office/drawing/2010/main">
+                <a:solidFill>
+                  <a:schemeClr val="accent1"/>
+                </a:solidFill>
+              </a14:hiddenFill>
+            </a:ext>
+            <a:ext uri="{91240B29-F687-4F45-9708-019B960494DF}">
+              <a14:hiddenLine xmlns:a14="http://schemas.microsoft.com/office/drawing/2010/main" w="9525">
+                <a:solidFill>
+                  <a:schemeClr val="tx1"/>
+                </a:solidFill>
+                <a:miter lim="800000"/>
+                <a:headEnd/>
+                <a:tailEnd/>
+              </a14:hiddenLine>
+            </a:ext>
+            <a:ext uri="{AF507438-7753-43E0-B8FC-AC1667EBCBE1}">
+              <a14:hiddenEffects xmlns:a14="http://schemas.microsoft.com/office/drawing/2010/main">
+                <a:effectLst>
+                  <a:outerShdw dist="35921" dir="2700000" algn="ctr" rotWithShape="0">
+                    <a:schemeClr val="bg2"/>
+                  </a:outerShdw>
+                </a:effectLst>
+              </a14:hiddenEffects>
+            </a:ext>
+          </a:extLst>
+        </p:spPr>
+        <p:txBody>
+          <a:bodyPr vert="horz" wrap="none" lIns="91440" tIns="45720" rIns="91440" bIns="45720" numCol="1" anchor="ctr" anchorCtr="0" compatLnSpc="1">
+            <a:prstTxWarp prst="textNoShape">
+              <a:avLst/>
+            </a:prstTxWarp>
+            <a:spAutoFit/>
+          </a:bodyPr>
+          <a:lstStyle/>
+          <a:p>
+            <a:pPr marL="0" marR="0" lvl="0" indent="0" algn="l" defTabSz="914400" rtl="0" eaLnBrk="0" fontAlgn="base" latinLnBrk="0" hangingPunct="0">
+              <a:lnSpc>
+                <a:spcPct val="100000"/>
+              </a:lnSpc>
+              <a:spcBef>
+                <a:spcPct val="0"/>
+              </a:spcBef>
+              <a:spcAft>
+                <a:spcPct val="0"/>
+              </a:spcAft>
+              <a:buClrTx/>
+              <a:buSzTx/>
+              <a:buFontTx/>
+              <a:buChar char="•"/>
+              <a:tabLst/>
+            </a:pPr>
+            <a:r>
+              <a:rPr kumimoji="0" lang="en-US" altLang="en-US" sz="1800" b="1" i="0" u="none" strike="noStrike" cap="none" normalizeH="0" baseline="0">
+                <a:ln>
+                  <a:noFill/>
+                </a:ln>
+                <a:solidFill>
+                  <a:schemeClr val="tx1"/>
+                </a:solidFill>
+                <a:effectLst/>
+                <a:latin typeface="Arial" panose="020B0604020202020204" pitchFamily="34" charset="0"/>
+              </a:rPr>
+              <a:t>Target</a:t>
+            </a:r>
+            <a:r>
+              <a:rPr kumimoji="0" lang="en-US" altLang="en-US" sz="1800" b="0" i="0" u="none" strike="noStrike" cap="none" normalizeH="0" baseline="0">
+                <a:ln>
+                  <a:noFill/>
+                </a:ln>
+                <a:solidFill>
+                  <a:schemeClr val="tx1"/>
+                </a:solidFill>
+                <a:effectLst/>
+                <a:latin typeface="Arial" panose="020B0604020202020204" pitchFamily="34" charset="0"/>
+              </a:rPr>
+              <a:t>: Defines the domain-specific interface the client uses.</a:t>
+            </a:r>
+          </a:p>
+          <a:p>
+            <a:pPr marL="0" marR="0" lvl="0" indent="0" algn="l" defTabSz="914400" rtl="0" eaLnBrk="0" fontAlgn="base" latinLnBrk="0" hangingPunct="0">
+              <a:lnSpc>
+                <a:spcPct val="100000"/>
+              </a:lnSpc>
+              <a:spcBef>
+                <a:spcPct val="0"/>
+              </a:spcBef>
+              <a:spcAft>
+                <a:spcPct val="0"/>
+              </a:spcAft>
+              <a:buClrTx/>
+              <a:buSzTx/>
+              <a:buFontTx/>
+              <a:buChar char="•"/>
+              <a:tabLst/>
+            </a:pPr>
+            <a:r>
+              <a:rPr kumimoji="0" lang="en-US" altLang="en-US" sz="1800" b="1" i="0" u="none" strike="noStrike" cap="none" normalizeH="0" baseline="0">
+                <a:ln>
+                  <a:noFill/>
+                </a:ln>
+                <a:solidFill>
+                  <a:schemeClr val="tx1"/>
+                </a:solidFill>
+                <a:effectLst/>
+                <a:latin typeface="Arial" panose="020B0604020202020204" pitchFamily="34" charset="0"/>
+              </a:rPr>
+              <a:t>Adaptee</a:t>
+            </a:r>
+            <a:r>
+              <a:rPr kumimoji="0" lang="en-US" altLang="en-US" sz="1800" b="0" i="0" u="none" strike="noStrike" cap="none" normalizeH="0" baseline="0">
+                <a:ln>
+                  <a:noFill/>
+                </a:ln>
+                <a:solidFill>
+                  <a:schemeClr val="tx1"/>
+                </a:solidFill>
+                <a:effectLst/>
+                <a:latin typeface="Arial" panose="020B0604020202020204" pitchFamily="34" charset="0"/>
+              </a:rPr>
+              <a:t>: Has an existing interface that needs adapting.</a:t>
+            </a:r>
+          </a:p>
+          <a:p>
+            <a:pPr marL="0" marR="0" lvl="0" indent="0" algn="l" defTabSz="914400" rtl="0" eaLnBrk="0" fontAlgn="base" latinLnBrk="0" hangingPunct="0">
+              <a:lnSpc>
+                <a:spcPct val="100000"/>
+              </a:lnSpc>
+              <a:spcBef>
+                <a:spcPct val="0"/>
+              </a:spcBef>
+              <a:spcAft>
+                <a:spcPct val="0"/>
+              </a:spcAft>
+              <a:buClrTx/>
+              <a:buSzTx/>
+              <a:buFontTx/>
+              <a:buChar char="•"/>
+              <a:tabLst/>
+            </a:pPr>
+            <a:r>
+              <a:rPr kumimoji="0" lang="en-US" altLang="en-US" sz="1800" b="1" i="0" u="none" strike="noStrike" cap="none" normalizeH="0" baseline="0">
+                <a:ln>
+                  <a:noFill/>
+                </a:ln>
+                <a:solidFill>
+                  <a:schemeClr val="tx1"/>
+                </a:solidFill>
+                <a:effectLst/>
+                <a:latin typeface="Arial" panose="020B0604020202020204" pitchFamily="34" charset="0"/>
+              </a:rPr>
+              <a:t>Adapter</a:t>
+            </a:r>
+            <a:r>
+              <a:rPr kumimoji="0" lang="en-US" altLang="en-US" sz="1800" b="0" i="0" u="none" strike="noStrike" cap="none" normalizeH="0" baseline="0">
+                <a:ln>
+                  <a:noFill/>
+                </a:ln>
+                <a:solidFill>
+                  <a:schemeClr val="tx1"/>
+                </a:solidFill>
+                <a:effectLst/>
+                <a:latin typeface="Arial" panose="020B0604020202020204" pitchFamily="34" charset="0"/>
+              </a:rPr>
+              <a:t>: Implements the Target interface and translates calls to the Adaptee.</a:t>
+            </a:r>
+          </a:p>
+        </p:txBody>
+      </p:sp>
+      <p:sp>
+        <p:nvSpPr>
+          <p:cNvPr id="5" name="Rectangle 2">
+            <a:extLst>
+              <a:ext uri="{FF2B5EF4-FFF2-40B4-BE49-F238E27FC236}">
+                <a16:creationId xmlns:a16="http://schemas.microsoft.com/office/drawing/2014/main" id="{76FE60D5-5007-8FD4-3829-F69E9CE95504}"/>
+              </a:ext>
+            </a:extLst>
+          </p:cNvPr>
+          <p:cNvSpPr>
+            <a:spLocks noChangeArrowheads="1"/>
+          </p:cNvSpPr>
+          <p:nvPr/>
+        </p:nvSpPr>
+        <p:spPr bwMode="auto">
+          <a:xfrm>
+            <a:off x="152400" y="152400"/>
+            <a:ext cx="12192000" cy="0"/>
+          </a:xfrm>
+          <a:prstGeom prst="rect">
+            <a:avLst/>
+          </a:prstGeom>
+          <a:noFill/>
+          <a:ln>
+            <a:noFill/>
+          </a:ln>
+          <a:effectLst/>
+          <a:extLst>
+            <a:ext uri="{909E8E84-426E-40DD-AFC4-6F175D3DCCD1}">
+              <a14:hiddenFill xmlns:a14="http://schemas.microsoft.com/office/drawing/2010/main">
+                <a:solidFill>
+                  <a:schemeClr val="accent1"/>
+                </a:solidFill>
+              </a14:hiddenFill>
+            </a:ext>
+            <a:ext uri="{91240B29-F687-4F45-9708-019B960494DF}">
+              <a14:hiddenLine xmlns:a14="http://schemas.microsoft.com/office/drawing/2010/main" w="9525">
+                <a:solidFill>
+                  <a:schemeClr val="tx1"/>
+                </a:solidFill>
+                <a:miter lim="800000"/>
+                <a:headEnd/>
+                <a:tailEnd/>
+              </a14:hiddenLine>
+            </a:ext>
+            <a:ext uri="{AF507438-7753-43E0-B8FC-AC1667EBCBE1}">
+              <a14:hiddenEffects xmlns:a14="http://schemas.microsoft.com/office/drawing/2010/main">
+                <a:effectLst>
+                  <a:outerShdw dist="35921" dir="2700000" algn="ctr" rotWithShape="0">
+                    <a:schemeClr val="bg2"/>
+                  </a:outerShdw>
+                </a:effectLst>
+              </a14:hiddenEffects>
+            </a:ext>
+          </a:extLst>
+        </p:spPr>
+        <p:txBody>
+          <a:bodyPr vert="horz" wrap="none" lIns="91440" tIns="45720" rIns="91440" bIns="45720" numCol="1" anchor="ctr" anchorCtr="0" compatLnSpc="1">
+            <a:prstTxWarp prst="textNoShape">
+              <a:avLst/>
+            </a:prstTxWarp>
+            <a:spAutoFit/>
+          </a:bodyPr>
+          <a:lstStyle/>
+          <a:p>
+            <a:pPr marL="0" marR="0" lvl="0" indent="0" algn="l" defTabSz="914400" rtl="0" eaLnBrk="0" fontAlgn="base" latinLnBrk="0" hangingPunct="0">
+              <a:lnSpc>
+                <a:spcPct val="100000"/>
+              </a:lnSpc>
+              <a:spcBef>
+                <a:spcPct val="0"/>
+              </a:spcBef>
+              <a:spcAft>
+                <a:spcPct val="0"/>
+              </a:spcAft>
+              <a:buClrTx/>
+              <a:buSzTx/>
+              <a:buFontTx/>
+              <a:buChar char="•"/>
+              <a:tabLst/>
+            </a:pPr>
+            <a:r>
+              <a:rPr kumimoji="0" lang="en-US" altLang="en-US" sz="1800" b="1" i="0" u="none" strike="noStrike" cap="none" normalizeH="0" baseline="0">
+                <a:ln>
+                  <a:noFill/>
+                </a:ln>
+                <a:solidFill>
+                  <a:schemeClr val="tx1"/>
+                </a:solidFill>
+                <a:effectLst/>
+                <a:latin typeface="Arial" panose="020B0604020202020204" pitchFamily="34" charset="0"/>
+              </a:rPr>
+              <a:t>Target</a:t>
+            </a:r>
+            <a:r>
+              <a:rPr kumimoji="0" lang="en-US" altLang="en-US" sz="1800" b="0" i="0" u="none" strike="noStrike" cap="none" normalizeH="0" baseline="0">
+                <a:ln>
+                  <a:noFill/>
+                </a:ln>
+                <a:solidFill>
+                  <a:schemeClr val="tx1"/>
+                </a:solidFill>
+                <a:effectLst/>
+                <a:latin typeface="Arial" panose="020B0604020202020204" pitchFamily="34" charset="0"/>
+              </a:rPr>
+              <a:t>: Defines the domain-specific interface the client uses.</a:t>
+            </a:r>
+          </a:p>
+          <a:p>
+            <a:pPr marL="0" marR="0" lvl="0" indent="0" algn="l" defTabSz="914400" rtl="0" eaLnBrk="0" fontAlgn="base" latinLnBrk="0" hangingPunct="0">
+              <a:lnSpc>
+                <a:spcPct val="100000"/>
+              </a:lnSpc>
+              <a:spcBef>
+                <a:spcPct val="0"/>
+              </a:spcBef>
+              <a:spcAft>
+                <a:spcPct val="0"/>
+              </a:spcAft>
+              <a:buClrTx/>
+              <a:buSzTx/>
+              <a:buFontTx/>
+              <a:buChar char="•"/>
+              <a:tabLst/>
+            </a:pPr>
+            <a:r>
+              <a:rPr kumimoji="0" lang="en-US" altLang="en-US" sz="1800" b="1" i="0" u="none" strike="noStrike" cap="none" normalizeH="0" baseline="0">
+                <a:ln>
+                  <a:noFill/>
+                </a:ln>
+                <a:solidFill>
+                  <a:schemeClr val="tx1"/>
+                </a:solidFill>
+                <a:effectLst/>
+                <a:latin typeface="Arial" panose="020B0604020202020204" pitchFamily="34" charset="0"/>
+              </a:rPr>
+              <a:t>Adaptee</a:t>
+            </a:r>
+            <a:r>
+              <a:rPr kumimoji="0" lang="en-US" altLang="en-US" sz="1800" b="0" i="0" u="none" strike="noStrike" cap="none" normalizeH="0" baseline="0">
+                <a:ln>
+                  <a:noFill/>
+                </a:ln>
+                <a:solidFill>
+                  <a:schemeClr val="tx1"/>
+                </a:solidFill>
+                <a:effectLst/>
+                <a:latin typeface="Arial" panose="020B0604020202020204" pitchFamily="34" charset="0"/>
+              </a:rPr>
+              <a:t>: Has an existing interface that needs adapting.</a:t>
+            </a:r>
+          </a:p>
+          <a:p>
+            <a:pPr marL="0" marR="0" lvl="0" indent="0" algn="l" defTabSz="914400" rtl="0" eaLnBrk="0" fontAlgn="base" latinLnBrk="0" hangingPunct="0">
+              <a:lnSpc>
+                <a:spcPct val="100000"/>
+              </a:lnSpc>
+              <a:spcBef>
+                <a:spcPct val="0"/>
+              </a:spcBef>
+              <a:spcAft>
+                <a:spcPct val="0"/>
+              </a:spcAft>
+              <a:buClrTx/>
+              <a:buSzTx/>
+              <a:buFontTx/>
+              <a:buChar char="•"/>
+              <a:tabLst/>
+            </a:pPr>
+            <a:r>
+              <a:rPr kumimoji="0" lang="en-US" altLang="en-US" sz="1800" b="1" i="0" u="none" strike="noStrike" cap="none" normalizeH="0" baseline="0">
+                <a:ln>
+                  <a:noFill/>
+                </a:ln>
+                <a:solidFill>
+                  <a:schemeClr val="tx1"/>
+                </a:solidFill>
+                <a:effectLst/>
+                <a:latin typeface="Arial" panose="020B0604020202020204" pitchFamily="34" charset="0"/>
+              </a:rPr>
+              <a:t>Adapter</a:t>
+            </a:r>
+            <a:r>
+              <a:rPr kumimoji="0" lang="en-US" altLang="en-US" sz="1800" b="0" i="0" u="none" strike="noStrike" cap="none" normalizeH="0" baseline="0">
+                <a:ln>
+                  <a:noFill/>
+                </a:ln>
+                <a:solidFill>
+                  <a:schemeClr val="tx1"/>
+                </a:solidFill>
+                <a:effectLst/>
+                <a:latin typeface="Arial" panose="020B0604020202020204" pitchFamily="34" charset="0"/>
+              </a:rPr>
+              <a:t>: Implements the Target interface and translates calls to the Adaptee.</a:t>
+            </a:r>
+          </a:p>
+        </p:txBody>
+      </p:sp>
+      <p:sp>
+        <p:nvSpPr>
+          <p:cNvPr id="6" name="Rectangle 3">
+            <a:extLst>
+              <a:ext uri="{FF2B5EF4-FFF2-40B4-BE49-F238E27FC236}">
+                <a16:creationId xmlns:a16="http://schemas.microsoft.com/office/drawing/2014/main" id="{9DB87E2C-82DC-862B-D70C-149B3F91174B}"/>
+              </a:ext>
+            </a:extLst>
+          </p:cNvPr>
+          <p:cNvSpPr>
+            <a:spLocks noChangeArrowheads="1"/>
+          </p:cNvSpPr>
+          <p:nvPr/>
+        </p:nvSpPr>
+        <p:spPr bwMode="auto">
+          <a:xfrm>
+            <a:off x="304800" y="304800"/>
+            <a:ext cx="12192000" cy="0"/>
+          </a:xfrm>
+          <a:prstGeom prst="rect">
+            <a:avLst/>
+          </a:prstGeom>
+          <a:noFill/>
+          <a:ln>
+            <a:noFill/>
+          </a:ln>
+          <a:effectLst/>
+          <a:extLst>
+            <a:ext uri="{909E8E84-426E-40DD-AFC4-6F175D3DCCD1}">
+              <a14:hiddenFill xmlns:a14="http://schemas.microsoft.com/office/drawing/2010/main">
+                <a:solidFill>
+                  <a:schemeClr val="accent1"/>
+                </a:solidFill>
+              </a14:hiddenFill>
+            </a:ext>
+            <a:ext uri="{91240B29-F687-4F45-9708-019B960494DF}">
+              <a14:hiddenLine xmlns:a14="http://schemas.microsoft.com/office/drawing/2010/main" w="9525">
+                <a:solidFill>
+                  <a:schemeClr val="tx1"/>
+                </a:solidFill>
+                <a:miter lim="800000"/>
+                <a:headEnd/>
+                <a:tailEnd/>
+              </a14:hiddenLine>
+            </a:ext>
+            <a:ext uri="{AF507438-7753-43E0-B8FC-AC1667EBCBE1}">
+              <a14:hiddenEffects xmlns:a14="http://schemas.microsoft.com/office/drawing/2010/main">
+                <a:effectLst>
+                  <a:outerShdw dist="35921" dir="2700000" algn="ctr" rotWithShape="0">
+                    <a:schemeClr val="bg2"/>
+                  </a:outerShdw>
+                </a:effectLst>
+              </a14:hiddenEffects>
+            </a:ext>
+          </a:extLst>
+        </p:spPr>
+        <p:txBody>
+          <a:bodyPr vert="horz" wrap="none" lIns="91440" tIns="45720" rIns="91440" bIns="45720" numCol="1" anchor="ctr" anchorCtr="0" compatLnSpc="1">
+            <a:prstTxWarp prst="textNoShape">
+              <a:avLst/>
+            </a:prstTxWarp>
+            <a:spAutoFit/>
+          </a:bodyPr>
+          <a:lstStyle/>
+          <a:p>
+            <a:pPr marL="0" marR="0" lvl="0" indent="0" algn="l" defTabSz="914400" rtl="0" eaLnBrk="0" fontAlgn="base" latinLnBrk="0" hangingPunct="0">
+              <a:lnSpc>
+                <a:spcPct val="100000"/>
+              </a:lnSpc>
+              <a:spcBef>
+                <a:spcPct val="0"/>
+              </a:spcBef>
+              <a:spcAft>
+                <a:spcPct val="0"/>
+              </a:spcAft>
+              <a:buClrTx/>
+              <a:buSzTx/>
+              <a:buFontTx/>
+              <a:buChar char="•"/>
+              <a:tabLst/>
+            </a:pPr>
+            <a:r>
+              <a:rPr kumimoji="0" lang="en-US" altLang="en-US" sz="1800" b="1" i="0" u="none" strike="noStrike" cap="none" normalizeH="0" baseline="0">
+                <a:ln>
+                  <a:noFill/>
+                </a:ln>
+                <a:solidFill>
+                  <a:schemeClr val="tx1"/>
+                </a:solidFill>
+                <a:effectLst/>
+                <a:latin typeface="Arial" panose="020B0604020202020204" pitchFamily="34" charset="0"/>
+              </a:rPr>
+              <a:t>Target</a:t>
+            </a:r>
+            <a:r>
+              <a:rPr kumimoji="0" lang="en-US" altLang="en-US" sz="1800" b="0" i="0" u="none" strike="noStrike" cap="none" normalizeH="0" baseline="0">
+                <a:ln>
+                  <a:noFill/>
+                </a:ln>
+                <a:solidFill>
+                  <a:schemeClr val="tx1"/>
+                </a:solidFill>
+                <a:effectLst/>
+                <a:latin typeface="Arial" panose="020B0604020202020204" pitchFamily="34" charset="0"/>
+              </a:rPr>
+              <a:t>: Defines the domain-specific interface the client uses.</a:t>
+            </a:r>
+          </a:p>
+          <a:p>
+            <a:pPr marL="0" marR="0" lvl="0" indent="0" algn="l" defTabSz="914400" rtl="0" eaLnBrk="0" fontAlgn="base" latinLnBrk="0" hangingPunct="0">
+              <a:lnSpc>
+                <a:spcPct val="100000"/>
+              </a:lnSpc>
+              <a:spcBef>
+                <a:spcPct val="0"/>
+              </a:spcBef>
+              <a:spcAft>
+                <a:spcPct val="0"/>
+              </a:spcAft>
+              <a:buClrTx/>
+              <a:buSzTx/>
+              <a:buFontTx/>
+              <a:buChar char="•"/>
+              <a:tabLst/>
+            </a:pPr>
+            <a:r>
+              <a:rPr kumimoji="0" lang="en-US" altLang="en-US" sz="1800" b="1" i="0" u="none" strike="noStrike" cap="none" normalizeH="0" baseline="0">
+                <a:ln>
+                  <a:noFill/>
+                </a:ln>
+                <a:solidFill>
+                  <a:schemeClr val="tx1"/>
+                </a:solidFill>
+                <a:effectLst/>
+                <a:latin typeface="Arial" panose="020B0604020202020204" pitchFamily="34" charset="0"/>
+              </a:rPr>
+              <a:t>Adaptee</a:t>
+            </a:r>
+            <a:r>
+              <a:rPr kumimoji="0" lang="en-US" altLang="en-US" sz="1800" b="0" i="0" u="none" strike="noStrike" cap="none" normalizeH="0" baseline="0">
+                <a:ln>
+                  <a:noFill/>
+                </a:ln>
+                <a:solidFill>
+                  <a:schemeClr val="tx1"/>
+                </a:solidFill>
+                <a:effectLst/>
+                <a:latin typeface="Arial" panose="020B0604020202020204" pitchFamily="34" charset="0"/>
+              </a:rPr>
+              <a:t>: Has an existing interface that needs adapting.</a:t>
+            </a:r>
+          </a:p>
+          <a:p>
+            <a:pPr marL="0" marR="0" lvl="0" indent="0" algn="l" defTabSz="914400" rtl="0" eaLnBrk="0" fontAlgn="base" latinLnBrk="0" hangingPunct="0">
+              <a:lnSpc>
+                <a:spcPct val="100000"/>
+              </a:lnSpc>
+              <a:spcBef>
+                <a:spcPct val="0"/>
+              </a:spcBef>
+              <a:spcAft>
+                <a:spcPct val="0"/>
+              </a:spcAft>
+              <a:buClrTx/>
+              <a:buSzTx/>
+              <a:buFontTx/>
+              <a:buChar char="•"/>
+              <a:tabLst/>
+            </a:pPr>
+            <a:r>
+              <a:rPr kumimoji="0" lang="en-US" altLang="en-US" sz="1800" b="1" i="0" u="none" strike="noStrike" cap="none" normalizeH="0" baseline="0">
+                <a:ln>
+                  <a:noFill/>
+                </a:ln>
+                <a:solidFill>
+                  <a:schemeClr val="tx1"/>
+                </a:solidFill>
+                <a:effectLst/>
+                <a:latin typeface="Arial" panose="020B0604020202020204" pitchFamily="34" charset="0"/>
+              </a:rPr>
+              <a:t>Adapter</a:t>
+            </a:r>
+            <a:r>
+              <a:rPr kumimoji="0" lang="en-US" altLang="en-US" sz="1800" b="0" i="0" u="none" strike="noStrike" cap="none" normalizeH="0" baseline="0">
+                <a:ln>
+                  <a:noFill/>
+                </a:ln>
+                <a:solidFill>
+                  <a:schemeClr val="tx1"/>
+                </a:solidFill>
+                <a:effectLst/>
+                <a:latin typeface="Arial" panose="020B0604020202020204" pitchFamily="34" charset="0"/>
+              </a:rPr>
+              <a:t>: Implements the Target interface and translates calls to the Adaptee.</a:t>
+            </a:r>
+          </a:p>
+        </p:txBody>
+      </p:sp>
+    </p:spTree>
+    <p:extLst>
+      <p:ext uri="{BB962C8B-B14F-4D97-AF65-F5344CB8AC3E}">
+        <p14:creationId xmlns:p14="http://schemas.microsoft.com/office/powerpoint/2010/main" val="3419951031"/>
+      </p:ext>
+    </p:extLst>
+  </p:cSld>
+  <p:clrMapOvr>
+    <a:masterClrMapping/>
+  </p:clrMapOvr>
+</p:sld>
+</file>
+
+<file path=ppt/slides/slide15.xml><?xml version="1.0" encoding="utf-8"?>
+<p:sld xmlns:a="http://schemas.openxmlformats.org/drawingml/2006/main" xmlns:r="http://schemas.openxmlformats.org/officeDocument/2006/relationships" xmlns:p="http://schemas.openxmlformats.org/presentationml/2006/main">
+  <p:cSld>
+    <p:spTree>
+      <p:nvGrpSpPr>
+        <p:cNvPr id="1" name="">
+          <a:extLst>
+            <a:ext uri="{FF2B5EF4-FFF2-40B4-BE49-F238E27FC236}">
+              <a16:creationId xmlns:a16="http://schemas.microsoft.com/office/drawing/2014/main" id="{0EC2AFE9-D2B5-F3C0-E3BE-5DFFA6C79725}"/>
+            </a:ext>
+          </a:extLst>
+        </p:cNvPr>
+        <p:cNvGrpSpPr/>
+        <p:nvPr/>
+      </p:nvGrpSpPr>
+      <p:grpSpPr>
+        <a:xfrm>
+          <a:off x="0" y="0"/>
+          <a:ext cx="0" cy="0"/>
+          <a:chOff x="0" y="0"/>
+          <a:chExt cx="0" cy="0"/>
+        </a:xfrm>
+      </p:grpSpPr>
+      <p:sp>
+        <p:nvSpPr>
+          <p:cNvPr id="3" name="Title 2">
+            <a:extLst>
+              <a:ext uri="{FF2B5EF4-FFF2-40B4-BE49-F238E27FC236}">
+                <a16:creationId xmlns:a16="http://schemas.microsoft.com/office/drawing/2014/main" id="{5431EA72-5F0F-AB72-2351-0983996E64D3}"/>
+              </a:ext>
+            </a:extLst>
+          </p:cNvPr>
+          <p:cNvSpPr>
+            <a:spLocks noGrp="1"/>
+          </p:cNvSpPr>
+          <p:nvPr>
+            <p:ph type="title"/>
+          </p:nvPr>
+        </p:nvSpPr>
+        <p:spPr>
+          <a:xfrm>
+            <a:off x="594360" y="102875"/>
+            <a:ext cx="10873740" cy="1680205"/>
+          </a:xfrm>
+        </p:spPr>
+        <p:txBody>
+          <a:bodyPr/>
+          <a:lstStyle/>
+          <a:p>
+            <a:r>
+              <a:rPr lang="en-US" dirty="0"/>
+              <a:t>Decorator pattern</a:t>
+            </a:r>
+          </a:p>
+        </p:txBody>
+      </p:sp>
+      <p:grpSp>
+        <p:nvGrpSpPr>
+          <p:cNvPr id="19" name="Group 18">
+            <a:extLst>
+              <a:ext uri="{FF2B5EF4-FFF2-40B4-BE49-F238E27FC236}">
+                <a16:creationId xmlns:a16="http://schemas.microsoft.com/office/drawing/2014/main" id="{23113DFC-0791-DBE6-4FBD-C23A2CFB65AD}"/>
+              </a:ext>
+              <a:ext uri="{C183D7F6-B498-43B3-948B-1728B52AA6E4}">
+                <adec:decorative xmlns:adec="http://schemas.microsoft.com/office/drawing/2017/decorative" val="1"/>
+              </a:ext>
+            </a:extLst>
+          </p:cNvPr>
+          <p:cNvGrpSpPr>
+            <a:grpSpLocks/>
+          </p:cNvGrpSpPr>
+          <p:nvPr/>
+        </p:nvGrpSpPr>
+        <p:grpSpPr bwMode="auto">
+          <a:xfrm rot="16200000" flipV="1">
+            <a:off x="0" y="3900132"/>
+            <a:ext cx="2959226" cy="2959226"/>
+            <a:chOff x="0" y="12289"/>
+            <a:chExt cx="3550" cy="3551"/>
+          </a:xfrm>
+        </p:grpSpPr>
+        <p:sp>
+          <p:nvSpPr>
+            <p:cNvPr id="20" name="Freeform 19">
+              <a:extLst>
+                <a:ext uri="{FF2B5EF4-FFF2-40B4-BE49-F238E27FC236}">
+                  <a16:creationId xmlns:a16="http://schemas.microsoft.com/office/drawing/2014/main" id="{1A4DDE3E-98E8-751F-0501-0E73601E079A}"/>
+                </a:ext>
+              </a:extLst>
+            </p:cNvPr>
+            <p:cNvSpPr>
+              <a:spLocks/>
+            </p:cNvSpPr>
+            <p:nvPr/>
+          </p:nvSpPr>
+          <p:spPr bwMode="auto">
+            <a:xfrm>
+              <a:off x="0" y="12289"/>
+              <a:ext cx="1789" cy="2386"/>
+            </a:xfrm>
+            <a:custGeom>
+              <a:avLst/>
+              <a:gdLst>
+                <a:gd name="T0" fmla="*/ 0 w 1789"/>
+                <a:gd name="T1" fmla="+- 0 12290 12290"/>
+                <a:gd name="T2" fmla="*/ 12290 h 2386"/>
+                <a:gd name="T3" fmla="*/ 0 w 1789"/>
+                <a:gd name="T4" fmla="+- 0 13484 12290"/>
+                <a:gd name="T5" fmla="*/ 13484 h 2386"/>
+                <a:gd name="T6" fmla="*/ 1192 w 1789"/>
+                <a:gd name="T7" fmla="+- 0 14676 12290"/>
+                <a:gd name="T8" fmla="*/ 14676 h 2386"/>
+                <a:gd name="T9" fmla="*/ 1789 w 1789"/>
+                <a:gd name="T10" fmla="+- 0 14079 12290"/>
+                <a:gd name="T11" fmla="*/ 14079 h 2386"/>
+                <a:gd name="T12" fmla="*/ 0 w 1789"/>
+                <a:gd name="T13" fmla="+- 0 12290 12290"/>
+                <a:gd name="T14" fmla="*/ 12290 h 2386"/>
+              </a:gdLst>
+              <a:ahLst/>
+              <a:cxnLst>
+                <a:cxn ang="0">
+                  <a:pos x="T0" y="T2"/>
+                </a:cxn>
+                <a:cxn ang="0">
+                  <a:pos x="T3" y="T5"/>
+                </a:cxn>
+                <a:cxn ang="0">
+                  <a:pos x="T6" y="T8"/>
+                </a:cxn>
+                <a:cxn ang="0">
+                  <a:pos x="T9" y="T11"/>
+                </a:cxn>
+                <a:cxn ang="0">
+                  <a:pos x="T12" y="T14"/>
+                </a:cxn>
+              </a:cxnLst>
+              <a:rect l="0" t="0" r="r" b="b"/>
+              <a:pathLst>
+                <a:path w="1789" h="2386">
+                  <a:moveTo>
+                    <a:pt x="0" y="0"/>
+                  </a:moveTo>
+                  <a:lnTo>
+                    <a:pt x="0" y="1194"/>
+                  </a:lnTo>
+                  <a:lnTo>
+                    <a:pt x="1192" y="2386"/>
+                  </a:lnTo>
+                  <a:lnTo>
+                    <a:pt x="1789" y="1789"/>
+                  </a:lnTo>
+                  <a:lnTo>
+                    <a:pt x="0" y="0"/>
+                  </a:lnTo>
+                  <a:close/>
+                </a:path>
+              </a:pathLst>
+            </a:custGeom>
+            <a:solidFill>
+              <a:schemeClr val="accent6"/>
+            </a:solidFill>
+            <a:ln>
+              <a:noFill/>
+            </a:ln>
+            <a:extLst>
+              <a:ext uri="{91240B29-F687-4F45-9708-019B960494DF}">
+                <a14:hiddenLine xmlns:a14="http://schemas.microsoft.com/office/drawing/2010/main" w="9525">
+                  <a:solidFill>
+                    <a:srgbClr val="000000"/>
+                  </a:solidFill>
+                  <a:round/>
+                  <a:headEnd/>
+                  <a:tailEnd/>
+                </a14:hiddenLine>
+              </a:ext>
+            </a:extLst>
+          </p:spPr>
+          <p:txBody>
+            <a:bodyPr rot="0" vert="horz" wrap="square" lIns="91440" tIns="45720" rIns="91440" bIns="45720" anchor="t" anchorCtr="0" upright="1">
+              <a:noAutofit/>
+            </a:bodyPr>
+            <a:lstStyle/>
+            <a:p>
+              <a:endParaRPr lang="en-US" dirty="0"/>
+            </a:p>
+          </p:txBody>
+        </p:sp>
+        <p:sp>
+          <p:nvSpPr>
+            <p:cNvPr id="21" name="Freeform 20">
+              <a:extLst>
+                <a:ext uri="{FF2B5EF4-FFF2-40B4-BE49-F238E27FC236}">
+                  <a16:creationId xmlns:a16="http://schemas.microsoft.com/office/drawing/2014/main" id="{64052325-A08E-1A3E-15DA-8790BBF0265F}"/>
+                </a:ext>
+              </a:extLst>
+            </p:cNvPr>
+            <p:cNvSpPr>
+              <a:spLocks/>
+            </p:cNvSpPr>
+            <p:nvPr/>
+          </p:nvSpPr>
+          <p:spPr bwMode="auto">
+            <a:xfrm>
+              <a:off x="0" y="14678"/>
+              <a:ext cx="1162" cy="1162"/>
+            </a:xfrm>
+            <a:custGeom>
+              <a:avLst/>
+              <a:gdLst>
+                <a:gd name="T0" fmla="*/ 0 w 1162"/>
+                <a:gd name="T1" fmla="+- 0 14679 14679"/>
+                <a:gd name="T2" fmla="*/ 14679 h 1162"/>
+                <a:gd name="T3" fmla="*/ 0 w 1162"/>
+                <a:gd name="T4" fmla="+- 0 15840 14679"/>
+                <a:gd name="T5" fmla="*/ 15840 h 1162"/>
+                <a:gd name="T6" fmla="*/ 1161 w 1162"/>
+                <a:gd name="T7" fmla="+- 0 15840 14679"/>
+                <a:gd name="T8" fmla="*/ 15840 h 1162"/>
+                <a:gd name="T9" fmla="*/ 0 w 1162"/>
+                <a:gd name="T10" fmla="+- 0 14679 14679"/>
+                <a:gd name="T11" fmla="*/ 14679 h 1162"/>
+              </a:gdLst>
+              <a:ahLst/>
+              <a:cxnLst>
+                <a:cxn ang="0">
+                  <a:pos x="T0" y="T2"/>
+                </a:cxn>
+                <a:cxn ang="0">
+                  <a:pos x="T3" y="T5"/>
+                </a:cxn>
+                <a:cxn ang="0">
+                  <a:pos x="T6" y="T8"/>
+                </a:cxn>
+                <a:cxn ang="0">
+                  <a:pos x="T9" y="T11"/>
+                </a:cxn>
+              </a:cxnLst>
+              <a:rect l="0" t="0" r="r" b="b"/>
+              <a:pathLst>
+                <a:path w="1162" h="1162">
+                  <a:moveTo>
+                    <a:pt x="0" y="0"/>
+                  </a:moveTo>
+                  <a:lnTo>
+                    <a:pt x="0" y="1161"/>
+                  </a:lnTo>
+                  <a:lnTo>
+                    <a:pt x="1161" y="1161"/>
+                  </a:lnTo>
+                  <a:lnTo>
+                    <a:pt x="0" y="0"/>
+                  </a:lnTo>
+                  <a:close/>
+                </a:path>
+              </a:pathLst>
+            </a:custGeom>
+            <a:solidFill>
+              <a:schemeClr val="tx2"/>
+            </a:solidFill>
+            <a:ln>
+              <a:noFill/>
+            </a:ln>
+            <a:extLst>
+              <a:ext uri="{91240B29-F687-4F45-9708-019B960494DF}">
+                <a14:hiddenLine xmlns:a14="http://schemas.microsoft.com/office/drawing/2010/main" w="9525">
+                  <a:solidFill>
+                    <a:srgbClr val="000000"/>
+                  </a:solidFill>
+                  <a:round/>
+                  <a:headEnd/>
+                  <a:tailEnd/>
+                </a14:hiddenLine>
+              </a:ext>
+            </a:extLst>
+          </p:spPr>
+          <p:txBody>
+            <a:bodyPr rot="0" vert="horz" wrap="square" lIns="91440" tIns="45720" rIns="91440" bIns="45720" anchor="t" anchorCtr="0" upright="1">
+              <a:noAutofit/>
+            </a:bodyPr>
+            <a:lstStyle/>
+            <a:p>
+              <a:endParaRPr lang="en-US" dirty="0"/>
+            </a:p>
+          </p:txBody>
+        </p:sp>
+        <p:sp>
+          <p:nvSpPr>
+            <p:cNvPr id="22" name="Freeform 21">
+              <a:extLst>
+                <a:ext uri="{FF2B5EF4-FFF2-40B4-BE49-F238E27FC236}">
+                  <a16:creationId xmlns:a16="http://schemas.microsoft.com/office/drawing/2014/main" id="{1C4D3329-49EE-4B87-7FE2-0365BB14586C}"/>
+                </a:ext>
+              </a:extLst>
+            </p:cNvPr>
+            <p:cNvSpPr>
+              <a:spLocks/>
+            </p:cNvSpPr>
+            <p:nvPr/>
+          </p:nvSpPr>
+          <p:spPr bwMode="auto">
+            <a:xfrm>
+              <a:off x="1221" y="14675"/>
+              <a:ext cx="2329" cy="1165"/>
+            </a:xfrm>
+            <a:custGeom>
+              <a:avLst/>
+              <a:gdLst>
+                <a:gd name="T0" fmla="+- 0 3550 1221"/>
+                <a:gd name="T1" fmla="*/ T0 w 2329"/>
+                <a:gd name="T2" fmla="+- 0 15840 14676"/>
+                <a:gd name="T3" fmla="*/ 15840 h 1165"/>
+                <a:gd name="T4" fmla="+- 0 2386 1221"/>
+                <a:gd name="T5" fmla="*/ T4 w 2329"/>
+                <a:gd name="T6" fmla="+- 0 14676 14676"/>
+                <a:gd name="T7" fmla="*/ 14676 h 1165"/>
+                <a:gd name="T8" fmla="+- 0 1221 1221"/>
+                <a:gd name="T9" fmla="*/ T8 w 2329"/>
+                <a:gd name="T10" fmla="+- 0 15840 14676"/>
+                <a:gd name="T11" fmla="*/ 15840 h 1165"/>
+                <a:gd name="T12" fmla="+- 0 3550 1221"/>
+                <a:gd name="T13" fmla="*/ T12 w 2329"/>
+                <a:gd name="T14" fmla="+- 0 15840 14676"/>
+                <a:gd name="T15" fmla="*/ 15840 h 1165"/>
+              </a:gdLst>
+              <a:ahLst/>
+              <a:cxnLst>
+                <a:cxn ang="0">
+                  <a:pos x="T1" y="T3"/>
+                </a:cxn>
+                <a:cxn ang="0">
+                  <a:pos x="T5" y="T7"/>
+                </a:cxn>
+                <a:cxn ang="0">
+                  <a:pos x="T9" y="T11"/>
+                </a:cxn>
+                <a:cxn ang="0">
+                  <a:pos x="T13" y="T15"/>
+                </a:cxn>
+              </a:cxnLst>
+              <a:rect l="0" t="0" r="r" b="b"/>
+              <a:pathLst>
+                <a:path w="2329" h="1165">
+                  <a:moveTo>
+                    <a:pt x="2329" y="1164"/>
+                  </a:moveTo>
+                  <a:lnTo>
+                    <a:pt x="1165" y="0"/>
+                  </a:lnTo>
+                  <a:lnTo>
+                    <a:pt x="0" y="1164"/>
+                  </a:lnTo>
+                  <a:lnTo>
+                    <a:pt x="2329" y="1164"/>
+                  </a:lnTo>
+                </a:path>
+              </a:pathLst>
+            </a:custGeom>
+            <a:solidFill>
+              <a:schemeClr val="accent3"/>
+            </a:solidFill>
+            <a:ln>
+              <a:noFill/>
+            </a:ln>
+            <a:extLst>
+              <a:ext uri="{91240B29-F687-4F45-9708-019B960494DF}">
+                <a14:hiddenLine xmlns:a14="http://schemas.microsoft.com/office/drawing/2010/main" w="9525">
+                  <a:solidFill>
+                    <a:srgbClr val="000000"/>
+                  </a:solidFill>
+                  <a:round/>
+                  <a:headEnd/>
+                  <a:tailEnd/>
+                </a14:hiddenLine>
+              </a:ext>
+            </a:extLst>
+          </p:spPr>
+          <p:txBody>
+            <a:bodyPr rot="0" vert="horz" wrap="square" lIns="91440" tIns="45720" rIns="91440" bIns="45720" anchor="t" anchorCtr="0" upright="1">
+              <a:noAutofit/>
+            </a:bodyPr>
+            <a:lstStyle/>
+            <a:p>
+              <a:endParaRPr lang="en-US" dirty="0"/>
+            </a:p>
+          </p:txBody>
+        </p:sp>
+      </p:grpSp>
+      <p:sp>
+        <p:nvSpPr>
+          <p:cNvPr id="2" name="Text Placeholder 6">
+            <a:extLst>
+              <a:ext uri="{FF2B5EF4-FFF2-40B4-BE49-F238E27FC236}">
+                <a16:creationId xmlns:a16="http://schemas.microsoft.com/office/drawing/2014/main" id="{DF012C35-7667-3C70-C001-9830C2786965}"/>
+              </a:ext>
+            </a:extLst>
+          </p:cNvPr>
+          <p:cNvSpPr txBox="1">
+            <a:spLocks/>
+          </p:cNvSpPr>
+          <p:nvPr/>
+        </p:nvSpPr>
+        <p:spPr>
+          <a:xfrm>
+            <a:off x="3291840" y="4561840"/>
+            <a:ext cx="8900160" cy="2193286"/>
+          </a:xfrm>
+          <a:prstGeom prst="rect">
+            <a:avLst/>
+          </a:prstGeom>
+        </p:spPr>
+        <p:txBody>
+          <a:bodyPr vert="horz" lIns="0" tIns="228600" rIns="0" bIns="0" rtlCol="0">
+            <a:normAutofit/>
+          </a:bodyPr>
+          <a:lstStyle>
+            <a:lvl1pPr marL="283464" indent="-283464" algn="l" defTabSz="914400" rtl="0" eaLnBrk="1" latinLnBrk="0" hangingPunct="1">
+              <a:lnSpc>
+                <a:spcPct val="90000"/>
+              </a:lnSpc>
+              <a:spcBef>
+                <a:spcPts val="1800"/>
+              </a:spcBef>
+              <a:buFont typeface="Arial" panose="020B0604020202020204" pitchFamily="34" charset="0"/>
+              <a:buChar char="•"/>
+              <a:defRPr sz="2000" b="0" i="0" kern="1200">
+                <a:solidFill>
+                  <a:schemeClr val="bg1"/>
+                </a:solidFill>
+                <a:latin typeface="+mn-lt"/>
+                <a:ea typeface="+mn-ea"/>
+                <a:cs typeface="+mn-cs"/>
+              </a:defRPr>
+            </a:lvl1pPr>
+            <a:lvl2pPr marL="685800" indent="-283464" algn="l" defTabSz="914400" rtl="0" eaLnBrk="1" latinLnBrk="0" hangingPunct="1">
+              <a:lnSpc>
+                <a:spcPct val="90000"/>
+              </a:lnSpc>
+              <a:spcBef>
+                <a:spcPts val="1800"/>
+              </a:spcBef>
+              <a:buFont typeface="Arial" panose="020B0604020202020204" pitchFamily="34" charset="0"/>
+              <a:buChar char="•"/>
+              <a:defRPr sz="2000" b="0" i="0" kern="1200">
+                <a:solidFill>
+                  <a:schemeClr val="bg1"/>
+                </a:solidFill>
+                <a:latin typeface="+mn-lt"/>
+                <a:ea typeface="+mn-ea"/>
+                <a:cs typeface="+mn-cs"/>
+              </a:defRPr>
+            </a:lvl2pPr>
+            <a:lvl3pPr marL="1143000" indent="-283464" algn="l" defTabSz="914400" rtl="0" eaLnBrk="1" latinLnBrk="0" hangingPunct="1">
+              <a:lnSpc>
+                <a:spcPct val="90000"/>
+              </a:lnSpc>
+              <a:spcBef>
+                <a:spcPts val="1800"/>
+              </a:spcBef>
+              <a:buFont typeface="Arial" panose="020B0604020202020204" pitchFamily="34" charset="0"/>
+              <a:buChar char="•"/>
+              <a:defRPr sz="2000" b="0" i="0" kern="1200">
+                <a:solidFill>
+                  <a:schemeClr val="bg1"/>
+                </a:solidFill>
+                <a:latin typeface="+mn-lt"/>
+                <a:ea typeface="+mn-ea"/>
+                <a:cs typeface="+mn-cs"/>
+              </a:defRPr>
+            </a:lvl3pPr>
+            <a:lvl4pPr marL="1600200" indent="-283464" algn="l" defTabSz="914400" rtl="0" eaLnBrk="1" latinLnBrk="0" hangingPunct="1">
+              <a:lnSpc>
+                <a:spcPct val="90000"/>
+              </a:lnSpc>
+              <a:spcBef>
+                <a:spcPts val="1800"/>
+              </a:spcBef>
+              <a:buFont typeface="Arial" panose="020B0604020202020204" pitchFamily="34" charset="0"/>
+              <a:buChar char="•"/>
+              <a:defRPr sz="2000" b="0" i="0" kern="1200">
+                <a:solidFill>
+                  <a:schemeClr val="bg1"/>
+                </a:solidFill>
+                <a:latin typeface="+mn-lt"/>
+                <a:ea typeface="+mn-ea"/>
+                <a:cs typeface="+mn-cs"/>
+              </a:defRPr>
+            </a:lvl4pPr>
+            <a:lvl5pPr marL="2057400" indent="-283464" algn="l" defTabSz="914400" rtl="0" eaLnBrk="1" latinLnBrk="0" hangingPunct="1">
+              <a:lnSpc>
+                <a:spcPct val="90000"/>
+              </a:lnSpc>
+              <a:spcBef>
+                <a:spcPts val="1800"/>
+              </a:spcBef>
+              <a:buFont typeface="Arial" panose="020B0604020202020204" pitchFamily="34" charset="0"/>
+              <a:buChar char="•"/>
+              <a:defRPr sz="2000" b="0" i="0" kern="1200">
+                <a:solidFill>
+                  <a:schemeClr val="bg1"/>
+                </a:solidFill>
+                <a:latin typeface="+mn-lt"/>
+                <a:ea typeface="+mn-ea"/>
+                <a:cs typeface="+mn-cs"/>
+              </a:defRPr>
+            </a:lvl5pPr>
+            <a:lvl6pPr marL="2514600" indent="-228600" algn="l" defTabSz="914400" rtl="0" eaLnBrk="1" latinLnBrk="0" hangingPunct="1">
+              <a:lnSpc>
+                <a:spcPct val="90000"/>
+              </a:lnSpc>
+              <a:spcBef>
+                <a:spcPts val="500"/>
+              </a:spcBef>
+              <a:buFont typeface="Arial" panose="020B0604020202020204" pitchFamily="34" charset="0"/>
+              <a:buChar char="•"/>
+              <a:defRPr sz="1800" kern="1200">
+                <a:solidFill>
+                  <a:schemeClr val="tx1"/>
+                </a:solidFill>
+                <a:latin typeface="+mn-lt"/>
+                <a:ea typeface="+mn-ea"/>
+                <a:cs typeface="+mn-cs"/>
+              </a:defRPr>
+            </a:lvl6pPr>
+            <a:lvl7pPr marL="2971800" indent="-228600" algn="l" defTabSz="914400" rtl="0" eaLnBrk="1" latinLnBrk="0" hangingPunct="1">
+              <a:lnSpc>
+                <a:spcPct val="90000"/>
+              </a:lnSpc>
+              <a:spcBef>
+                <a:spcPts val="500"/>
+              </a:spcBef>
+              <a:buFont typeface="Arial" panose="020B0604020202020204" pitchFamily="34" charset="0"/>
+              <a:buChar char="•"/>
+              <a:defRPr sz="1800" kern="1200">
+                <a:solidFill>
+                  <a:schemeClr val="tx1"/>
+                </a:solidFill>
+                <a:latin typeface="+mn-lt"/>
+                <a:ea typeface="+mn-ea"/>
+                <a:cs typeface="+mn-cs"/>
+              </a:defRPr>
+            </a:lvl7pPr>
+            <a:lvl8pPr marL="3429000" indent="-228600" algn="l" defTabSz="914400" rtl="0" eaLnBrk="1" latinLnBrk="0" hangingPunct="1">
+              <a:lnSpc>
+                <a:spcPct val="90000"/>
+              </a:lnSpc>
+              <a:spcBef>
+                <a:spcPts val="500"/>
+              </a:spcBef>
+              <a:buFont typeface="Arial" panose="020B0604020202020204" pitchFamily="34" charset="0"/>
+              <a:buChar char="•"/>
+              <a:defRPr sz="1800" kern="1200">
+                <a:solidFill>
+                  <a:schemeClr val="tx1"/>
+                </a:solidFill>
+                <a:latin typeface="+mn-lt"/>
+                <a:ea typeface="+mn-ea"/>
+                <a:cs typeface="+mn-cs"/>
+              </a:defRPr>
+            </a:lvl8pPr>
+            <a:lvl9pPr marL="3886200" indent="-228600" algn="l" defTabSz="914400" rtl="0" eaLnBrk="1" latinLnBrk="0" hangingPunct="1">
+              <a:lnSpc>
+                <a:spcPct val="90000"/>
+              </a:lnSpc>
+              <a:spcBef>
+                <a:spcPts val="500"/>
+              </a:spcBef>
+              <a:buFont typeface="Arial" panose="020B0604020202020204" pitchFamily="34" charset="0"/>
+              <a:buChar char="•"/>
+              <a:defRPr sz="1800" kern="1200">
+                <a:solidFill>
+                  <a:schemeClr val="tx1"/>
+                </a:solidFill>
+                <a:latin typeface="+mn-lt"/>
+                <a:ea typeface="+mn-ea"/>
+                <a:cs typeface="+mn-cs"/>
+              </a:defRPr>
+            </a:lvl9pPr>
+          </a:lstStyle>
+          <a:p>
+            <a:pPr>
+              <a:lnSpc>
+                <a:spcPct val="100000"/>
+              </a:lnSpc>
+              <a:spcBef>
+                <a:spcPts val="0"/>
+              </a:spcBef>
+            </a:pPr>
+            <a:endParaRPr lang="en-US" dirty="0"/>
+          </a:p>
+        </p:txBody>
+      </p:sp>
+      <p:sp>
+        <p:nvSpPr>
+          <p:cNvPr id="5" name="Content Placeholder 4">
+            <a:extLst>
+              <a:ext uri="{FF2B5EF4-FFF2-40B4-BE49-F238E27FC236}">
+                <a16:creationId xmlns:a16="http://schemas.microsoft.com/office/drawing/2014/main" id="{87A373DB-9639-5CE5-AB35-D7CC835E9564}"/>
+              </a:ext>
+            </a:extLst>
+          </p:cNvPr>
+          <p:cNvSpPr>
+            <a:spLocks noGrp="1"/>
+          </p:cNvSpPr>
+          <p:nvPr>
+            <p:ph sz="quarter" idx="13"/>
+          </p:nvPr>
+        </p:nvSpPr>
+        <p:spPr>
+          <a:xfrm>
+            <a:off x="314960" y="2282008"/>
+            <a:ext cx="11153140" cy="4179178"/>
+          </a:xfrm>
+        </p:spPr>
+        <p:txBody>
+          <a:bodyPr/>
+          <a:lstStyle/>
+          <a:p>
+            <a:pPr marL="0" indent="0">
+              <a:lnSpc>
+                <a:spcPct val="100000"/>
+              </a:lnSpc>
+              <a:spcBef>
+                <a:spcPts val="0"/>
+              </a:spcBef>
+              <a:buNone/>
+            </a:pPr>
+            <a:r>
+              <a:rPr lang="en-US" b="1" dirty="0"/>
+              <a:t>Pattern-ul Decorator</a:t>
+            </a:r>
+            <a:r>
+              <a:rPr lang="en-US" dirty="0"/>
+              <a:t> </a:t>
+            </a:r>
+            <a:r>
+              <a:rPr lang="en-US" dirty="0" err="1"/>
+              <a:t>este</a:t>
+            </a:r>
+            <a:r>
+              <a:rPr lang="en-US" dirty="0"/>
+              <a:t> un pattern de design structural care </a:t>
+            </a:r>
+            <a:r>
+              <a:rPr lang="en-US" dirty="0" err="1"/>
+              <a:t>permite</a:t>
+            </a:r>
+            <a:r>
+              <a:rPr lang="en-US" dirty="0"/>
+              <a:t> </a:t>
+            </a:r>
+            <a:r>
+              <a:rPr lang="en-US" dirty="0" err="1"/>
+              <a:t>adăugarea</a:t>
+            </a:r>
+            <a:r>
+              <a:rPr lang="en-US" dirty="0"/>
+              <a:t> de </a:t>
+            </a:r>
+            <a:r>
+              <a:rPr lang="en-US" dirty="0" err="1"/>
+              <a:t>funcționalități</a:t>
+            </a:r>
+            <a:r>
+              <a:rPr lang="en-US" dirty="0"/>
+              <a:t> </a:t>
+            </a:r>
+            <a:r>
+              <a:rPr lang="en-US" dirty="0" err="1"/>
+              <a:t>suplimentare</a:t>
+            </a:r>
+            <a:r>
+              <a:rPr lang="en-US" dirty="0"/>
+              <a:t> </a:t>
+            </a:r>
+            <a:r>
+              <a:rPr lang="en-US" dirty="0" err="1"/>
+              <a:t>unui</a:t>
+            </a:r>
+            <a:r>
+              <a:rPr lang="en-US" dirty="0"/>
+              <a:t> </a:t>
+            </a:r>
+            <a:r>
+              <a:rPr lang="en-US" dirty="0" err="1"/>
+              <a:t>obiect</a:t>
+            </a:r>
+            <a:r>
+              <a:rPr lang="en-US" dirty="0"/>
+              <a:t>, </a:t>
+            </a:r>
+            <a:r>
+              <a:rPr lang="en-US" dirty="0" err="1"/>
+              <a:t>fără</a:t>
+            </a:r>
+            <a:r>
+              <a:rPr lang="en-US" dirty="0"/>
+              <a:t> a-</a:t>
+            </a:r>
+            <a:r>
+              <a:rPr lang="en-US" dirty="0" err="1"/>
+              <a:t>i</a:t>
+            </a:r>
+            <a:r>
+              <a:rPr lang="en-US" dirty="0"/>
+              <a:t> </a:t>
+            </a:r>
+            <a:r>
+              <a:rPr lang="en-US" dirty="0" err="1"/>
+              <a:t>modifica</a:t>
+            </a:r>
+            <a:r>
+              <a:rPr lang="en-US" dirty="0"/>
+              <a:t> </a:t>
+            </a:r>
+            <a:r>
+              <a:rPr lang="en-US" dirty="0" err="1"/>
+              <a:t>structura</a:t>
+            </a:r>
+            <a:r>
+              <a:rPr lang="en-US" dirty="0"/>
+              <a:t>.</a:t>
+            </a:r>
+          </a:p>
+          <a:p>
+            <a:pPr marL="0" indent="0">
+              <a:lnSpc>
+                <a:spcPct val="100000"/>
+              </a:lnSpc>
+              <a:spcBef>
+                <a:spcPts val="0"/>
+              </a:spcBef>
+              <a:buNone/>
+            </a:pPr>
+            <a:r>
+              <a:rPr lang="en-US" dirty="0"/>
+              <a:t>Se </a:t>
+            </a:r>
+            <a:r>
+              <a:rPr lang="en-US" dirty="0" err="1"/>
+              <a:t>realizează</a:t>
+            </a:r>
+            <a:r>
+              <a:rPr lang="en-US" dirty="0"/>
+              <a:t> </a:t>
+            </a:r>
+            <a:r>
+              <a:rPr lang="en-US" dirty="0" err="1"/>
+              <a:t>prin</a:t>
+            </a:r>
+            <a:r>
+              <a:rPr lang="en-US" dirty="0"/>
+              <a:t> „</a:t>
+            </a:r>
+            <a:r>
+              <a:rPr lang="en-US" dirty="0" err="1"/>
+              <a:t>împachetarea</a:t>
+            </a:r>
+            <a:r>
+              <a:rPr lang="en-US" dirty="0"/>
+              <a:t>” </a:t>
+            </a:r>
+            <a:r>
+              <a:rPr lang="en-US" dirty="0" err="1"/>
+              <a:t>obiectului</a:t>
+            </a:r>
+            <a:r>
+              <a:rPr lang="en-US" dirty="0"/>
+              <a:t> </a:t>
+            </a:r>
+            <a:r>
+              <a:rPr lang="en-US" dirty="0" err="1"/>
+              <a:t>într</a:t>
+            </a:r>
+            <a:r>
+              <a:rPr lang="en-US" dirty="0"/>
+              <a:t>-un decorator care </a:t>
+            </a:r>
+            <a:r>
+              <a:rPr lang="en-US" dirty="0" err="1"/>
+              <a:t>implementează</a:t>
+            </a:r>
+            <a:r>
+              <a:rPr lang="en-US" dirty="0"/>
+              <a:t> </a:t>
+            </a:r>
+            <a:r>
+              <a:rPr lang="en-US" dirty="0" err="1"/>
+              <a:t>aceeași</a:t>
+            </a:r>
+            <a:r>
+              <a:rPr lang="en-US" dirty="0"/>
+              <a:t> </a:t>
+            </a:r>
+            <a:r>
+              <a:rPr lang="en-US" dirty="0" err="1"/>
+              <a:t>interfață</a:t>
+            </a:r>
+            <a:r>
+              <a:rPr lang="en-US" dirty="0"/>
+              <a:t>.</a:t>
+            </a:r>
+          </a:p>
+          <a:p>
+            <a:pPr marL="0" indent="0">
+              <a:lnSpc>
+                <a:spcPct val="100000"/>
+              </a:lnSpc>
+              <a:spcBef>
+                <a:spcPts val="0"/>
+              </a:spcBef>
+              <a:buNone/>
+            </a:pPr>
+            <a:endParaRPr lang="en-US" dirty="0"/>
+          </a:p>
+          <a:p>
+            <a:pPr marL="0" indent="0">
+              <a:lnSpc>
+                <a:spcPct val="100000"/>
+              </a:lnSpc>
+              <a:spcBef>
+                <a:spcPts val="0"/>
+              </a:spcBef>
+              <a:buNone/>
+            </a:pPr>
+            <a:r>
+              <a:rPr lang="en-US" dirty="0"/>
+              <a:t>                De </a:t>
+            </a:r>
+            <a:r>
+              <a:rPr lang="en-US" dirty="0" err="1"/>
+              <a:t>mentionat</a:t>
+            </a:r>
+            <a:r>
+              <a:rPr lang="en-US" dirty="0"/>
+              <a:t>:</a:t>
+            </a:r>
+          </a:p>
+          <a:p>
+            <a:pPr marL="0" indent="0">
+              <a:lnSpc>
+                <a:spcPct val="100000"/>
+              </a:lnSpc>
+              <a:spcBef>
+                <a:spcPts val="0"/>
+              </a:spcBef>
+              <a:buNone/>
+            </a:pPr>
+            <a:r>
+              <a:rPr lang="en-US" dirty="0"/>
+              <a:t>			- decorator as adapter</a:t>
+            </a:r>
+          </a:p>
+          <a:p>
+            <a:pPr marL="0" indent="0">
+              <a:lnSpc>
+                <a:spcPct val="100000"/>
+              </a:lnSpc>
+              <a:spcBef>
+                <a:spcPts val="0"/>
+              </a:spcBef>
+              <a:buNone/>
+            </a:pPr>
+            <a:r>
+              <a:rPr lang="en-US" dirty="0"/>
+              <a:t>			- dynamic decorator composition (decorating decorators)</a:t>
+            </a:r>
+          </a:p>
+        </p:txBody>
+      </p:sp>
+      <p:sp>
+        <p:nvSpPr>
+          <p:cNvPr id="4" name="Rectangle 1">
+            <a:extLst>
+              <a:ext uri="{FF2B5EF4-FFF2-40B4-BE49-F238E27FC236}">
+                <a16:creationId xmlns:a16="http://schemas.microsoft.com/office/drawing/2014/main" id="{2A51BB1C-E28F-D656-8C0E-8DB1881D9D19}"/>
+              </a:ext>
+            </a:extLst>
+          </p:cNvPr>
+          <p:cNvSpPr>
+            <a:spLocks noChangeArrowheads="1"/>
+          </p:cNvSpPr>
+          <p:nvPr/>
+        </p:nvSpPr>
+        <p:spPr bwMode="auto">
+          <a:xfrm>
+            <a:off x="0" y="0"/>
+            <a:ext cx="12192000" cy="457200"/>
+          </a:xfrm>
+          <a:prstGeom prst="rect">
+            <a:avLst/>
+          </a:prstGeom>
+          <a:noFill/>
+          <a:ln>
+            <a:noFill/>
+          </a:ln>
+          <a:effectLst/>
+          <a:extLst>
+            <a:ext uri="{909E8E84-426E-40DD-AFC4-6F175D3DCCD1}">
+              <a14:hiddenFill xmlns:a14="http://schemas.microsoft.com/office/drawing/2010/main">
+                <a:solidFill>
+                  <a:schemeClr val="accent1"/>
+                </a:solidFill>
+              </a14:hiddenFill>
+            </a:ext>
+            <a:ext uri="{91240B29-F687-4F45-9708-019B960494DF}">
+              <a14:hiddenLine xmlns:a14="http://schemas.microsoft.com/office/drawing/2010/main" w="9525">
+                <a:solidFill>
+                  <a:schemeClr val="tx1"/>
+                </a:solidFill>
+                <a:miter lim="800000"/>
+                <a:headEnd/>
+                <a:tailEnd/>
+              </a14:hiddenLine>
+            </a:ext>
+            <a:ext uri="{AF507438-7753-43E0-B8FC-AC1667EBCBE1}">
+              <a14:hiddenEffects xmlns:a14="http://schemas.microsoft.com/office/drawing/2010/main">
+                <a:effectLst>
+                  <a:outerShdw dist="35921" dir="2700000" algn="ctr" rotWithShape="0">
+                    <a:schemeClr val="bg2"/>
+                  </a:outerShdw>
+                </a:effectLst>
+              </a14:hiddenEffects>
+            </a:ext>
+          </a:extLst>
+        </p:spPr>
+        <p:txBody>
+          <a:bodyPr vert="horz" wrap="none" lIns="91440" tIns="45720" rIns="91440" bIns="45720" numCol="1" anchor="ctr" anchorCtr="0" compatLnSpc="1">
+            <a:prstTxWarp prst="textNoShape">
+              <a:avLst/>
+            </a:prstTxWarp>
+            <a:spAutoFit/>
+          </a:bodyPr>
+          <a:lstStyle/>
+          <a:p>
+            <a:pPr marL="0" marR="0" lvl="0" indent="0" algn="l" defTabSz="914400" rtl="0" eaLnBrk="0" fontAlgn="base" latinLnBrk="0" hangingPunct="0">
+              <a:lnSpc>
+                <a:spcPct val="100000"/>
+              </a:lnSpc>
+              <a:spcBef>
+                <a:spcPct val="0"/>
+              </a:spcBef>
+              <a:spcAft>
+                <a:spcPct val="0"/>
+              </a:spcAft>
+              <a:buClrTx/>
+              <a:buSzTx/>
+              <a:buFontTx/>
+              <a:buNone/>
+              <a:tabLst/>
+            </a:pPr>
+            <a:r>
+              <a:rPr kumimoji="0" lang="en-US" altLang="en-US" sz="1800" b="0" i="0" u="none" strike="noStrike" cap="none" normalizeH="0" baseline="0">
+                <a:ln>
+                  <a:noFill/>
+                </a:ln>
+                <a:solidFill>
+                  <a:schemeClr val="tx1"/>
+                </a:solidFill>
+                <a:effectLst/>
+                <a:latin typeface="Arial" panose="020B0604020202020204" pitchFamily="34" charset="0"/>
+              </a:rPr>
+              <a:t>Pattern-ul Bridge este un </a:t>
+            </a:r>
+            <a:r>
+              <a:rPr kumimoji="0" lang="en-US" altLang="en-US" sz="1800" b="0" i="1" u="none" strike="noStrike" cap="none" normalizeH="0" baseline="0">
+                <a:ln>
+                  <a:noFill/>
+                </a:ln>
+                <a:solidFill>
+                  <a:schemeClr val="tx1"/>
+                </a:solidFill>
+                <a:effectLst/>
+                <a:latin typeface="Arial" panose="020B0604020202020204" pitchFamily="34" charset="0"/>
+              </a:rPr>
+              <a:t>pattern de design structural</a:t>
+            </a:r>
+            <a:r>
+              <a:rPr kumimoji="0" lang="en-US" altLang="en-US" sz="1800" b="0" i="0" u="none" strike="noStrike" cap="none" normalizeH="0" baseline="0">
+                <a:ln>
+                  <a:noFill/>
+                </a:ln>
+                <a:solidFill>
+                  <a:schemeClr val="tx1"/>
+                </a:solidFill>
+                <a:effectLst/>
+                <a:latin typeface="Arial" panose="020B0604020202020204" pitchFamily="34" charset="0"/>
+              </a:rPr>
+              <a:t> care îți permite să împarți o clasă mare sau un set de clase strâns legate în două ierarhii separate — </a:t>
+            </a:r>
+            <a:r>
+              <a:rPr kumimoji="0" lang="en-US" altLang="en-US" sz="1800" b="1" i="0" u="none" strike="noStrike" cap="none" normalizeH="0" baseline="0">
+                <a:ln>
+                  <a:noFill/>
+                </a:ln>
+                <a:solidFill>
+                  <a:schemeClr val="tx1"/>
+                </a:solidFill>
+                <a:effectLst/>
+                <a:latin typeface="Arial" panose="020B0604020202020204" pitchFamily="34" charset="0"/>
+              </a:rPr>
+              <a:t>abstractizare</a:t>
+            </a:r>
+            <a:r>
+              <a:rPr kumimoji="0" lang="en-US" altLang="en-US" sz="1800" b="0" i="0" u="none" strike="noStrike" cap="none" normalizeH="0" baseline="0">
+                <a:ln>
+                  <a:noFill/>
+                </a:ln>
+                <a:solidFill>
+                  <a:schemeClr val="tx1"/>
+                </a:solidFill>
+                <a:effectLst/>
+                <a:latin typeface="Arial" panose="020B0604020202020204" pitchFamily="34" charset="0"/>
+              </a:rPr>
+              <a:t> și </a:t>
+            </a:r>
+            <a:r>
+              <a:rPr kumimoji="0" lang="en-US" altLang="en-US" sz="1800" b="1" i="0" u="none" strike="noStrike" cap="none" normalizeH="0" baseline="0">
+                <a:ln>
+                  <a:noFill/>
+                </a:ln>
+                <a:solidFill>
+                  <a:schemeClr val="tx1"/>
+                </a:solidFill>
+                <a:effectLst/>
+                <a:latin typeface="Arial" panose="020B0604020202020204" pitchFamily="34" charset="0"/>
+              </a:rPr>
+              <a:t>implementare</a:t>
+            </a:r>
+            <a:r>
+              <a:rPr kumimoji="0" lang="en-US" altLang="en-US" sz="1800" b="0" i="0" u="none" strike="noStrike" cap="none" normalizeH="0" baseline="0">
+                <a:ln>
+                  <a:noFill/>
+                </a:ln>
+                <a:solidFill>
+                  <a:schemeClr val="tx1"/>
+                </a:solidFill>
+                <a:effectLst/>
+                <a:latin typeface="Arial" panose="020B0604020202020204" pitchFamily="34" charset="0"/>
+              </a:rPr>
+              <a:t> — care pot fi dezvoltate independent una de cealaltă.</a:t>
+            </a:r>
+          </a:p>
+          <a:p>
+            <a:pPr marL="0" marR="0" lvl="0" indent="0" algn="l" defTabSz="914400" rtl="0" eaLnBrk="0" fontAlgn="base" latinLnBrk="0" hangingPunct="0">
+              <a:lnSpc>
+                <a:spcPct val="100000"/>
+              </a:lnSpc>
+              <a:spcBef>
+                <a:spcPct val="0"/>
+              </a:spcBef>
+              <a:spcAft>
+                <a:spcPct val="0"/>
+              </a:spcAft>
+              <a:buClrTx/>
+              <a:buSzTx/>
+              <a:buFontTx/>
+              <a:buNone/>
+              <a:tabLst/>
+            </a:pPr>
+            <a:r>
+              <a:rPr kumimoji="0" lang="en-US" altLang="en-US" sz="1800" b="0" i="0" u="none" strike="noStrike" cap="none" normalizeH="0" baseline="0">
+                <a:ln>
+                  <a:noFill/>
+                </a:ln>
+                <a:solidFill>
+                  <a:schemeClr val="tx1"/>
+                </a:solidFill>
+                <a:effectLst/>
+                <a:latin typeface="Arial" panose="020B0604020202020204" pitchFamily="34" charset="0"/>
+              </a:rPr>
+              <a:t>Acesta rezolvă de obicei problema denumită </a:t>
+            </a:r>
+            <a:r>
+              <a:rPr kumimoji="0" lang="en-US" altLang="en-US" sz="1800" b="1" i="0" u="none" strike="noStrike" cap="none" normalizeH="0" baseline="0">
+                <a:ln>
+                  <a:noFill/>
+                </a:ln>
+                <a:solidFill>
+                  <a:schemeClr val="tx1"/>
+                </a:solidFill>
+                <a:effectLst/>
+                <a:latin typeface="Arial" panose="020B0604020202020204" pitchFamily="34" charset="0"/>
+              </a:rPr>
+              <a:t>„explozie a spațiului stărilor”</a:t>
+            </a:r>
+            <a:r>
+              <a:rPr kumimoji="0" lang="en-US" altLang="en-US" sz="1800" b="0" i="0" u="none" strike="noStrike" cap="none" normalizeH="0" baseline="0">
+                <a:ln>
+                  <a:noFill/>
+                </a:ln>
+                <a:solidFill>
+                  <a:schemeClr val="tx1"/>
+                </a:solidFill>
+                <a:effectLst/>
+                <a:latin typeface="Arial" panose="020B0604020202020204" pitchFamily="34" charset="0"/>
+              </a:rPr>
+              <a:t>, unde numărul de entități necesare pentru a reprezenta toate stările posibile explodează într-un mod similar produsului cartezian.</a:t>
+            </a:r>
+          </a:p>
+          <a:p>
+            <a:pPr marL="0" marR="0" lvl="0" indent="0" algn="l" defTabSz="914400" rtl="0" eaLnBrk="0" fontAlgn="base" latinLnBrk="0" hangingPunct="0">
+              <a:lnSpc>
+                <a:spcPct val="100000"/>
+              </a:lnSpc>
+              <a:spcBef>
+                <a:spcPct val="0"/>
+              </a:spcBef>
+              <a:spcAft>
+                <a:spcPct val="0"/>
+              </a:spcAft>
+              <a:buClrTx/>
+              <a:buSzTx/>
+              <a:buFontTx/>
+              <a:buNone/>
+              <a:tabLst/>
+            </a:pPr>
+            <a:r>
+              <a:rPr kumimoji="0" lang="en-US" altLang="en-US" sz="1800" b="0" i="0" u="none" strike="noStrike" cap="none" normalizeH="0" baseline="0">
+                <a:ln>
+                  <a:noFill/>
+                </a:ln>
+                <a:solidFill>
+                  <a:schemeClr val="tx1"/>
+                </a:solidFill>
+                <a:effectLst/>
+                <a:latin typeface="Arial" panose="020B0604020202020204" pitchFamily="34" charset="0"/>
+              </a:rPr>
+              <a:t>Pot să-ți ofer și un exemplu ilustrativ sau să explic cum se aplică în proiecte reale, dacă vrei să aprofundezi. Spune-mi tu! 😊</a:t>
+            </a:r>
+          </a:p>
+          <a:p>
+            <a:pPr marL="0" marR="0" lvl="0" indent="0" algn="l" defTabSz="914400" rtl="0" eaLnBrk="0" fontAlgn="base" latinLnBrk="0" hangingPunct="0">
+              <a:lnSpc>
+                <a:spcPct val="100000"/>
+              </a:lnSpc>
+              <a:spcBef>
+                <a:spcPct val="0"/>
+              </a:spcBef>
+              <a:spcAft>
+                <a:spcPct val="0"/>
+              </a:spcAft>
+              <a:buClrTx/>
+              <a:buSzTx/>
+              <a:buFontTx/>
+              <a:buNone/>
+              <a:tabLst/>
+            </a:pPr>
+            <a:endParaRPr kumimoji="0" lang="en-US" altLang="en-US" sz="1800" b="0" i="0" u="none" strike="noStrike" cap="none" normalizeH="0" baseline="0">
+              <a:ln>
+                <a:noFill/>
+              </a:ln>
+              <a:solidFill>
+                <a:schemeClr val="tx1"/>
+              </a:solidFill>
+              <a:effectLst/>
+              <a:latin typeface="Arial" panose="020B0604020202020204" pitchFamily="34" charset="0"/>
+            </a:endParaRPr>
+          </a:p>
+        </p:txBody>
+      </p:sp>
+    </p:spTree>
+    <p:extLst>
+      <p:ext uri="{BB962C8B-B14F-4D97-AF65-F5344CB8AC3E}">
+        <p14:creationId xmlns:p14="http://schemas.microsoft.com/office/powerpoint/2010/main" val="1015033906"/>
+      </p:ext>
+    </p:extLst>
+  </p:cSld>
+  <p:clrMapOvr>
+    <a:masterClrMapping/>
+  </p:clrMapOvr>
+</p:sld>
+</file>
+
+<file path=ppt/slides/slide16.xml><?xml version="1.0" encoding="utf-8"?>
+<p:sld xmlns:a="http://schemas.openxmlformats.org/drawingml/2006/main" xmlns:r="http://schemas.openxmlformats.org/officeDocument/2006/relationships" xmlns:p="http://schemas.openxmlformats.org/presentationml/2006/main">
+  <p:cSld>
+    <p:spTree>
+      <p:nvGrpSpPr>
+        <p:cNvPr id="1" name="">
+          <a:extLst>
+            <a:ext uri="{FF2B5EF4-FFF2-40B4-BE49-F238E27FC236}">
+              <a16:creationId xmlns:a16="http://schemas.microsoft.com/office/drawing/2014/main" id="{41897DD1-E292-17F5-7E54-E1408706392F}"/>
+            </a:ext>
+          </a:extLst>
+        </p:cNvPr>
+        <p:cNvGrpSpPr/>
+        <p:nvPr/>
+      </p:nvGrpSpPr>
+      <p:grpSpPr>
+        <a:xfrm>
+          <a:off x="0" y="0"/>
+          <a:ext cx="0" cy="0"/>
+          <a:chOff x="0" y="0"/>
+          <a:chExt cx="0" cy="0"/>
+        </a:xfrm>
+      </p:grpSpPr>
+      <p:sp>
+        <p:nvSpPr>
+          <p:cNvPr id="2" name="Title 1">
+            <a:extLst>
+              <a:ext uri="{FF2B5EF4-FFF2-40B4-BE49-F238E27FC236}">
+                <a16:creationId xmlns:a16="http://schemas.microsoft.com/office/drawing/2014/main" id="{B407FFBC-FDBD-88D0-7E4E-E232B8A334E3}"/>
+              </a:ext>
+            </a:extLst>
+          </p:cNvPr>
+          <p:cNvSpPr>
+            <a:spLocks noGrp="1"/>
+          </p:cNvSpPr>
+          <p:nvPr>
+            <p:ph type="title"/>
+          </p:nvPr>
+        </p:nvSpPr>
+        <p:spPr>
+          <a:xfrm>
+            <a:off x="594360" y="278129"/>
+            <a:ext cx="9778365" cy="1494596"/>
+          </a:xfrm>
+        </p:spPr>
+        <p:txBody>
+          <a:bodyPr/>
+          <a:lstStyle/>
+          <a:p>
+            <a:r>
+              <a:rPr lang="en-US" dirty="0"/>
+              <a:t>Facade pattern</a:t>
+            </a:r>
+          </a:p>
+        </p:txBody>
+      </p:sp>
+      <p:sp>
+        <p:nvSpPr>
+          <p:cNvPr id="3" name="Content Placeholder 2">
+            <a:extLst>
+              <a:ext uri="{FF2B5EF4-FFF2-40B4-BE49-F238E27FC236}">
+                <a16:creationId xmlns:a16="http://schemas.microsoft.com/office/drawing/2014/main" id="{07261DB8-D40B-F71C-8600-2CFD0AAA4885}"/>
+              </a:ext>
+            </a:extLst>
+          </p:cNvPr>
+          <p:cNvSpPr>
+            <a:spLocks noGrp="1"/>
+          </p:cNvSpPr>
+          <p:nvPr>
+            <p:ph sz="quarter" idx="15"/>
+          </p:nvPr>
+        </p:nvSpPr>
+        <p:spPr>
+          <a:xfrm>
+            <a:off x="111760" y="2275840"/>
+            <a:ext cx="10444480" cy="3998155"/>
+          </a:xfrm>
+        </p:spPr>
+        <p:txBody>
+          <a:bodyPr>
+            <a:normAutofit/>
+          </a:bodyPr>
+          <a:lstStyle/>
+          <a:p>
+            <a:pPr>
+              <a:spcBef>
+                <a:spcPts val="0"/>
+              </a:spcBef>
+            </a:pPr>
+            <a:r>
+              <a:rPr lang="en-US" b="1" dirty="0"/>
+              <a:t>Pattern-ul Façade </a:t>
+            </a:r>
+            <a:r>
+              <a:rPr lang="en-US" dirty="0" err="1"/>
+              <a:t>este</a:t>
+            </a:r>
+            <a:r>
+              <a:rPr lang="en-US" dirty="0"/>
+              <a:t> un pattern de design structural care </a:t>
+            </a:r>
+            <a:r>
+              <a:rPr lang="en-US" dirty="0" err="1"/>
+              <a:t>oferă</a:t>
+            </a:r>
+            <a:r>
+              <a:rPr lang="en-US" dirty="0"/>
+              <a:t> o </a:t>
+            </a:r>
+            <a:r>
+              <a:rPr lang="en-US" b="1" dirty="0" err="1"/>
+              <a:t>interfață</a:t>
+            </a:r>
+            <a:r>
+              <a:rPr lang="en-US" b="1" dirty="0"/>
+              <a:t> </a:t>
+            </a:r>
+            <a:r>
+              <a:rPr lang="en-US" b="1" dirty="0" err="1"/>
+              <a:t>unificată</a:t>
+            </a:r>
+            <a:r>
+              <a:rPr lang="en-US" dirty="0"/>
+              <a:t> </a:t>
+            </a:r>
+            <a:r>
+              <a:rPr lang="en-US" dirty="0" err="1"/>
+              <a:t>și</a:t>
+            </a:r>
+            <a:r>
+              <a:rPr lang="en-US" dirty="0"/>
+              <a:t> </a:t>
+            </a:r>
+            <a:r>
+              <a:rPr lang="en-US" b="1" dirty="0" err="1"/>
+              <a:t>simplificată</a:t>
+            </a:r>
+            <a:r>
+              <a:rPr lang="en-US" dirty="0"/>
+              <a:t> </a:t>
+            </a:r>
+            <a:r>
+              <a:rPr lang="en-US" dirty="0" err="1"/>
+              <a:t>către</a:t>
+            </a:r>
+            <a:r>
+              <a:rPr lang="en-US" dirty="0"/>
+              <a:t> un set de </a:t>
+            </a:r>
+            <a:r>
+              <a:rPr lang="en-US" dirty="0" err="1"/>
+              <a:t>clase</a:t>
+            </a:r>
+            <a:r>
+              <a:rPr lang="en-US" dirty="0"/>
+              <a:t> </a:t>
+            </a:r>
+            <a:r>
+              <a:rPr lang="en-US" dirty="0" err="1"/>
+              <a:t>sau</a:t>
+            </a:r>
+            <a:r>
+              <a:rPr lang="en-US" dirty="0"/>
+              <a:t> </a:t>
+            </a:r>
+            <a:r>
+              <a:rPr lang="en-US" dirty="0" err="1"/>
+              <a:t>subsisteme</a:t>
+            </a:r>
+            <a:r>
+              <a:rPr lang="en-US" dirty="0"/>
+              <a:t> </a:t>
+            </a:r>
+            <a:r>
+              <a:rPr lang="en-US" dirty="0" err="1"/>
+              <a:t>complexe</a:t>
+            </a:r>
+            <a:r>
+              <a:rPr lang="en-US" dirty="0"/>
+              <a:t>. </a:t>
+            </a:r>
+          </a:p>
+          <a:p>
+            <a:pPr>
+              <a:spcBef>
+                <a:spcPts val="0"/>
+              </a:spcBef>
+            </a:pPr>
+            <a:endParaRPr lang="en-US" dirty="0"/>
+          </a:p>
+          <a:p>
+            <a:pPr>
+              <a:spcBef>
+                <a:spcPts val="0"/>
+              </a:spcBef>
+            </a:pPr>
+            <a:r>
+              <a:rPr lang="en-US" dirty="0" err="1"/>
+              <a:t>Practic</a:t>
+            </a:r>
+            <a:r>
+              <a:rPr lang="en-US" dirty="0"/>
+              <a:t>, </a:t>
+            </a:r>
+            <a:r>
+              <a:rPr lang="en-US" dirty="0" err="1"/>
+              <a:t>creează</a:t>
+            </a:r>
+            <a:r>
+              <a:rPr lang="en-US" dirty="0"/>
+              <a:t> o „</a:t>
+            </a:r>
+            <a:r>
+              <a:rPr lang="en-US" dirty="0" err="1"/>
+              <a:t>fațadă</a:t>
+            </a:r>
+            <a:r>
+              <a:rPr lang="en-US" dirty="0"/>
+              <a:t>” care </a:t>
+            </a:r>
+            <a:r>
+              <a:rPr lang="en-US" dirty="0" err="1"/>
+              <a:t>ascunde</a:t>
+            </a:r>
+            <a:r>
+              <a:rPr lang="en-US" dirty="0"/>
+              <a:t> </a:t>
+            </a:r>
+            <a:r>
+              <a:rPr lang="en-US" dirty="0" err="1"/>
+              <a:t>detaliile</a:t>
+            </a:r>
+            <a:r>
+              <a:rPr lang="en-US" dirty="0"/>
+              <a:t> interne ale </a:t>
+            </a:r>
+            <a:r>
+              <a:rPr lang="en-US" dirty="0" err="1"/>
+              <a:t>implementării</a:t>
+            </a:r>
+            <a:r>
+              <a:rPr lang="en-US" dirty="0"/>
+              <a:t> </a:t>
+            </a:r>
+            <a:r>
+              <a:rPr lang="en-US" dirty="0" err="1"/>
+              <a:t>și</a:t>
+            </a:r>
+            <a:r>
+              <a:rPr lang="en-US" dirty="0"/>
+              <a:t> </a:t>
+            </a:r>
+            <a:r>
+              <a:rPr lang="en-US" dirty="0" err="1"/>
+              <a:t>oferă</a:t>
+            </a:r>
+            <a:r>
+              <a:rPr lang="en-US" dirty="0"/>
+              <a:t> </a:t>
+            </a:r>
+            <a:r>
+              <a:rPr lang="en-US" dirty="0" err="1"/>
+              <a:t>utilizatorului</a:t>
+            </a:r>
+            <a:r>
+              <a:rPr lang="en-US" dirty="0"/>
+              <a:t> o </a:t>
+            </a:r>
+            <a:r>
+              <a:rPr lang="en-US" dirty="0" err="1"/>
+              <a:t>modalitate</a:t>
+            </a:r>
+            <a:r>
+              <a:rPr lang="en-US" dirty="0"/>
+              <a:t> </a:t>
+            </a:r>
+            <a:r>
+              <a:rPr lang="en-US" dirty="0" err="1"/>
+              <a:t>mai</a:t>
+            </a:r>
+            <a:r>
+              <a:rPr lang="en-US" dirty="0"/>
+              <a:t> </a:t>
+            </a:r>
+            <a:r>
+              <a:rPr lang="en-US" dirty="0" err="1"/>
+              <a:t>ușoară</a:t>
+            </a:r>
+            <a:r>
+              <a:rPr lang="en-US" dirty="0"/>
+              <a:t> de a </a:t>
+            </a:r>
+            <a:r>
+              <a:rPr lang="en-US" dirty="0" err="1"/>
+              <a:t>interacționa</a:t>
+            </a:r>
+            <a:r>
+              <a:rPr lang="en-US" dirty="0"/>
+              <a:t> cu </a:t>
+            </a:r>
+            <a:r>
+              <a:rPr lang="en-US" dirty="0" err="1"/>
+              <a:t>sistemul</a:t>
+            </a:r>
+            <a:r>
+              <a:rPr lang="en-US" dirty="0"/>
+              <a:t>.</a:t>
+            </a:r>
+          </a:p>
+        </p:txBody>
+      </p:sp>
+      <p:sp>
+        <p:nvSpPr>
+          <p:cNvPr id="4" name="Rectangle 1">
+            <a:extLst>
+              <a:ext uri="{FF2B5EF4-FFF2-40B4-BE49-F238E27FC236}">
+                <a16:creationId xmlns:a16="http://schemas.microsoft.com/office/drawing/2014/main" id="{45166772-E3CE-4769-5404-2333CA7F155D}"/>
+              </a:ext>
+            </a:extLst>
+          </p:cNvPr>
+          <p:cNvSpPr>
+            <a:spLocks noChangeArrowheads="1"/>
+          </p:cNvSpPr>
+          <p:nvPr/>
+        </p:nvSpPr>
+        <p:spPr bwMode="auto">
+          <a:xfrm>
+            <a:off x="0" y="0"/>
+            <a:ext cx="12192000" cy="0"/>
+          </a:xfrm>
+          <a:prstGeom prst="rect">
+            <a:avLst/>
+          </a:prstGeom>
+          <a:noFill/>
+          <a:ln>
+            <a:noFill/>
+          </a:ln>
+          <a:effectLst/>
+          <a:extLst>
+            <a:ext uri="{909E8E84-426E-40DD-AFC4-6F175D3DCCD1}">
+              <a14:hiddenFill xmlns:a14="http://schemas.microsoft.com/office/drawing/2010/main">
+                <a:solidFill>
+                  <a:schemeClr val="accent1"/>
+                </a:solidFill>
+              </a14:hiddenFill>
+            </a:ext>
+            <a:ext uri="{91240B29-F687-4F45-9708-019B960494DF}">
+              <a14:hiddenLine xmlns:a14="http://schemas.microsoft.com/office/drawing/2010/main" w="9525">
+                <a:solidFill>
+                  <a:schemeClr val="tx1"/>
+                </a:solidFill>
+                <a:miter lim="800000"/>
+                <a:headEnd/>
+                <a:tailEnd/>
+              </a14:hiddenLine>
+            </a:ext>
+            <a:ext uri="{AF507438-7753-43E0-B8FC-AC1667EBCBE1}">
+              <a14:hiddenEffects xmlns:a14="http://schemas.microsoft.com/office/drawing/2010/main">
+                <a:effectLst>
+                  <a:outerShdw dist="35921" dir="2700000" algn="ctr" rotWithShape="0">
+                    <a:schemeClr val="bg2"/>
+                  </a:outerShdw>
+                </a:effectLst>
+              </a14:hiddenEffects>
+            </a:ext>
+          </a:extLst>
+        </p:spPr>
+        <p:txBody>
+          <a:bodyPr vert="horz" wrap="none" lIns="91440" tIns="45720" rIns="91440" bIns="45720" numCol="1" anchor="ctr" anchorCtr="0" compatLnSpc="1">
+            <a:prstTxWarp prst="textNoShape">
+              <a:avLst/>
+            </a:prstTxWarp>
+            <a:spAutoFit/>
+          </a:bodyPr>
+          <a:lstStyle/>
+          <a:p>
+            <a:pPr marL="0" marR="0" lvl="0" indent="0" algn="l" defTabSz="914400" rtl="0" eaLnBrk="0" fontAlgn="base" latinLnBrk="0" hangingPunct="0">
+              <a:lnSpc>
+                <a:spcPct val="100000"/>
+              </a:lnSpc>
+              <a:spcBef>
+                <a:spcPct val="0"/>
+              </a:spcBef>
+              <a:spcAft>
+                <a:spcPct val="0"/>
+              </a:spcAft>
+              <a:buClrTx/>
+              <a:buSzTx/>
+              <a:buFontTx/>
+              <a:buChar char="•"/>
+              <a:tabLst/>
+            </a:pPr>
+            <a:r>
+              <a:rPr kumimoji="0" lang="en-US" altLang="en-US" sz="1800" b="1" i="0" u="none" strike="noStrike" cap="none" normalizeH="0" baseline="0">
+                <a:ln>
+                  <a:noFill/>
+                </a:ln>
+                <a:solidFill>
+                  <a:schemeClr val="tx1"/>
+                </a:solidFill>
+                <a:effectLst/>
+                <a:latin typeface="Arial" panose="020B0604020202020204" pitchFamily="34" charset="0"/>
+              </a:rPr>
+              <a:t>Target</a:t>
+            </a:r>
+            <a:r>
+              <a:rPr kumimoji="0" lang="en-US" altLang="en-US" sz="1800" b="0" i="0" u="none" strike="noStrike" cap="none" normalizeH="0" baseline="0">
+                <a:ln>
+                  <a:noFill/>
+                </a:ln>
+                <a:solidFill>
+                  <a:schemeClr val="tx1"/>
+                </a:solidFill>
+                <a:effectLst/>
+                <a:latin typeface="Arial" panose="020B0604020202020204" pitchFamily="34" charset="0"/>
+              </a:rPr>
+              <a:t>: Defines the domain-specific interface the client uses.</a:t>
+            </a:r>
+          </a:p>
+          <a:p>
+            <a:pPr marL="0" marR="0" lvl="0" indent="0" algn="l" defTabSz="914400" rtl="0" eaLnBrk="0" fontAlgn="base" latinLnBrk="0" hangingPunct="0">
+              <a:lnSpc>
+                <a:spcPct val="100000"/>
+              </a:lnSpc>
+              <a:spcBef>
+                <a:spcPct val="0"/>
+              </a:spcBef>
+              <a:spcAft>
+                <a:spcPct val="0"/>
+              </a:spcAft>
+              <a:buClrTx/>
+              <a:buSzTx/>
+              <a:buFontTx/>
+              <a:buChar char="•"/>
+              <a:tabLst/>
+            </a:pPr>
+            <a:r>
+              <a:rPr kumimoji="0" lang="en-US" altLang="en-US" sz="1800" b="1" i="0" u="none" strike="noStrike" cap="none" normalizeH="0" baseline="0">
+                <a:ln>
+                  <a:noFill/>
+                </a:ln>
+                <a:solidFill>
+                  <a:schemeClr val="tx1"/>
+                </a:solidFill>
+                <a:effectLst/>
+                <a:latin typeface="Arial" panose="020B0604020202020204" pitchFamily="34" charset="0"/>
+              </a:rPr>
+              <a:t>Adaptee</a:t>
+            </a:r>
+            <a:r>
+              <a:rPr kumimoji="0" lang="en-US" altLang="en-US" sz="1800" b="0" i="0" u="none" strike="noStrike" cap="none" normalizeH="0" baseline="0">
+                <a:ln>
+                  <a:noFill/>
+                </a:ln>
+                <a:solidFill>
+                  <a:schemeClr val="tx1"/>
+                </a:solidFill>
+                <a:effectLst/>
+                <a:latin typeface="Arial" panose="020B0604020202020204" pitchFamily="34" charset="0"/>
+              </a:rPr>
+              <a:t>: Has an existing interface that needs adapting.</a:t>
+            </a:r>
+          </a:p>
+          <a:p>
+            <a:pPr marL="0" marR="0" lvl="0" indent="0" algn="l" defTabSz="914400" rtl="0" eaLnBrk="0" fontAlgn="base" latinLnBrk="0" hangingPunct="0">
+              <a:lnSpc>
+                <a:spcPct val="100000"/>
+              </a:lnSpc>
+              <a:spcBef>
+                <a:spcPct val="0"/>
+              </a:spcBef>
+              <a:spcAft>
+                <a:spcPct val="0"/>
+              </a:spcAft>
+              <a:buClrTx/>
+              <a:buSzTx/>
+              <a:buFontTx/>
+              <a:buChar char="•"/>
+              <a:tabLst/>
+            </a:pPr>
+            <a:r>
+              <a:rPr kumimoji="0" lang="en-US" altLang="en-US" sz="1800" b="1" i="0" u="none" strike="noStrike" cap="none" normalizeH="0" baseline="0">
+                <a:ln>
+                  <a:noFill/>
+                </a:ln>
+                <a:solidFill>
+                  <a:schemeClr val="tx1"/>
+                </a:solidFill>
+                <a:effectLst/>
+                <a:latin typeface="Arial" panose="020B0604020202020204" pitchFamily="34" charset="0"/>
+              </a:rPr>
+              <a:t>Adapter</a:t>
+            </a:r>
+            <a:r>
+              <a:rPr kumimoji="0" lang="en-US" altLang="en-US" sz="1800" b="0" i="0" u="none" strike="noStrike" cap="none" normalizeH="0" baseline="0">
+                <a:ln>
+                  <a:noFill/>
+                </a:ln>
+                <a:solidFill>
+                  <a:schemeClr val="tx1"/>
+                </a:solidFill>
+                <a:effectLst/>
+                <a:latin typeface="Arial" panose="020B0604020202020204" pitchFamily="34" charset="0"/>
+              </a:rPr>
+              <a:t>: Implements the Target interface and translates calls to the Adaptee.</a:t>
+            </a:r>
+          </a:p>
+        </p:txBody>
+      </p:sp>
+      <p:sp>
+        <p:nvSpPr>
+          <p:cNvPr id="5" name="Rectangle 2">
+            <a:extLst>
+              <a:ext uri="{FF2B5EF4-FFF2-40B4-BE49-F238E27FC236}">
+                <a16:creationId xmlns:a16="http://schemas.microsoft.com/office/drawing/2014/main" id="{39B8F717-2FD4-7FC7-0F71-203EB5DB8239}"/>
+              </a:ext>
+            </a:extLst>
+          </p:cNvPr>
+          <p:cNvSpPr>
+            <a:spLocks noChangeArrowheads="1"/>
+          </p:cNvSpPr>
+          <p:nvPr/>
+        </p:nvSpPr>
+        <p:spPr bwMode="auto">
+          <a:xfrm>
+            <a:off x="152400" y="152400"/>
+            <a:ext cx="12192000" cy="0"/>
+          </a:xfrm>
+          <a:prstGeom prst="rect">
+            <a:avLst/>
+          </a:prstGeom>
+          <a:noFill/>
+          <a:ln>
+            <a:noFill/>
+          </a:ln>
+          <a:effectLst/>
+          <a:extLst>
+            <a:ext uri="{909E8E84-426E-40DD-AFC4-6F175D3DCCD1}">
+              <a14:hiddenFill xmlns:a14="http://schemas.microsoft.com/office/drawing/2010/main">
+                <a:solidFill>
+                  <a:schemeClr val="accent1"/>
+                </a:solidFill>
+              </a14:hiddenFill>
+            </a:ext>
+            <a:ext uri="{91240B29-F687-4F45-9708-019B960494DF}">
+              <a14:hiddenLine xmlns:a14="http://schemas.microsoft.com/office/drawing/2010/main" w="9525">
+                <a:solidFill>
+                  <a:schemeClr val="tx1"/>
+                </a:solidFill>
+                <a:miter lim="800000"/>
+                <a:headEnd/>
+                <a:tailEnd/>
+              </a14:hiddenLine>
+            </a:ext>
+            <a:ext uri="{AF507438-7753-43E0-B8FC-AC1667EBCBE1}">
+              <a14:hiddenEffects xmlns:a14="http://schemas.microsoft.com/office/drawing/2010/main">
+                <a:effectLst>
+                  <a:outerShdw dist="35921" dir="2700000" algn="ctr" rotWithShape="0">
+                    <a:schemeClr val="bg2"/>
+                  </a:outerShdw>
+                </a:effectLst>
+              </a14:hiddenEffects>
+            </a:ext>
+          </a:extLst>
+        </p:spPr>
+        <p:txBody>
+          <a:bodyPr vert="horz" wrap="none" lIns="91440" tIns="45720" rIns="91440" bIns="45720" numCol="1" anchor="ctr" anchorCtr="0" compatLnSpc="1">
+            <a:prstTxWarp prst="textNoShape">
+              <a:avLst/>
+            </a:prstTxWarp>
+            <a:spAutoFit/>
+          </a:bodyPr>
+          <a:lstStyle/>
+          <a:p>
+            <a:pPr marL="0" marR="0" lvl="0" indent="0" algn="l" defTabSz="914400" rtl="0" eaLnBrk="0" fontAlgn="base" latinLnBrk="0" hangingPunct="0">
+              <a:lnSpc>
+                <a:spcPct val="100000"/>
+              </a:lnSpc>
+              <a:spcBef>
+                <a:spcPct val="0"/>
+              </a:spcBef>
+              <a:spcAft>
+                <a:spcPct val="0"/>
+              </a:spcAft>
+              <a:buClrTx/>
+              <a:buSzTx/>
+              <a:buFontTx/>
+              <a:buChar char="•"/>
+              <a:tabLst/>
+            </a:pPr>
+            <a:r>
+              <a:rPr kumimoji="0" lang="en-US" altLang="en-US" sz="1800" b="1" i="0" u="none" strike="noStrike" cap="none" normalizeH="0" baseline="0">
+                <a:ln>
+                  <a:noFill/>
+                </a:ln>
+                <a:solidFill>
+                  <a:schemeClr val="tx1"/>
+                </a:solidFill>
+                <a:effectLst/>
+                <a:latin typeface="Arial" panose="020B0604020202020204" pitchFamily="34" charset="0"/>
+              </a:rPr>
+              <a:t>Target</a:t>
+            </a:r>
+            <a:r>
+              <a:rPr kumimoji="0" lang="en-US" altLang="en-US" sz="1800" b="0" i="0" u="none" strike="noStrike" cap="none" normalizeH="0" baseline="0">
+                <a:ln>
+                  <a:noFill/>
+                </a:ln>
+                <a:solidFill>
+                  <a:schemeClr val="tx1"/>
+                </a:solidFill>
+                <a:effectLst/>
+                <a:latin typeface="Arial" panose="020B0604020202020204" pitchFamily="34" charset="0"/>
+              </a:rPr>
+              <a:t>: Defines the domain-specific interface the client uses.</a:t>
+            </a:r>
+          </a:p>
+          <a:p>
+            <a:pPr marL="0" marR="0" lvl="0" indent="0" algn="l" defTabSz="914400" rtl="0" eaLnBrk="0" fontAlgn="base" latinLnBrk="0" hangingPunct="0">
+              <a:lnSpc>
+                <a:spcPct val="100000"/>
+              </a:lnSpc>
+              <a:spcBef>
+                <a:spcPct val="0"/>
+              </a:spcBef>
+              <a:spcAft>
+                <a:spcPct val="0"/>
+              </a:spcAft>
+              <a:buClrTx/>
+              <a:buSzTx/>
+              <a:buFontTx/>
+              <a:buChar char="•"/>
+              <a:tabLst/>
+            </a:pPr>
+            <a:r>
+              <a:rPr kumimoji="0" lang="en-US" altLang="en-US" sz="1800" b="1" i="0" u="none" strike="noStrike" cap="none" normalizeH="0" baseline="0">
+                <a:ln>
+                  <a:noFill/>
+                </a:ln>
+                <a:solidFill>
+                  <a:schemeClr val="tx1"/>
+                </a:solidFill>
+                <a:effectLst/>
+                <a:latin typeface="Arial" panose="020B0604020202020204" pitchFamily="34" charset="0"/>
+              </a:rPr>
+              <a:t>Adaptee</a:t>
+            </a:r>
+            <a:r>
+              <a:rPr kumimoji="0" lang="en-US" altLang="en-US" sz="1800" b="0" i="0" u="none" strike="noStrike" cap="none" normalizeH="0" baseline="0">
+                <a:ln>
+                  <a:noFill/>
+                </a:ln>
+                <a:solidFill>
+                  <a:schemeClr val="tx1"/>
+                </a:solidFill>
+                <a:effectLst/>
+                <a:latin typeface="Arial" panose="020B0604020202020204" pitchFamily="34" charset="0"/>
+              </a:rPr>
+              <a:t>: Has an existing interface that needs adapting.</a:t>
+            </a:r>
+          </a:p>
+          <a:p>
+            <a:pPr marL="0" marR="0" lvl="0" indent="0" algn="l" defTabSz="914400" rtl="0" eaLnBrk="0" fontAlgn="base" latinLnBrk="0" hangingPunct="0">
+              <a:lnSpc>
+                <a:spcPct val="100000"/>
+              </a:lnSpc>
+              <a:spcBef>
+                <a:spcPct val="0"/>
+              </a:spcBef>
+              <a:spcAft>
+                <a:spcPct val="0"/>
+              </a:spcAft>
+              <a:buClrTx/>
+              <a:buSzTx/>
+              <a:buFontTx/>
+              <a:buChar char="•"/>
+              <a:tabLst/>
+            </a:pPr>
+            <a:r>
+              <a:rPr kumimoji="0" lang="en-US" altLang="en-US" sz="1800" b="1" i="0" u="none" strike="noStrike" cap="none" normalizeH="0" baseline="0">
+                <a:ln>
+                  <a:noFill/>
+                </a:ln>
+                <a:solidFill>
+                  <a:schemeClr val="tx1"/>
+                </a:solidFill>
+                <a:effectLst/>
+                <a:latin typeface="Arial" panose="020B0604020202020204" pitchFamily="34" charset="0"/>
+              </a:rPr>
+              <a:t>Adapter</a:t>
+            </a:r>
+            <a:r>
+              <a:rPr kumimoji="0" lang="en-US" altLang="en-US" sz="1800" b="0" i="0" u="none" strike="noStrike" cap="none" normalizeH="0" baseline="0">
+                <a:ln>
+                  <a:noFill/>
+                </a:ln>
+                <a:solidFill>
+                  <a:schemeClr val="tx1"/>
+                </a:solidFill>
+                <a:effectLst/>
+                <a:latin typeface="Arial" panose="020B0604020202020204" pitchFamily="34" charset="0"/>
+              </a:rPr>
+              <a:t>: Implements the Target interface and translates calls to the Adaptee.</a:t>
+            </a:r>
+          </a:p>
+        </p:txBody>
+      </p:sp>
+      <p:sp>
+        <p:nvSpPr>
+          <p:cNvPr id="6" name="Rectangle 3">
+            <a:extLst>
+              <a:ext uri="{FF2B5EF4-FFF2-40B4-BE49-F238E27FC236}">
+                <a16:creationId xmlns:a16="http://schemas.microsoft.com/office/drawing/2014/main" id="{7976AB2F-1A2A-E05F-E15F-04A2F22B6B7E}"/>
+              </a:ext>
+            </a:extLst>
+          </p:cNvPr>
+          <p:cNvSpPr>
+            <a:spLocks noChangeArrowheads="1"/>
+          </p:cNvSpPr>
+          <p:nvPr/>
+        </p:nvSpPr>
+        <p:spPr bwMode="auto">
+          <a:xfrm>
+            <a:off x="304800" y="304800"/>
+            <a:ext cx="12192000" cy="0"/>
+          </a:xfrm>
+          <a:prstGeom prst="rect">
+            <a:avLst/>
+          </a:prstGeom>
+          <a:noFill/>
+          <a:ln>
+            <a:noFill/>
+          </a:ln>
+          <a:effectLst/>
+          <a:extLst>
+            <a:ext uri="{909E8E84-426E-40DD-AFC4-6F175D3DCCD1}">
+              <a14:hiddenFill xmlns:a14="http://schemas.microsoft.com/office/drawing/2010/main">
+                <a:solidFill>
+                  <a:schemeClr val="accent1"/>
+                </a:solidFill>
+              </a14:hiddenFill>
+            </a:ext>
+            <a:ext uri="{91240B29-F687-4F45-9708-019B960494DF}">
+              <a14:hiddenLine xmlns:a14="http://schemas.microsoft.com/office/drawing/2010/main" w="9525">
+                <a:solidFill>
+                  <a:schemeClr val="tx1"/>
+                </a:solidFill>
+                <a:miter lim="800000"/>
+                <a:headEnd/>
+                <a:tailEnd/>
+              </a14:hiddenLine>
+            </a:ext>
+            <a:ext uri="{AF507438-7753-43E0-B8FC-AC1667EBCBE1}">
+              <a14:hiddenEffects xmlns:a14="http://schemas.microsoft.com/office/drawing/2010/main">
+                <a:effectLst>
+                  <a:outerShdw dist="35921" dir="2700000" algn="ctr" rotWithShape="0">
+                    <a:schemeClr val="bg2"/>
+                  </a:outerShdw>
+                </a:effectLst>
+              </a14:hiddenEffects>
+            </a:ext>
+          </a:extLst>
+        </p:spPr>
+        <p:txBody>
+          <a:bodyPr vert="horz" wrap="none" lIns="91440" tIns="45720" rIns="91440" bIns="45720" numCol="1" anchor="ctr" anchorCtr="0" compatLnSpc="1">
+            <a:prstTxWarp prst="textNoShape">
+              <a:avLst/>
+            </a:prstTxWarp>
+            <a:spAutoFit/>
+          </a:bodyPr>
+          <a:lstStyle/>
+          <a:p>
+            <a:pPr marL="0" marR="0" lvl="0" indent="0" algn="l" defTabSz="914400" rtl="0" eaLnBrk="0" fontAlgn="base" latinLnBrk="0" hangingPunct="0">
+              <a:lnSpc>
+                <a:spcPct val="100000"/>
+              </a:lnSpc>
+              <a:spcBef>
+                <a:spcPct val="0"/>
+              </a:spcBef>
+              <a:spcAft>
+                <a:spcPct val="0"/>
+              </a:spcAft>
+              <a:buClrTx/>
+              <a:buSzTx/>
+              <a:buFontTx/>
+              <a:buChar char="•"/>
+              <a:tabLst/>
+            </a:pPr>
+            <a:r>
+              <a:rPr kumimoji="0" lang="en-US" altLang="en-US" sz="1800" b="1" i="0" u="none" strike="noStrike" cap="none" normalizeH="0" baseline="0">
+                <a:ln>
+                  <a:noFill/>
+                </a:ln>
+                <a:solidFill>
+                  <a:schemeClr val="tx1"/>
+                </a:solidFill>
+                <a:effectLst/>
+                <a:latin typeface="Arial" panose="020B0604020202020204" pitchFamily="34" charset="0"/>
+              </a:rPr>
+              <a:t>Target</a:t>
+            </a:r>
+            <a:r>
+              <a:rPr kumimoji="0" lang="en-US" altLang="en-US" sz="1800" b="0" i="0" u="none" strike="noStrike" cap="none" normalizeH="0" baseline="0">
+                <a:ln>
+                  <a:noFill/>
+                </a:ln>
+                <a:solidFill>
+                  <a:schemeClr val="tx1"/>
+                </a:solidFill>
+                <a:effectLst/>
+                <a:latin typeface="Arial" panose="020B0604020202020204" pitchFamily="34" charset="0"/>
+              </a:rPr>
+              <a:t>: Defines the domain-specific interface the client uses.</a:t>
+            </a:r>
+          </a:p>
+          <a:p>
+            <a:pPr marL="0" marR="0" lvl="0" indent="0" algn="l" defTabSz="914400" rtl="0" eaLnBrk="0" fontAlgn="base" latinLnBrk="0" hangingPunct="0">
+              <a:lnSpc>
+                <a:spcPct val="100000"/>
+              </a:lnSpc>
+              <a:spcBef>
+                <a:spcPct val="0"/>
+              </a:spcBef>
+              <a:spcAft>
+                <a:spcPct val="0"/>
+              </a:spcAft>
+              <a:buClrTx/>
+              <a:buSzTx/>
+              <a:buFontTx/>
+              <a:buChar char="•"/>
+              <a:tabLst/>
+            </a:pPr>
+            <a:r>
+              <a:rPr kumimoji="0" lang="en-US" altLang="en-US" sz="1800" b="1" i="0" u="none" strike="noStrike" cap="none" normalizeH="0" baseline="0">
+                <a:ln>
+                  <a:noFill/>
+                </a:ln>
+                <a:solidFill>
+                  <a:schemeClr val="tx1"/>
+                </a:solidFill>
+                <a:effectLst/>
+                <a:latin typeface="Arial" panose="020B0604020202020204" pitchFamily="34" charset="0"/>
+              </a:rPr>
+              <a:t>Adaptee</a:t>
+            </a:r>
+            <a:r>
+              <a:rPr kumimoji="0" lang="en-US" altLang="en-US" sz="1800" b="0" i="0" u="none" strike="noStrike" cap="none" normalizeH="0" baseline="0">
+                <a:ln>
+                  <a:noFill/>
+                </a:ln>
+                <a:solidFill>
+                  <a:schemeClr val="tx1"/>
+                </a:solidFill>
+                <a:effectLst/>
+                <a:latin typeface="Arial" panose="020B0604020202020204" pitchFamily="34" charset="0"/>
+              </a:rPr>
+              <a:t>: Has an existing interface that needs adapting.</a:t>
+            </a:r>
+          </a:p>
+          <a:p>
+            <a:pPr marL="0" marR="0" lvl="0" indent="0" algn="l" defTabSz="914400" rtl="0" eaLnBrk="0" fontAlgn="base" latinLnBrk="0" hangingPunct="0">
+              <a:lnSpc>
+                <a:spcPct val="100000"/>
+              </a:lnSpc>
+              <a:spcBef>
+                <a:spcPct val="0"/>
+              </a:spcBef>
+              <a:spcAft>
+                <a:spcPct val="0"/>
+              </a:spcAft>
+              <a:buClrTx/>
+              <a:buSzTx/>
+              <a:buFontTx/>
+              <a:buChar char="•"/>
+              <a:tabLst/>
+            </a:pPr>
+            <a:r>
+              <a:rPr kumimoji="0" lang="en-US" altLang="en-US" sz="1800" b="1" i="0" u="none" strike="noStrike" cap="none" normalizeH="0" baseline="0">
+                <a:ln>
+                  <a:noFill/>
+                </a:ln>
+                <a:solidFill>
+                  <a:schemeClr val="tx1"/>
+                </a:solidFill>
+                <a:effectLst/>
+                <a:latin typeface="Arial" panose="020B0604020202020204" pitchFamily="34" charset="0"/>
+              </a:rPr>
+              <a:t>Adapter</a:t>
+            </a:r>
+            <a:r>
+              <a:rPr kumimoji="0" lang="en-US" altLang="en-US" sz="1800" b="0" i="0" u="none" strike="noStrike" cap="none" normalizeH="0" baseline="0">
+                <a:ln>
+                  <a:noFill/>
+                </a:ln>
+                <a:solidFill>
+                  <a:schemeClr val="tx1"/>
+                </a:solidFill>
+                <a:effectLst/>
+                <a:latin typeface="Arial" panose="020B0604020202020204" pitchFamily="34" charset="0"/>
+              </a:rPr>
+              <a:t>: Implements the Target interface and translates calls to the Adaptee.</a:t>
+            </a:r>
+          </a:p>
+        </p:txBody>
+      </p:sp>
+    </p:spTree>
+    <p:extLst>
+      <p:ext uri="{BB962C8B-B14F-4D97-AF65-F5344CB8AC3E}">
+        <p14:creationId xmlns:p14="http://schemas.microsoft.com/office/powerpoint/2010/main" val="2747712621"/>
+      </p:ext>
+    </p:extLst>
+  </p:cSld>
+  <p:clrMapOvr>
+    <a:masterClrMapping/>
+  </p:clrMapOvr>
+</p:sld>
+</file>
+
+<file path=ppt/slides/slide17.xml><?xml version="1.0" encoding="utf-8"?>
+<p:sld xmlns:a="http://schemas.openxmlformats.org/drawingml/2006/main" xmlns:r="http://schemas.openxmlformats.org/officeDocument/2006/relationships" xmlns:p="http://schemas.openxmlformats.org/presentationml/2006/main">
+  <p:cSld>
+    <p:spTree>
+      <p:nvGrpSpPr>
+        <p:cNvPr id="1" name="">
+          <a:extLst>
+            <a:ext uri="{FF2B5EF4-FFF2-40B4-BE49-F238E27FC236}">
+              <a16:creationId xmlns:a16="http://schemas.microsoft.com/office/drawing/2014/main" id="{BE036E82-5689-2454-3BC4-DE44ACB964CF}"/>
+            </a:ext>
+          </a:extLst>
+        </p:cNvPr>
+        <p:cNvGrpSpPr/>
+        <p:nvPr/>
+      </p:nvGrpSpPr>
+      <p:grpSpPr>
+        <a:xfrm>
+          <a:off x="0" y="0"/>
+          <a:ext cx="0" cy="0"/>
+          <a:chOff x="0" y="0"/>
+          <a:chExt cx="0" cy="0"/>
+        </a:xfrm>
+      </p:grpSpPr>
+      <p:sp>
+        <p:nvSpPr>
+          <p:cNvPr id="3" name="Title 2">
+            <a:extLst>
+              <a:ext uri="{FF2B5EF4-FFF2-40B4-BE49-F238E27FC236}">
+                <a16:creationId xmlns:a16="http://schemas.microsoft.com/office/drawing/2014/main" id="{A56B0085-DD61-0699-C3DF-C65752512D9A}"/>
+              </a:ext>
+            </a:extLst>
+          </p:cNvPr>
+          <p:cNvSpPr>
+            <a:spLocks noGrp="1"/>
+          </p:cNvSpPr>
+          <p:nvPr>
+            <p:ph type="title"/>
+          </p:nvPr>
+        </p:nvSpPr>
+        <p:spPr>
+          <a:xfrm>
+            <a:off x="594360" y="102875"/>
+            <a:ext cx="10873740" cy="1680205"/>
+          </a:xfrm>
+        </p:spPr>
+        <p:txBody>
+          <a:bodyPr/>
+          <a:lstStyle/>
+          <a:p>
+            <a:r>
+              <a:rPr lang="en-US" dirty="0"/>
+              <a:t>Proxy pattern</a:t>
+            </a:r>
+          </a:p>
+        </p:txBody>
+      </p:sp>
+      <p:grpSp>
+        <p:nvGrpSpPr>
+          <p:cNvPr id="19" name="Group 18">
+            <a:extLst>
+              <a:ext uri="{FF2B5EF4-FFF2-40B4-BE49-F238E27FC236}">
+                <a16:creationId xmlns:a16="http://schemas.microsoft.com/office/drawing/2014/main" id="{04315A12-7824-9D02-699F-777FA8AC9CCD}"/>
+              </a:ext>
+              <a:ext uri="{C183D7F6-B498-43B3-948B-1728B52AA6E4}">
+                <adec:decorative xmlns:adec="http://schemas.microsoft.com/office/drawing/2017/decorative" val="1"/>
+              </a:ext>
+            </a:extLst>
+          </p:cNvPr>
+          <p:cNvGrpSpPr>
+            <a:grpSpLocks/>
+          </p:cNvGrpSpPr>
+          <p:nvPr/>
+        </p:nvGrpSpPr>
+        <p:grpSpPr bwMode="auto">
+          <a:xfrm rot="16200000" flipV="1">
+            <a:off x="0" y="3900132"/>
+            <a:ext cx="2959226" cy="2959226"/>
+            <a:chOff x="0" y="12289"/>
+            <a:chExt cx="3550" cy="3551"/>
+          </a:xfrm>
+        </p:grpSpPr>
+        <p:sp>
+          <p:nvSpPr>
+            <p:cNvPr id="20" name="Freeform 19">
+              <a:extLst>
+                <a:ext uri="{FF2B5EF4-FFF2-40B4-BE49-F238E27FC236}">
+                  <a16:creationId xmlns:a16="http://schemas.microsoft.com/office/drawing/2014/main" id="{99370AEB-EB28-4B04-8C8B-B2A6478899EE}"/>
+                </a:ext>
+              </a:extLst>
+            </p:cNvPr>
+            <p:cNvSpPr>
+              <a:spLocks/>
+            </p:cNvSpPr>
+            <p:nvPr/>
+          </p:nvSpPr>
+          <p:spPr bwMode="auto">
+            <a:xfrm>
+              <a:off x="0" y="12289"/>
+              <a:ext cx="1789" cy="2386"/>
+            </a:xfrm>
+            <a:custGeom>
+              <a:avLst/>
+              <a:gdLst>
+                <a:gd name="T0" fmla="*/ 0 w 1789"/>
+                <a:gd name="T1" fmla="+- 0 12290 12290"/>
+                <a:gd name="T2" fmla="*/ 12290 h 2386"/>
+                <a:gd name="T3" fmla="*/ 0 w 1789"/>
+                <a:gd name="T4" fmla="+- 0 13484 12290"/>
+                <a:gd name="T5" fmla="*/ 13484 h 2386"/>
+                <a:gd name="T6" fmla="*/ 1192 w 1789"/>
+                <a:gd name="T7" fmla="+- 0 14676 12290"/>
+                <a:gd name="T8" fmla="*/ 14676 h 2386"/>
+                <a:gd name="T9" fmla="*/ 1789 w 1789"/>
+                <a:gd name="T10" fmla="+- 0 14079 12290"/>
+                <a:gd name="T11" fmla="*/ 14079 h 2386"/>
+                <a:gd name="T12" fmla="*/ 0 w 1789"/>
+                <a:gd name="T13" fmla="+- 0 12290 12290"/>
+                <a:gd name="T14" fmla="*/ 12290 h 2386"/>
+              </a:gdLst>
+              <a:ahLst/>
+              <a:cxnLst>
+                <a:cxn ang="0">
+                  <a:pos x="T0" y="T2"/>
+                </a:cxn>
+                <a:cxn ang="0">
+                  <a:pos x="T3" y="T5"/>
+                </a:cxn>
+                <a:cxn ang="0">
+                  <a:pos x="T6" y="T8"/>
+                </a:cxn>
+                <a:cxn ang="0">
+                  <a:pos x="T9" y="T11"/>
+                </a:cxn>
+                <a:cxn ang="0">
+                  <a:pos x="T12" y="T14"/>
+                </a:cxn>
+              </a:cxnLst>
+              <a:rect l="0" t="0" r="r" b="b"/>
+              <a:pathLst>
+                <a:path w="1789" h="2386">
+                  <a:moveTo>
+                    <a:pt x="0" y="0"/>
+                  </a:moveTo>
+                  <a:lnTo>
+                    <a:pt x="0" y="1194"/>
+                  </a:lnTo>
+                  <a:lnTo>
+                    <a:pt x="1192" y="2386"/>
+                  </a:lnTo>
+                  <a:lnTo>
+                    <a:pt x="1789" y="1789"/>
+                  </a:lnTo>
+                  <a:lnTo>
+                    <a:pt x="0" y="0"/>
+                  </a:lnTo>
+                  <a:close/>
+                </a:path>
+              </a:pathLst>
+            </a:custGeom>
+            <a:solidFill>
+              <a:schemeClr val="accent6"/>
+            </a:solidFill>
+            <a:ln>
+              <a:noFill/>
+            </a:ln>
+            <a:extLst>
+              <a:ext uri="{91240B29-F687-4F45-9708-019B960494DF}">
+                <a14:hiddenLine xmlns:a14="http://schemas.microsoft.com/office/drawing/2010/main" w="9525">
+                  <a:solidFill>
+                    <a:srgbClr val="000000"/>
+                  </a:solidFill>
+                  <a:round/>
+                  <a:headEnd/>
+                  <a:tailEnd/>
+                </a14:hiddenLine>
+              </a:ext>
+            </a:extLst>
+          </p:spPr>
+          <p:txBody>
+            <a:bodyPr rot="0" vert="horz" wrap="square" lIns="91440" tIns="45720" rIns="91440" bIns="45720" anchor="t" anchorCtr="0" upright="1">
+              <a:noAutofit/>
+            </a:bodyPr>
+            <a:lstStyle/>
+            <a:p>
+              <a:endParaRPr lang="en-US" dirty="0"/>
+            </a:p>
+          </p:txBody>
+        </p:sp>
+        <p:sp>
+          <p:nvSpPr>
+            <p:cNvPr id="21" name="Freeform 20">
+              <a:extLst>
+                <a:ext uri="{FF2B5EF4-FFF2-40B4-BE49-F238E27FC236}">
+                  <a16:creationId xmlns:a16="http://schemas.microsoft.com/office/drawing/2014/main" id="{CC901687-650E-B29E-4466-303E05EDEDDF}"/>
+                </a:ext>
+              </a:extLst>
+            </p:cNvPr>
+            <p:cNvSpPr>
+              <a:spLocks/>
+            </p:cNvSpPr>
+            <p:nvPr/>
+          </p:nvSpPr>
+          <p:spPr bwMode="auto">
+            <a:xfrm>
+              <a:off x="0" y="14678"/>
+              <a:ext cx="1162" cy="1162"/>
+            </a:xfrm>
+            <a:custGeom>
+              <a:avLst/>
+              <a:gdLst>
+                <a:gd name="T0" fmla="*/ 0 w 1162"/>
+                <a:gd name="T1" fmla="+- 0 14679 14679"/>
+                <a:gd name="T2" fmla="*/ 14679 h 1162"/>
+                <a:gd name="T3" fmla="*/ 0 w 1162"/>
+                <a:gd name="T4" fmla="+- 0 15840 14679"/>
+                <a:gd name="T5" fmla="*/ 15840 h 1162"/>
+                <a:gd name="T6" fmla="*/ 1161 w 1162"/>
+                <a:gd name="T7" fmla="+- 0 15840 14679"/>
+                <a:gd name="T8" fmla="*/ 15840 h 1162"/>
+                <a:gd name="T9" fmla="*/ 0 w 1162"/>
+                <a:gd name="T10" fmla="+- 0 14679 14679"/>
+                <a:gd name="T11" fmla="*/ 14679 h 1162"/>
+              </a:gdLst>
+              <a:ahLst/>
+              <a:cxnLst>
+                <a:cxn ang="0">
+                  <a:pos x="T0" y="T2"/>
+                </a:cxn>
+                <a:cxn ang="0">
+                  <a:pos x="T3" y="T5"/>
+                </a:cxn>
+                <a:cxn ang="0">
+                  <a:pos x="T6" y="T8"/>
+                </a:cxn>
+                <a:cxn ang="0">
+                  <a:pos x="T9" y="T11"/>
+                </a:cxn>
+              </a:cxnLst>
+              <a:rect l="0" t="0" r="r" b="b"/>
+              <a:pathLst>
+                <a:path w="1162" h="1162">
+                  <a:moveTo>
+                    <a:pt x="0" y="0"/>
+                  </a:moveTo>
+                  <a:lnTo>
+                    <a:pt x="0" y="1161"/>
+                  </a:lnTo>
+                  <a:lnTo>
+                    <a:pt x="1161" y="1161"/>
+                  </a:lnTo>
+                  <a:lnTo>
+                    <a:pt x="0" y="0"/>
+                  </a:lnTo>
+                  <a:close/>
+                </a:path>
+              </a:pathLst>
+            </a:custGeom>
+            <a:solidFill>
+              <a:schemeClr val="tx2"/>
+            </a:solidFill>
+            <a:ln>
+              <a:noFill/>
+            </a:ln>
+            <a:extLst>
+              <a:ext uri="{91240B29-F687-4F45-9708-019B960494DF}">
+                <a14:hiddenLine xmlns:a14="http://schemas.microsoft.com/office/drawing/2010/main" w="9525">
+                  <a:solidFill>
+                    <a:srgbClr val="000000"/>
+                  </a:solidFill>
+                  <a:round/>
+                  <a:headEnd/>
+                  <a:tailEnd/>
+                </a14:hiddenLine>
+              </a:ext>
+            </a:extLst>
+          </p:spPr>
+          <p:txBody>
+            <a:bodyPr rot="0" vert="horz" wrap="square" lIns="91440" tIns="45720" rIns="91440" bIns="45720" anchor="t" anchorCtr="0" upright="1">
+              <a:noAutofit/>
+            </a:bodyPr>
+            <a:lstStyle/>
+            <a:p>
+              <a:endParaRPr lang="en-US" dirty="0"/>
+            </a:p>
+          </p:txBody>
+        </p:sp>
+        <p:sp>
+          <p:nvSpPr>
+            <p:cNvPr id="22" name="Freeform 21">
+              <a:extLst>
+                <a:ext uri="{FF2B5EF4-FFF2-40B4-BE49-F238E27FC236}">
+                  <a16:creationId xmlns:a16="http://schemas.microsoft.com/office/drawing/2014/main" id="{C18B5461-7151-1494-818A-967443B1FB17}"/>
+                </a:ext>
+              </a:extLst>
+            </p:cNvPr>
+            <p:cNvSpPr>
+              <a:spLocks/>
+            </p:cNvSpPr>
+            <p:nvPr/>
+          </p:nvSpPr>
+          <p:spPr bwMode="auto">
+            <a:xfrm>
+              <a:off x="1221" y="14675"/>
+              <a:ext cx="2329" cy="1165"/>
+            </a:xfrm>
+            <a:custGeom>
+              <a:avLst/>
+              <a:gdLst>
+                <a:gd name="T0" fmla="+- 0 3550 1221"/>
+                <a:gd name="T1" fmla="*/ T0 w 2329"/>
+                <a:gd name="T2" fmla="+- 0 15840 14676"/>
+                <a:gd name="T3" fmla="*/ 15840 h 1165"/>
+                <a:gd name="T4" fmla="+- 0 2386 1221"/>
+                <a:gd name="T5" fmla="*/ T4 w 2329"/>
+                <a:gd name="T6" fmla="+- 0 14676 14676"/>
+                <a:gd name="T7" fmla="*/ 14676 h 1165"/>
+                <a:gd name="T8" fmla="+- 0 1221 1221"/>
+                <a:gd name="T9" fmla="*/ T8 w 2329"/>
+                <a:gd name="T10" fmla="+- 0 15840 14676"/>
+                <a:gd name="T11" fmla="*/ 15840 h 1165"/>
+                <a:gd name="T12" fmla="+- 0 3550 1221"/>
+                <a:gd name="T13" fmla="*/ T12 w 2329"/>
+                <a:gd name="T14" fmla="+- 0 15840 14676"/>
+                <a:gd name="T15" fmla="*/ 15840 h 1165"/>
+              </a:gdLst>
+              <a:ahLst/>
+              <a:cxnLst>
+                <a:cxn ang="0">
+                  <a:pos x="T1" y="T3"/>
+                </a:cxn>
+                <a:cxn ang="0">
+                  <a:pos x="T5" y="T7"/>
+                </a:cxn>
+                <a:cxn ang="0">
+                  <a:pos x="T9" y="T11"/>
+                </a:cxn>
+                <a:cxn ang="0">
+                  <a:pos x="T13" y="T15"/>
+                </a:cxn>
+              </a:cxnLst>
+              <a:rect l="0" t="0" r="r" b="b"/>
+              <a:pathLst>
+                <a:path w="2329" h="1165">
+                  <a:moveTo>
+                    <a:pt x="2329" y="1164"/>
+                  </a:moveTo>
+                  <a:lnTo>
+                    <a:pt x="1165" y="0"/>
+                  </a:lnTo>
+                  <a:lnTo>
+                    <a:pt x="0" y="1164"/>
+                  </a:lnTo>
+                  <a:lnTo>
+                    <a:pt x="2329" y="1164"/>
+                  </a:lnTo>
+                </a:path>
+              </a:pathLst>
+            </a:custGeom>
+            <a:solidFill>
+              <a:schemeClr val="accent3"/>
+            </a:solidFill>
+            <a:ln>
+              <a:noFill/>
+            </a:ln>
+            <a:extLst>
+              <a:ext uri="{91240B29-F687-4F45-9708-019B960494DF}">
+                <a14:hiddenLine xmlns:a14="http://schemas.microsoft.com/office/drawing/2010/main" w="9525">
+                  <a:solidFill>
+                    <a:srgbClr val="000000"/>
+                  </a:solidFill>
+                  <a:round/>
+                  <a:headEnd/>
+                  <a:tailEnd/>
+                </a14:hiddenLine>
+              </a:ext>
+            </a:extLst>
+          </p:spPr>
+          <p:txBody>
+            <a:bodyPr rot="0" vert="horz" wrap="square" lIns="91440" tIns="45720" rIns="91440" bIns="45720" anchor="t" anchorCtr="0" upright="1">
+              <a:noAutofit/>
+            </a:bodyPr>
+            <a:lstStyle/>
+            <a:p>
+              <a:endParaRPr lang="en-US" dirty="0"/>
+            </a:p>
+          </p:txBody>
+        </p:sp>
+      </p:grpSp>
+      <p:sp>
+        <p:nvSpPr>
+          <p:cNvPr id="2" name="Text Placeholder 6">
+            <a:extLst>
+              <a:ext uri="{FF2B5EF4-FFF2-40B4-BE49-F238E27FC236}">
+                <a16:creationId xmlns:a16="http://schemas.microsoft.com/office/drawing/2014/main" id="{FC9C9A37-D3E8-637E-F09F-7832F6C04881}"/>
+              </a:ext>
+            </a:extLst>
+          </p:cNvPr>
+          <p:cNvSpPr txBox="1">
+            <a:spLocks/>
+          </p:cNvSpPr>
+          <p:nvPr/>
+        </p:nvSpPr>
+        <p:spPr>
+          <a:xfrm>
+            <a:off x="3291840" y="4561840"/>
+            <a:ext cx="8900160" cy="2193286"/>
+          </a:xfrm>
+          <a:prstGeom prst="rect">
+            <a:avLst/>
+          </a:prstGeom>
+        </p:spPr>
+        <p:txBody>
+          <a:bodyPr vert="horz" lIns="0" tIns="228600" rIns="0" bIns="0" rtlCol="0">
+            <a:normAutofit/>
+          </a:bodyPr>
+          <a:lstStyle>
+            <a:lvl1pPr marL="283464" indent="-283464" algn="l" defTabSz="914400" rtl="0" eaLnBrk="1" latinLnBrk="0" hangingPunct="1">
+              <a:lnSpc>
+                <a:spcPct val="90000"/>
+              </a:lnSpc>
+              <a:spcBef>
+                <a:spcPts val="1800"/>
+              </a:spcBef>
+              <a:buFont typeface="Arial" panose="020B0604020202020204" pitchFamily="34" charset="0"/>
+              <a:buChar char="•"/>
+              <a:defRPr sz="2000" b="0" i="0" kern="1200">
+                <a:solidFill>
+                  <a:schemeClr val="bg1"/>
+                </a:solidFill>
+                <a:latin typeface="+mn-lt"/>
+                <a:ea typeface="+mn-ea"/>
+                <a:cs typeface="+mn-cs"/>
+              </a:defRPr>
+            </a:lvl1pPr>
+            <a:lvl2pPr marL="685800" indent="-283464" algn="l" defTabSz="914400" rtl="0" eaLnBrk="1" latinLnBrk="0" hangingPunct="1">
+              <a:lnSpc>
+                <a:spcPct val="90000"/>
+              </a:lnSpc>
+              <a:spcBef>
+                <a:spcPts val="1800"/>
+              </a:spcBef>
+              <a:buFont typeface="Arial" panose="020B0604020202020204" pitchFamily="34" charset="0"/>
+              <a:buChar char="•"/>
+              <a:defRPr sz="2000" b="0" i="0" kern="1200">
+                <a:solidFill>
+                  <a:schemeClr val="bg1"/>
+                </a:solidFill>
+                <a:latin typeface="+mn-lt"/>
+                <a:ea typeface="+mn-ea"/>
+                <a:cs typeface="+mn-cs"/>
+              </a:defRPr>
+            </a:lvl2pPr>
+            <a:lvl3pPr marL="1143000" indent="-283464" algn="l" defTabSz="914400" rtl="0" eaLnBrk="1" latinLnBrk="0" hangingPunct="1">
+              <a:lnSpc>
+                <a:spcPct val="90000"/>
+              </a:lnSpc>
+              <a:spcBef>
+                <a:spcPts val="1800"/>
+              </a:spcBef>
+              <a:buFont typeface="Arial" panose="020B0604020202020204" pitchFamily="34" charset="0"/>
+              <a:buChar char="•"/>
+              <a:defRPr sz="2000" b="0" i="0" kern="1200">
+                <a:solidFill>
+                  <a:schemeClr val="bg1"/>
+                </a:solidFill>
+                <a:latin typeface="+mn-lt"/>
+                <a:ea typeface="+mn-ea"/>
+                <a:cs typeface="+mn-cs"/>
+              </a:defRPr>
+            </a:lvl3pPr>
+            <a:lvl4pPr marL="1600200" indent="-283464" algn="l" defTabSz="914400" rtl="0" eaLnBrk="1" latinLnBrk="0" hangingPunct="1">
+              <a:lnSpc>
+                <a:spcPct val="90000"/>
+              </a:lnSpc>
+              <a:spcBef>
+                <a:spcPts val="1800"/>
+              </a:spcBef>
+              <a:buFont typeface="Arial" panose="020B0604020202020204" pitchFamily="34" charset="0"/>
+              <a:buChar char="•"/>
+              <a:defRPr sz="2000" b="0" i="0" kern="1200">
+                <a:solidFill>
+                  <a:schemeClr val="bg1"/>
+                </a:solidFill>
+                <a:latin typeface="+mn-lt"/>
+                <a:ea typeface="+mn-ea"/>
+                <a:cs typeface="+mn-cs"/>
+              </a:defRPr>
+            </a:lvl4pPr>
+            <a:lvl5pPr marL="2057400" indent="-283464" algn="l" defTabSz="914400" rtl="0" eaLnBrk="1" latinLnBrk="0" hangingPunct="1">
+              <a:lnSpc>
+                <a:spcPct val="90000"/>
+              </a:lnSpc>
+              <a:spcBef>
+                <a:spcPts val="1800"/>
+              </a:spcBef>
+              <a:buFont typeface="Arial" panose="020B0604020202020204" pitchFamily="34" charset="0"/>
+              <a:buChar char="•"/>
+              <a:defRPr sz="2000" b="0" i="0" kern="1200">
+                <a:solidFill>
+                  <a:schemeClr val="bg1"/>
+                </a:solidFill>
+                <a:latin typeface="+mn-lt"/>
+                <a:ea typeface="+mn-ea"/>
+                <a:cs typeface="+mn-cs"/>
+              </a:defRPr>
+            </a:lvl5pPr>
+            <a:lvl6pPr marL="2514600" indent="-228600" algn="l" defTabSz="914400" rtl="0" eaLnBrk="1" latinLnBrk="0" hangingPunct="1">
+              <a:lnSpc>
+                <a:spcPct val="90000"/>
+              </a:lnSpc>
+              <a:spcBef>
+                <a:spcPts val="500"/>
+              </a:spcBef>
+              <a:buFont typeface="Arial" panose="020B0604020202020204" pitchFamily="34" charset="0"/>
+              <a:buChar char="•"/>
+              <a:defRPr sz="1800" kern="1200">
+                <a:solidFill>
+                  <a:schemeClr val="tx1"/>
+                </a:solidFill>
+                <a:latin typeface="+mn-lt"/>
+                <a:ea typeface="+mn-ea"/>
+                <a:cs typeface="+mn-cs"/>
+              </a:defRPr>
+            </a:lvl6pPr>
+            <a:lvl7pPr marL="2971800" indent="-228600" algn="l" defTabSz="914400" rtl="0" eaLnBrk="1" latinLnBrk="0" hangingPunct="1">
+              <a:lnSpc>
+                <a:spcPct val="90000"/>
+              </a:lnSpc>
+              <a:spcBef>
+                <a:spcPts val="500"/>
+              </a:spcBef>
+              <a:buFont typeface="Arial" panose="020B0604020202020204" pitchFamily="34" charset="0"/>
+              <a:buChar char="•"/>
+              <a:defRPr sz="1800" kern="1200">
+                <a:solidFill>
+                  <a:schemeClr val="tx1"/>
+                </a:solidFill>
+                <a:latin typeface="+mn-lt"/>
+                <a:ea typeface="+mn-ea"/>
+                <a:cs typeface="+mn-cs"/>
+              </a:defRPr>
+            </a:lvl7pPr>
+            <a:lvl8pPr marL="3429000" indent="-228600" algn="l" defTabSz="914400" rtl="0" eaLnBrk="1" latinLnBrk="0" hangingPunct="1">
+              <a:lnSpc>
+                <a:spcPct val="90000"/>
+              </a:lnSpc>
+              <a:spcBef>
+                <a:spcPts val="500"/>
+              </a:spcBef>
+              <a:buFont typeface="Arial" panose="020B0604020202020204" pitchFamily="34" charset="0"/>
+              <a:buChar char="•"/>
+              <a:defRPr sz="1800" kern="1200">
+                <a:solidFill>
+                  <a:schemeClr val="tx1"/>
+                </a:solidFill>
+                <a:latin typeface="+mn-lt"/>
+                <a:ea typeface="+mn-ea"/>
+                <a:cs typeface="+mn-cs"/>
+              </a:defRPr>
+            </a:lvl8pPr>
+            <a:lvl9pPr marL="3886200" indent="-228600" algn="l" defTabSz="914400" rtl="0" eaLnBrk="1" latinLnBrk="0" hangingPunct="1">
+              <a:lnSpc>
+                <a:spcPct val="90000"/>
+              </a:lnSpc>
+              <a:spcBef>
+                <a:spcPts val="500"/>
+              </a:spcBef>
+              <a:buFont typeface="Arial" panose="020B0604020202020204" pitchFamily="34" charset="0"/>
+              <a:buChar char="•"/>
+              <a:defRPr sz="1800" kern="1200">
+                <a:solidFill>
+                  <a:schemeClr val="tx1"/>
+                </a:solidFill>
+                <a:latin typeface="+mn-lt"/>
+                <a:ea typeface="+mn-ea"/>
+                <a:cs typeface="+mn-cs"/>
+              </a:defRPr>
+            </a:lvl9pPr>
+          </a:lstStyle>
+          <a:p>
+            <a:pPr>
+              <a:lnSpc>
+                <a:spcPct val="100000"/>
+              </a:lnSpc>
+              <a:spcBef>
+                <a:spcPts val="0"/>
+              </a:spcBef>
+            </a:pPr>
+            <a:endParaRPr lang="en-US" dirty="0"/>
+          </a:p>
+        </p:txBody>
+      </p:sp>
+      <p:sp>
+        <p:nvSpPr>
+          <p:cNvPr id="5" name="Content Placeholder 4">
+            <a:extLst>
+              <a:ext uri="{FF2B5EF4-FFF2-40B4-BE49-F238E27FC236}">
+                <a16:creationId xmlns:a16="http://schemas.microsoft.com/office/drawing/2014/main" id="{A83316C6-53D3-5577-4BA2-AD0AA050221B}"/>
+              </a:ext>
+            </a:extLst>
+          </p:cNvPr>
+          <p:cNvSpPr>
+            <a:spLocks noGrp="1"/>
+          </p:cNvSpPr>
+          <p:nvPr>
+            <p:ph sz="quarter" idx="13"/>
+          </p:nvPr>
+        </p:nvSpPr>
+        <p:spPr>
+          <a:xfrm>
+            <a:off x="314960" y="2282008"/>
+            <a:ext cx="11153140" cy="4179178"/>
+          </a:xfrm>
+        </p:spPr>
+        <p:txBody>
+          <a:bodyPr/>
+          <a:lstStyle/>
+          <a:p>
+            <a:pPr marL="0" indent="0">
+              <a:lnSpc>
+                <a:spcPct val="100000"/>
+              </a:lnSpc>
+              <a:spcBef>
+                <a:spcPts val="0"/>
+              </a:spcBef>
+              <a:buNone/>
+            </a:pPr>
+            <a:r>
+              <a:rPr lang="en-US" b="1" dirty="0"/>
+              <a:t>Pattern-ul Proxy</a:t>
+            </a:r>
+            <a:r>
+              <a:rPr lang="en-US" dirty="0"/>
+              <a:t> </a:t>
+            </a:r>
+            <a:r>
+              <a:rPr lang="en-US" dirty="0" err="1"/>
+              <a:t>este</a:t>
+            </a:r>
+            <a:r>
+              <a:rPr lang="en-US" dirty="0"/>
+              <a:t> un </a:t>
+            </a:r>
+            <a:r>
+              <a:rPr lang="en-US" i="1" dirty="0"/>
+              <a:t>pattern de design structural</a:t>
+            </a:r>
+            <a:r>
+              <a:rPr lang="en-US" dirty="0"/>
+              <a:t> care </a:t>
+            </a:r>
+            <a:r>
+              <a:rPr lang="en-US" dirty="0" err="1"/>
+              <a:t>permite</a:t>
+            </a:r>
+            <a:r>
+              <a:rPr lang="en-US" dirty="0"/>
+              <a:t> </a:t>
+            </a:r>
+            <a:r>
+              <a:rPr lang="en-US" dirty="0" err="1"/>
+              <a:t>furnizarea</a:t>
+            </a:r>
+            <a:r>
+              <a:rPr lang="en-US" dirty="0"/>
+              <a:t> </a:t>
+            </a:r>
+            <a:r>
+              <a:rPr lang="en-US" dirty="0" err="1"/>
+              <a:t>unui</a:t>
+            </a:r>
+            <a:r>
+              <a:rPr lang="en-US" dirty="0"/>
+              <a:t> </a:t>
+            </a:r>
+            <a:r>
+              <a:rPr lang="en-US" b="1" dirty="0" err="1"/>
+              <a:t>înlocuitor</a:t>
+            </a:r>
+            <a:r>
+              <a:rPr lang="en-US" dirty="0"/>
+              <a:t> </a:t>
+            </a:r>
+            <a:r>
+              <a:rPr lang="en-US" dirty="0" err="1"/>
+              <a:t>sau</a:t>
+            </a:r>
+            <a:r>
+              <a:rPr lang="en-US" dirty="0"/>
+              <a:t> </a:t>
+            </a:r>
+            <a:r>
+              <a:rPr lang="en-US" b="1" dirty="0" err="1"/>
+              <a:t>intermediar</a:t>
+            </a:r>
+            <a:r>
+              <a:rPr lang="en-US" dirty="0"/>
+              <a:t> </a:t>
+            </a:r>
+            <a:r>
+              <a:rPr lang="en-US" dirty="0" err="1"/>
+              <a:t>pentru</a:t>
+            </a:r>
+            <a:r>
+              <a:rPr lang="en-US" dirty="0"/>
+              <a:t> un alt </a:t>
+            </a:r>
+            <a:r>
+              <a:rPr lang="en-US" dirty="0" err="1"/>
+              <a:t>obiect</a:t>
+            </a:r>
+            <a:r>
+              <a:rPr lang="en-US" dirty="0"/>
+              <a:t>.</a:t>
+            </a:r>
+          </a:p>
+          <a:p>
+            <a:pPr marL="0" indent="0">
+              <a:lnSpc>
+                <a:spcPct val="100000"/>
+              </a:lnSpc>
+              <a:spcBef>
+                <a:spcPts val="0"/>
+              </a:spcBef>
+              <a:buNone/>
+            </a:pPr>
+            <a:endParaRPr lang="en-US" dirty="0"/>
+          </a:p>
+          <a:p>
+            <a:pPr marL="0" indent="0">
+              <a:lnSpc>
+                <a:spcPct val="100000"/>
+              </a:lnSpc>
+              <a:spcBef>
+                <a:spcPts val="0"/>
+              </a:spcBef>
+              <a:buNone/>
+            </a:pPr>
+            <a:r>
+              <a:rPr lang="en-US" dirty="0"/>
+              <a:t>Un </a:t>
+            </a:r>
+            <a:r>
+              <a:rPr lang="en-US" dirty="0" err="1"/>
+              <a:t>obiect</a:t>
+            </a:r>
+            <a:r>
+              <a:rPr lang="en-US" dirty="0"/>
+              <a:t> proxy </a:t>
+            </a:r>
+            <a:r>
+              <a:rPr lang="en-US" b="1" dirty="0" err="1"/>
+              <a:t>controlează</a:t>
+            </a:r>
+            <a:r>
+              <a:rPr lang="en-US" b="1" dirty="0"/>
+              <a:t> </a:t>
+            </a:r>
+            <a:r>
+              <a:rPr lang="en-US" b="1" dirty="0" err="1"/>
+              <a:t>accesul</a:t>
+            </a:r>
+            <a:r>
+              <a:rPr lang="en-US" dirty="0"/>
+              <a:t> la </a:t>
+            </a:r>
+            <a:r>
+              <a:rPr lang="en-US" dirty="0" err="1"/>
+              <a:t>obiectul</a:t>
+            </a:r>
+            <a:r>
+              <a:rPr lang="en-US" dirty="0"/>
+              <a:t> original, </a:t>
+            </a:r>
+            <a:r>
+              <a:rPr lang="en-US" dirty="0" err="1"/>
+              <a:t>permițând</a:t>
+            </a:r>
+            <a:r>
+              <a:rPr lang="en-US" dirty="0"/>
+              <a:t> </a:t>
+            </a:r>
+            <a:r>
+              <a:rPr lang="en-US" dirty="0" err="1"/>
+              <a:t>efectuarea</a:t>
+            </a:r>
+            <a:r>
+              <a:rPr lang="en-US" dirty="0"/>
+              <a:t> </a:t>
+            </a:r>
+            <a:r>
+              <a:rPr lang="en-US" dirty="0" err="1"/>
+              <a:t>unor</a:t>
+            </a:r>
+            <a:r>
+              <a:rPr lang="en-US" dirty="0"/>
+              <a:t> </a:t>
+            </a:r>
+            <a:r>
+              <a:rPr lang="en-US" dirty="0" err="1"/>
+              <a:t>acțiuni</a:t>
+            </a:r>
+            <a:r>
+              <a:rPr lang="en-US" dirty="0"/>
+              <a:t> </a:t>
+            </a:r>
+            <a:r>
+              <a:rPr lang="en-US" b="1" dirty="0" err="1"/>
+              <a:t>înainte</a:t>
+            </a:r>
+            <a:r>
+              <a:rPr lang="en-US" b="1" dirty="0"/>
+              <a:t> </a:t>
+            </a:r>
+            <a:r>
+              <a:rPr lang="en-US" b="1" dirty="0" err="1"/>
+              <a:t>sau</a:t>
+            </a:r>
+            <a:r>
+              <a:rPr lang="en-US" b="1" dirty="0"/>
+              <a:t> </a:t>
+            </a:r>
+            <a:r>
+              <a:rPr lang="en-US" b="1" dirty="0" err="1"/>
+              <a:t>după</a:t>
+            </a:r>
+            <a:r>
+              <a:rPr lang="en-US" dirty="0"/>
+              <a:t> </a:t>
+            </a:r>
+            <a:r>
+              <a:rPr lang="en-US" dirty="0" err="1"/>
+              <a:t>ce</a:t>
+            </a:r>
+            <a:r>
+              <a:rPr lang="en-US" dirty="0"/>
+              <a:t> </a:t>
+            </a:r>
+            <a:r>
+              <a:rPr lang="en-US" dirty="0" err="1"/>
+              <a:t>requestul</a:t>
+            </a:r>
+            <a:r>
+              <a:rPr lang="en-US" dirty="0"/>
+              <a:t> </a:t>
+            </a:r>
+            <a:r>
+              <a:rPr lang="en-US" dirty="0" err="1"/>
+              <a:t>ajunge</a:t>
+            </a:r>
+            <a:r>
+              <a:rPr lang="en-US" dirty="0"/>
+              <a:t> la </a:t>
+            </a:r>
+            <a:r>
+              <a:rPr lang="en-US" dirty="0" err="1"/>
+              <a:t>obiectul</a:t>
+            </a:r>
+            <a:r>
+              <a:rPr lang="en-US" dirty="0"/>
+              <a:t> real.</a:t>
+            </a:r>
+          </a:p>
+        </p:txBody>
+      </p:sp>
+      <p:sp>
+        <p:nvSpPr>
+          <p:cNvPr id="4" name="Rectangle 1">
+            <a:extLst>
+              <a:ext uri="{FF2B5EF4-FFF2-40B4-BE49-F238E27FC236}">
+                <a16:creationId xmlns:a16="http://schemas.microsoft.com/office/drawing/2014/main" id="{BC5EC3CD-1815-536B-F4D0-F651E6D58613}"/>
+              </a:ext>
+            </a:extLst>
+          </p:cNvPr>
+          <p:cNvSpPr>
+            <a:spLocks noChangeArrowheads="1"/>
+          </p:cNvSpPr>
+          <p:nvPr/>
+        </p:nvSpPr>
+        <p:spPr bwMode="auto">
+          <a:xfrm>
+            <a:off x="0" y="0"/>
+            <a:ext cx="12192000" cy="457200"/>
+          </a:xfrm>
+          <a:prstGeom prst="rect">
+            <a:avLst/>
+          </a:prstGeom>
+          <a:noFill/>
+          <a:ln>
+            <a:noFill/>
+          </a:ln>
+          <a:effectLst/>
+          <a:extLst>
+            <a:ext uri="{909E8E84-426E-40DD-AFC4-6F175D3DCCD1}">
+              <a14:hiddenFill xmlns:a14="http://schemas.microsoft.com/office/drawing/2010/main">
+                <a:solidFill>
+                  <a:schemeClr val="accent1"/>
+                </a:solidFill>
+              </a14:hiddenFill>
+            </a:ext>
+            <a:ext uri="{91240B29-F687-4F45-9708-019B960494DF}">
+              <a14:hiddenLine xmlns:a14="http://schemas.microsoft.com/office/drawing/2010/main" w="9525">
+                <a:solidFill>
+                  <a:schemeClr val="tx1"/>
+                </a:solidFill>
+                <a:miter lim="800000"/>
+                <a:headEnd/>
+                <a:tailEnd/>
+              </a14:hiddenLine>
+            </a:ext>
+            <a:ext uri="{AF507438-7753-43E0-B8FC-AC1667EBCBE1}">
+              <a14:hiddenEffects xmlns:a14="http://schemas.microsoft.com/office/drawing/2010/main">
+                <a:effectLst>
+                  <a:outerShdw dist="35921" dir="2700000" algn="ctr" rotWithShape="0">
+                    <a:schemeClr val="bg2"/>
+                  </a:outerShdw>
+                </a:effectLst>
+              </a14:hiddenEffects>
+            </a:ext>
+          </a:extLst>
+        </p:spPr>
+        <p:txBody>
+          <a:bodyPr vert="horz" wrap="none" lIns="91440" tIns="45720" rIns="91440" bIns="45720" numCol="1" anchor="ctr" anchorCtr="0" compatLnSpc="1">
+            <a:prstTxWarp prst="textNoShape">
+              <a:avLst/>
+            </a:prstTxWarp>
+            <a:spAutoFit/>
+          </a:bodyPr>
+          <a:lstStyle/>
+          <a:p>
+            <a:pPr marL="0" marR="0" lvl="0" indent="0" algn="l" defTabSz="914400" rtl="0" eaLnBrk="0" fontAlgn="base" latinLnBrk="0" hangingPunct="0">
+              <a:lnSpc>
+                <a:spcPct val="100000"/>
+              </a:lnSpc>
+              <a:spcBef>
+                <a:spcPct val="0"/>
+              </a:spcBef>
+              <a:spcAft>
+                <a:spcPct val="0"/>
+              </a:spcAft>
+              <a:buClrTx/>
+              <a:buSzTx/>
+              <a:buFontTx/>
+              <a:buNone/>
+              <a:tabLst/>
+            </a:pPr>
+            <a:r>
+              <a:rPr kumimoji="0" lang="en-US" altLang="en-US" sz="1800" b="0" i="0" u="none" strike="noStrike" cap="none" normalizeH="0" baseline="0">
+                <a:ln>
+                  <a:noFill/>
+                </a:ln>
+                <a:solidFill>
+                  <a:schemeClr val="tx1"/>
+                </a:solidFill>
+                <a:effectLst/>
+                <a:latin typeface="Arial" panose="020B0604020202020204" pitchFamily="34" charset="0"/>
+              </a:rPr>
+              <a:t>Pattern-ul Bridge este un </a:t>
+            </a:r>
+            <a:r>
+              <a:rPr kumimoji="0" lang="en-US" altLang="en-US" sz="1800" b="0" i="1" u="none" strike="noStrike" cap="none" normalizeH="0" baseline="0">
+                <a:ln>
+                  <a:noFill/>
+                </a:ln>
+                <a:solidFill>
+                  <a:schemeClr val="tx1"/>
+                </a:solidFill>
+                <a:effectLst/>
+                <a:latin typeface="Arial" panose="020B0604020202020204" pitchFamily="34" charset="0"/>
+              </a:rPr>
+              <a:t>pattern de design structural</a:t>
+            </a:r>
+            <a:r>
+              <a:rPr kumimoji="0" lang="en-US" altLang="en-US" sz="1800" b="0" i="0" u="none" strike="noStrike" cap="none" normalizeH="0" baseline="0">
+                <a:ln>
+                  <a:noFill/>
+                </a:ln>
+                <a:solidFill>
+                  <a:schemeClr val="tx1"/>
+                </a:solidFill>
+                <a:effectLst/>
+                <a:latin typeface="Arial" panose="020B0604020202020204" pitchFamily="34" charset="0"/>
+              </a:rPr>
+              <a:t> care îți permite să împarți o clasă mare sau un set de clase strâns legate în două ierarhii separate — </a:t>
+            </a:r>
+            <a:r>
+              <a:rPr kumimoji="0" lang="en-US" altLang="en-US" sz="1800" b="1" i="0" u="none" strike="noStrike" cap="none" normalizeH="0" baseline="0">
+                <a:ln>
+                  <a:noFill/>
+                </a:ln>
+                <a:solidFill>
+                  <a:schemeClr val="tx1"/>
+                </a:solidFill>
+                <a:effectLst/>
+                <a:latin typeface="Arial" panose="020B0604020202020204" pitchFamily="34" charset="0"/>
+              </a:rPr>
+              <a:t>abstractizare</a:t>
+            </a:r>
+            <a:r>
+              <a:rPr kumimoji="0" lang="en-US" altLang="en-US" sz="1800" b="0" i="0" u="none" strike="noStrike" cap="none" normalizeH="0" baseline="0">
+                <a:ln>
+                  <a:noFill/>
+                </a:ln>
+                <a:solidFill>
+                  <a:schemeClr val="tx1"/>
+                </a:solidFill>
+                <a:effectLst/>
+                <a:latin typeface="Arial" panose="020B0604020202020204" pitchFamily="34" charset="0"/>
+              </a:rPr>
+              <a:t> și </a:t>
+            </a:r>
+            <a:r>
+              <a:rPr kumimoji="0" lang="en-US" altLang="en-US" sz="1800" b="1" i="0" u="none" strike="noStrike" cap="none" normalizeH="0" baseline="0">
+                <a:ln>
+                  <a:noFill/>
+                </a:ln>
+                <a:solidFill>
+                  <a:schemeClr val="tx1"/>
+                </a:solidFill>
+                <a:effectLst/>
+                <a:latin typeface="Arial" panose="020B0604020202020204" pitchFamily="34" charset="0"/>
+              </a:rPr>
+              <a:t>implementare</a:t>
+            </a:r>
+            <a:r>
+              <a:rPr kumimoji="0" lang="en-US" altLang="en-US" sz="1800" b="0" i="0" u="none" strike="noStrike" cap="none" normalizeH="0" baseline="0">
+                <a:ln>
+                  <a:noFill/>
+                </a:ln>
+                <a:solidFill>
+                  <a:schemeClr val="tx1"/>
+                </a:solidFill>
+                <a:effectLst/>
+                <a:latin typeface="Arial" panose="020B0604020202020204" pitchFamily="34" charset="0"/>
+              </a:rPr>
+              <a:t> — care pot fi dezvoltate independent una de cealaltă.</a:t>
+            </a:r>
+          </a:p>
+          <a:p>
+            <a:pPr marL="0" marR="0" lvl="0" indent="0" algn="l" defTabSz="914400" rtl="0" eaLnBrk="0" fontAlgn="base" latinLnBrk="0" hangingPunct="0">
+              <a:lnSpc>
+                <a:spcPct val="100000"/>
+              </a:lnSpc>
+              <a:spcBef>
+                <a:spcPct val="0"/>
+              </a:spcBef>
+              <a:spcAft>
+                <a:spcPct val="0"/>
+              </a:spcAft>
+              <a:buClrTx/>
+              <a:buSzTx/>
+              <a:buFontTx/>
+              <a:buNone/>
+              <a:tabLst/>
+            </a:pPr>
+            <a:r>
+              <a:rPr kumimoji="0" lang="en-US" altLang="en-US" sz="1800" b="0" i="0" u="none" strike="noStrike" cap="none" normalizeH="0" baseline="0">
+                <a:ln>
+                  <a:noFill/>
+                </a:ln>
+                <a:solidFill>
+                  <a:schemeClr val="tx1"/>
+                </a:solidFill>
+                <a:effectLst/>
+                <a:latin typeface="Arial" panose="020B0604020202020204" pitchFamily="34" charset="0"/>
+              </a:rPr>
+              <a:t>Acesta rezolvă de obicei problema denumită </a:t>
+            </a:r>
+            <a:r>
+              <a:rPr kumimoji="0" lang="en-US" altLang="en-US" sz="1800" b="1" i="0" u="none" strike="noStrike" cap="none" normalizeH="0" baseline="0">
+                <a:ln>
+                  <a:noFill/>
+                </a:ln>
+                <a:solidFill>
+                  <a:schemeClr val="tx1"/>
+                </a:solidFill>
+                <a:effectLst/>
+                <a:latin typeface="Arial" panose="020B0604020202020204" pitchFamily="34" charset="0"/>
+              </a:rPr>
+              <a:t>„explozie a spațiului stărilor”</a:t>
+            </a:r>
+            <a:r>
+              <a:rPr kumimoji="0" lang="en-US" altLang="en-US" sz="1800" b="0" i="0" u="none" strike="noStrike" cap="none" normalizeH="0" baseline="0">
+                <a:ln>
+                  <a:noFill/>
+                </a:ln>
+                <a:solidFill>
+                  <a:schemeClr val="tx1"/>
+                </a:solidFill>
+                <a:effectLst/>
+                <a:latin typeface="Arial" panose="020B0604020202020204" pitchFamily="34" charset="0"/>
+              </a:rPr>
+              <a:t>, unde numărul de entități necesare pentru a reprezenta toate stările posibile explodează într-un mod similar produsului cartezian.</a:t>
+            </a:r>
+          </a:p>
+          <a:p>
+            <a:pPr marL="0" marR="0" lvl="0" indent="0" algn="l" defTabSz="914400" rtl="0" eaLnBrk="0" fontAlgn="base" latinLnBrk="0" hangingPunct="0">
+              <a:lnSpc>
+                <a:spcPct val="100000"/>
+              </a:lnSpc>
+              <a:spcBef>
+                <a:spcPct val="0"/>
+              </a:spcBef>
+              <a:spcAft>
+                <a:spcPct val="0"/>
+              </a:spcAft>
+              <a:buClrTx/>
+              <a:buSzTx/>
+              <a:buFontTx/>
+              <a:buNone/>
+              <a:tabLst/>
+            </a:pPr>
+            <a:r>
+              <a:rPr kumimoji="0" lang="en-US" altLang="en-US" sz="1800" b="0" i="0" u="none" strike="noStrike" cap="none" normalizeH="0" baseline="0">
+                <a:ln>
+                  <a:noFill/>
+                </a:ln>
+                <a:solidFill>
+                  <a:schemeClr val="tx1"/>
+                </a:solidFill>
+                <a:effectLst/>
+                <a:latin typeface="Arial" panose="020B0604020202020204" pitchFamily="34" charset="0"/>
+              </a:rPr>
+              <a:t>Pot să-ți ofer și un exemplu ilustrativ sau să explic cum se aplică în proiecte reale, dacă vrei să aprofundezi. Spune-mi tu! 😊</a:t>
+            </a:r>
+          </a:p>
+          <a:p>
+            <a:pPr marL="0" marR="0" lvl="0" indent="0" algn="l" defTabSz="914400" rtl="0" eaLnBrk="0" fontAlgn="base" latinLnBrk="0" hangingPunct="0">
+              <a:lnSpc>
+                <a:spcPct val="100000"/>
+              </a:lnSpc>
+              <a:spcBef>
+                <a:spcPct val="0"/>
+              </a:spcBef>
+              <a:spcAft>
+                <a:spcPct val="0"/>
+              </a:spcAft>
+              <a:buClrTx/>
+              <a:buSzTx/>
+              <a:buFontTx/>
+              <a:buNone/>
+              <a:tabLst/>
+            </a:pPr>
+            <a:endParaRPr kumimoji="0" lang="en-US" altLang="en-US" sz="1800" b="0" i="0" u="none" strike="noStrike" cap="none" normalizeH="0" baseline="0">
+              <a:ln>
+                <a:noFill/>
+              </a:ln>
+              <a:solidFill>
+                <a:schemeClr val="tx1"/>
+              </a:solidFill>
+              <a:effectLst/>
+              <a:latin typeface="Arial" panose="020B0604020202020204" pitchFamily="34" charset="0"/>
+            </a:endParaRPr>
+          </a:p>
+        </p:txBody>
+      </p:sp>
+    </p:spTree>
+    <p:extLst>
+      <p:ext uri="{BB962C8B-B14F-4D97-AF65-F5344CB8AC3E}">
+        <p14:creationId xmlns:p14="http://schemas.microsoft.com/office/powerpoint/2010/main" val="1125766429"/>
       </p:ext>
     </p:extLst>
   </p:cSld>
